--- a/sessions/1-R-taster.pptx
+++ b/sessions/1-R-taster.pptx
@@ -4,6 +4,9 @@
   <p:sldMasterIdLst>
     <p:sldMasterId id="2147483648" r:id="rId1"/>
   </p:sldMasterIdLst>
+  <p:notesMasterIdLst>
+    <p:NotesMasterId r:id="rId16"/>
+  </p:notesMasterIdLst>
   <p:sldIdLst>
     <p:sldId id="256" r:id="rId2"/>
     <p:sldId id="257" r:id="rId3"/>
@@ -13,6 +16,12 @@
     <p:sldId id="261" r:id="rId7"/>
     <p:sldId id="262" r:id="rId8"/>
     <p:sldId id="263" r:id="rId9"/>
+    <p:sldId id="264" r:id="rId10"/>
+    <p:sldId id="265" r:id="rId11"/>
+    <p:sldId id="266" r:id="rId12"/>
+    <p:sldId id="267" r:id="rId13"/>
+    <p:sldId id="268" r:id="rId14"/>
+    <p:sldId id="269" r:id="rId15"/>
   </p:sldIdLst>
   <p:sldSz cx="12192000" cy="6858000"/>
   <p:notesSz cx="6858000" cy="9144000"/>
@@ -117,6 +126,806 @@
     </p:ext>
   </p:extLst>
 </p:presentation>
+</file>
+
+<file path=ppt/notesMasters/notesMaster1.xml><?xml version="1.0" encoding="utf-8"?>
+<p:notesMaster xmlns:a="http://schemas.openxmlformats.org/drawingml/2006/main" xmlns:r="http://schemas.openxmlformats.org/officeDocument/2006/relationships" xmlns:p="http://schemas.openxmlformats.org/presentationml/2006/main">
+  <p:cSld>
+    <p:bg>
+      <p:bgRef idx="1001">
+        <a:schemeClr val="bg1"/>
+      </p:bgRef>
+    </p:bg>
+    <p:spTree>
+      <p:nvGrpSpPr>
+        <p:cNvPr id="1" name=""/>
+        <p:cNvGrpSpPr/>
+        <p:nvPr/>
+      </p:nvGrpSpPr>
+      <p:grpSpPr>
+        <a:xfrm>
+          <a:off x="0" y="0"/>
+          <a:ext cx="0" cy="0"/>
+          <a:chOff x="0" y="0"/>
+          <a:chExt cx="0" cy="0"/>
+        </a:xfrm>
+      </p:grpSpPr>
+      <p:sp>
+        <p:nvSpPr>
+          <p:cNvPr id="2" name="Header Placeholder 1"/>
+          <p:cNvSpPr>
+            <a:spLocks noGrp="1"/>
+          </p:cNvSpPr>
+          <p:nvPr>
+            <p:ph type="hdr" sz="quarter"/>
+          </p:nvPr>
+        </p:nvSpPr>
+        <p:spPr>
+          <a:xfrm>
+            <a:off x="0" y="0"/>
+            <a:ext cx="2971800" cy="458788"/>
+          </a:xfrm>
+          <a:prstGeom prst="rect">
+            <a:avLst/>
+          </a:prstGeom>
+        </p:spPr>
+        <p:txBody>
+          <a:bodyPr vert="horz" lIns="91440" tIns="45720" rIns="91440" bIns="45720" rtlCol="0"/>
+          <a:lstStyle>
+            <a:lvl1pPr algn="l">
+              <a:defRPr sz="1200"/>
+            </a:lvl1pPr>
+          </a:lstStyle>
+          <a:p>
+            <a:endParaRPr lang="en-US"/>
+          </a:p>
+        </p:txBody>
+      </p:sp>
+      <p:sp>
+        <p:nvSpPr>
+          <p:cNvPr id="3" name="Date Placeholder 2"/>
+          <p:cNvSpPr>
+            <a:spLocks noGrp="1"/>
+          </p:cNvSpPr>
+          <p:nvPr>
+            <p:ph type="dt" idx="1"/>
+          </p:nvPr>
+        </p:nvSpPr>
+        <p:spPr>
+          <a:xfrm>
+            <a:off x="3884613" y="0"/>
+            <a:ext cx="2971800" cy="458788"/>
+          </a:xfrm>
+          <a:prstGeom prst="rect">
+            <a:avLst/>
+          </a:prstGeom>
+        </p:spPr>
+        <p:txBody>
+          <a:bodyPr vert="horz" lIns="91440" tIns="45720" rIns="91440" bIns="45720" rtlCol="0"/>
+          <a:lstStyle>
+            <a:lvl1pPr algn="r">
+              <a:defRPr sz="1200"/>
+            </a:lvl1pPr>
+          </a:lstStyle>
+          <a:p>
+            <a:fld id="{0F9C1CCF-B725-44A7-AA57-5E433BD85C9F}" type="datetimeFigureOut">
+              <a:rPr lang="en-US" smtClean="0"/>
+              <a:t>4/5/2019</a:t>
+            </a:fld>
+            <a:endParaRPr lang="en-US"/>
+          </a:p>
+        </p:txBody>
+      </p:sp>
+      <p:sp>
+        <p:nvSpPr>
+          <p:cNvPr id="4" name="Slide Image Placeholder 3"/>
+          <p:cNvSpPr>
+            <a:spLocks noGrp="1" noRot="1" noChangeAspect="1"/>
+          </p:cNvSpPr>
+          <p:nvPr>
+            <p:ph type="sldImg" idx="2"/>
+          </p:nvPr>
+        </p:nvSpPr>
+        <p:spPr>
+          <a:xfrm>
+            <a:off x="1371600" y="1143000"/>
+            <a:ext cx="4114800" cy="3086100"/>
+          </a:xfrm>
+          <a:prstGeom prst="rect">
+            <a:avLst/>
+          </a:prstGeom>
+          <a:noFill/>
+          <a:ln w="12700">
+            <a:solidFill>
+              <a:prstClr val="black"/>
+            </a:solidFill>
+          </a:ln>
+        </p:spPr>
+        <p:txBody>
+          <a:bodyPr vert="horz" lIns="91440" tIns="45720" rIns="91440" bIns="45720" rtlCol="0" anchor="ctr"/>
+          <a:lstStyle/>
+          <a:p>
+            <a:endParaRPr lang="en-US"/>
+          </a:p>
+        </p:txBody>
+      </p:sp>
+      <p:sp>
+        <p:nvSpPr>
+          <p:cNvPr id="5" name="Notes Placeholder 4"/>
+          <p:cNvSpPr>
+            <a:spLocks noGrp="1"/>
+          </p:cNvSpPr>
+          <p:nvPr>
+            <p:ph type="body" sz="quarter" idx="3"/>
+          </p:nvPr>
+        </p:nvSpPr>
+        <p:spPr>
+          <a:xfrm>
+            <a:off x="685800" y="4400550"/>
+            <a:ext cx="5486400" cy="3600450"/>
+          </a:xfrm>
+          <a:prstGeom prst="rect">
+            <a:avLst/>
+          </a:prstGeom>
+        </p:spPr>
+        <p:txBody>
+          <a:bodyPr vert="horz" lIns="91440" tIns="45720" rIns="91440" bIns="45720" rtlCol="0"/>
+          <a:lstStyle/>
+          <a:p>
+            <a:pPr lvl="0"/>
+            <a:r>
+              <a:rPr lang="en-US" smtClean="0"/>
+              <a:t>Click to edit Master text styles</a:t>
+            </a:r>
+          </a:p>
+          <a:p>
+            <a:pPr lvl="1"/>
+            <a:r>
+              <a:rPr lang="en-US" smtClean="0"/>
+              <a:t>Second level</a:t>
+            </a:r>
+          </a:p>
+          <a:p>
+            <a:pPr lvl="2"/>
+            <a:r>
+              <a:rPr lang="en-US" smtClean="0"/>
+              <a:t>Third level</a:t>
+            </a:r>
+          </a:p>
+          <a:p>
+            <a:pPr lvl="3"/>
+            <a:r>
+              <a:rPr lang="en-US" smtClean="0"/>
+              <a:t>Fourth level</a:t>
+            </a:r>
+          </a:p>
+          <a:p>
+            <a:pPr lvl="4"/>
+            <a:r>
+              <a:rPr lang="en-US" smtClean="0"/>
+              <a:t>Fifth level</a:t>
+            </a:r>
+            <a:endParaRPr lang="en-US"/>
+          </a:p>
+        </p:txBody>
+      </p:sp>
+      <p:sp>
+        <p:nvSpPr>
+          <p:cNvPr id="6" name="Footer Placeholder 5"/>
+          <p:cNvSpPr>
+            <a:spLocks noGrp="1"/>
+          </p:cNvSpPr>
+          <p:nvPr>
+            <p:ph type="ftr" sz="quarter" idx="4"/>
+          </p:nvPr>
+        </p:nvSpPr>
+        <p:spPr>
+          <a:xfrm>
+            <a:off x="0" y="8685213"/>
+            <a:ext cx="2971800" cy="458787"/>
+          </a:xfrm>
+          <a:prstGeom prst="rect">
+            <a:avLst/>
+          </a:prstGeom>
+        </p:spPr>
+        <p:txBody>
+          <a:bodyPr vert="horz" lIns="91440" tIns="45720" rIns="91440" bIns="45720" rtlCol="0" anchor="b"/>
+          <a:lstStyle>
+            <a:lvl1pPr algn="l">
+              <a:defRPr sz="1200"/>
+            </a:lvl1pPr>
+          </a:lstStyle>
+          <a:p>
+            <a:endParaRPr lang="en-US"/>
+          </a:p>
+        </p:txBody>
+      </p:sp>
+      <p:sp>
+        <p:nvSpPr>
+          <p:cNvPr id="7" name="Slide Number Placeholder 6"/>
+          <p:cNvSpPr>
+            <a:spLocks noGrp="1"/>
+          </p:cNvSpPr>
+          <p:nvPr>
+            <p:ph type="sldNum" sz="quarter" idx="5"/>
+          </p:nvPr>
+        </p:nvSpPr>
+        <p:spPr>
+          <a:xfrm>
+            <a:off x="3884613" y="8685213"/>
+            <a:ext cx="2971800" cy="458787"/>
+          </a:xfrm>
+          <a:prstGeom prst="rect">
+            <a:avLst/>
+          </a:prstGeom>
+        </p:spPr>
+        <p:txBody>
+          <a:bodyPr vert="horz" lIns="91440" tIns="45720" rIns="91440" bIns="45720" rtlCol="0" anchor="b"/>
+          <a:lstStyle>
+            <a:lvl1pPr algn="r">
+              <a:defRPr sz="1200"/>
+            </a:lvl1pPr>
+          </a:lstStyle>
+          <a:p>
+            <a:fld id="{18BDFEC3-8487-43E8-A154-7C12CBC1FFF2}" type="slidenum">
+              <a:rPr lang="en-US" smtClean="0"/>
+              <a:t>‹#›</a:t>
+            </a:fld>
+            <a:endParaRPr lang="en-US"/>
+          </a:p>
+        </p:txBody>
+      </p:sp>
+    </p:spTree>
+    <p:extLst>
+      <p:ext uri="{BB962C8B-B14F-4D97-AF65-F5344CB8AC3E}">
+        <p14:creationId xmlns:p14="http://schemas.microsoft.com/office/powerpoint/2010/main" val="3782709779"/>
+      </p:ext>
+    </p:extLst>
+  </p:cSld>
+  <p:clrMap bg1="lt1" tx1="dk1" bg2="lt2" tx2="dk2" accent1="accent1" accent2="accent2" accent3="accent3" accent4="accent4" accent5="accent5" accent6="accent6" hlink="hlink" folHlink="folHlink"/>
+  <p:notesStyle>
+    <a:lvl1pPr marL="0" algn="l" defTabSz="914400" rtl="0" eaLnBrk="1" latinLnBrk="0" hangingPunct="1">
+      <a:defRPr sz="1200" kern="1200">
+        <a:solidFill>
+          <a:schemeClr val="tx1"/>
+        </a:solidFill>
+        <a:latin typeface="+mn-lt"/>
+        <a:ea typeface="+mn-ea"/>
+        <a:cs typeface="+mn-cs"/>
+      </a:defRPr>
+    </a:lvl1pPr>
+    <a:lvl2pPr marL="457200" algn="l" defTabSz="914400" rtl="0" eaLnBrk="1" latinLnBrk="0" hangingPunct="1">
+      <a:defRPr sz="1200" kern="1200">
+        <a:solidFill>
+          <a:schemeClr val="tx1"/>
+        </a:solidFill>
+        <a:latin typeface="+mn-lt"/>
+        <a:ea typeface="+mn-ea"/>
+        <a:cs typeface="+mn-cs"/>
+      </a:defRPr>
+    </a:lvl2pPr>
+    <a:lvl3pPr marL="914400" algn="l" defTabSz="914400" rtl="0" eaLnBrk="1" latinLnBrk="0" hangingPunct="1">
+      <a:defRPr sz="1200" kern="1200">
+        <a:solidFill>
+          <a:schemeClr val="tx1"/>
+        </a:solidFill>
+        <a:latin typeface="+mn-lt"/>
+        <a:ea typeface="+mn-ea"/>
+        <a:cs typeface="+mn-cs"/>
+      </a:defRPr>
+    </a:lvl3pPr>
+    <a:lvl4pPr marL="1371600" algn="l" defTabSz="914400" rtl="0" eaLnBrk="1" latinLnBrk="0" hangingPunct="1">
+      <a:defRPr sz="1200" kern="1200">
+        <a:solidFill>
+          <a:schemeClr val="tx1"/>
+        </a:solidFill>
+        <a:latin typeface="+mn-lt"/>
+        <a:ea typeface="+mn-ea"/>
+        <a:cs typeface="+mn-cs"/>
+      </a:defRPr>
+    </a:lvl4pPr>
+    <a:lvl5pPr marL="1828800" algn="l" defTabSz="914400" rtl="0" eaLnBrk="1" latinLnBrk="0" hangingPunct="1">
+      <a:defRPr sz="1200" kern="1200">
+        <a:solidFill>
+          <a:schemeClr val="tx1"/>
+        </a:solidFill>
+        <a:latin typeface="+mn-lt"/>
+        <a:ea typeface="+mn-ea"/>
+        <a:cs typeface="+mn-cs"/>
+      </a:defRPr>
+    </a:lvl5pPr>
+    <a:lvl6pPr marL="2286000" algn="l" defTabSz="914400" rtl="0" eaLnBrk="1" latinLnBrk="0" hangingPunct="1">
+      <a:defRPr sz="1200" kern="1200">
+        <a:solidFill>
+          <a:schemeClr val="tx1"/>
+        </a:solidFill>
+        <a:latin typeface="+mn-lt"/>
+        <a:ea typeface="+mn-ea"/>
+        <a:cs typeface="+mn-cs"/>
+      </a:defRPr>
+    </a:lvl6pPr>
+    <a:lvl7pPr marL="2743200" algn="l" defTabSz="914400" rtl="0" eaLnBrk="1" latinLnBrk="0" hangingPunct="1">
+      <a:defRPr sz="1200" kern="1200">
+        <a:solidFill>
+          <a:schemeClr val="tx1"/>
+        </a:solidFill>
+        <a:latin typeface="+mn-lt"/>
+        <a:ea typeface="+mn-ea"/>
+        <a:cs typeface="+mn-cs"/>
+      </a:defRPr>
+    </a:lvl7pPr>
+    <a:lvl8pPr marL="3200400" algn="l" defTabSz="914400" rtl="0" eaLnBrk="1" latinLnBrk="0" hangingPunct="1">
+      <a:defRPr sz="1200" kern="1200">
+        <a:solidFill>
+          <a:schemeClr val="tx1"/>
+        </a:solidFill>
+        <a:latin typeface="+mn-lt"/>
+        <a:ea typeface="+mn-ea"/>
+        <a:cs typeface="+mn-cs"/>
+      </a:defRPr>
+    </a:lvl8pPr>
+    <a:lvl9pPr marL="3657600" algn="l" defTabSz="914400" rtl="0" eaLnBrk="1" latinLnBrk="0" hangingPunct="1">
+      <a:defRPr sz="1200" kern="1200">
+        <a:solidFill>
+          <a:schemeClr val="tx1"/>
+        </a:solidFill>
+        <a:latin typeface="+mn-lt"/>
+        <a:ea typeface="+mn-ea"/>
+        <a:cs typeface="+mn-cs"/>
+      </a:defRPr>
+    </a:lvl9pPr>
+  </p:notesStyle>
+</p:notesMaster>
+</file>
+
+<file path=ppt/notesSlides/notesSlide1.xml><?xml version="1.0" encoding="utf-8"?>
+<p:notes xmlns:a="http://schemas.openxmlformats.org/drawingml/2006/main" xmlns:r="http://schemas.openxmlformats.org/officeDocument/2006/relationships" xmlns:p="http://schemas.openxmlformats.org/presentationml/2006/main">
+  <p:cSld>
+    <p:spTree>
+      <p:nvGrpSpPr>
+        <p:cNvPr id="1" name=""/>
+        <p:cNvGrpSpPr/>
+        <p:nvPr/>
+      </p:nvGrpSpPr>
+      <p:grpSpPr>
+        <a:xfrm>
+          <a:off x="0" y="0"/>
+          <a:ext cx="0" cy="0"/>
+          <a:chOff x="0" y="0"/>
+          <a:chExt cx="0" cy="0"/>
+        </a:xfrm>
+      </p:grpSpPr>
+      <p:sp>
+        <p:nvSpPr>
+          <p:cNvPr id="2" name="Slide Image Placeholder 1"/>
+          <p:cNvSpPr>
+            <a:spLocks noGrp="1" noRot="1" noChangeAspect="1"/>
+          </p:cNvSpPr>
+          <p:nvPr>
+            <p:ph type="sldImg"/>
+          </p:nvPr>
+        </p:nvSpPr>
+        <p:spPr/>
+      </p:sp>
+      <p:sp>
+        <p:nvSpPr>
+          <p:cNvPr id="3" name="Notes Placeholder 2"/>
+          <p:cNvSpPr>
+            <a:spLocks noGrp="1"/>
+          </p:cNvSpPr>
+          <p:nvPr>
+            <p:ph type="body" idx="1"/>
+          </p:nvPr>
+        </p:nvSpPr>
+        <p:spPr/>
+        <p:txBody>
+          <a:bodyPr/>
+          <a:lstStyle/>
+          <a:p>
+            <a:pPr lvl="0" marL="0" indent="0">
+              <a:buNone/>
+            </a:pPr>
+            <a:r>
+              <a:rPr/>
+              <a:t>Explain</a:t>
+            </a:r>
+            <a:r>
+              <a:rPr/>
+              <a:t> </a:t>
+            </a:r>
+            <a:r>
+              <a:rPr/>
+              <a:t>each</a:t>
+            </a:r>
+            <a:r>
+              <a:rPr/>
+              <a:t> </a:t>
+            </a:r>
+            <a:r>
+              <a:rPr/>
+              <a:t>window.</a:t>
+            </a:r>
+          </a:p>
+          <a:p>
+            <a:pPr lvl="0" marL="0" indent="0">
+              <a:buNone/>
+            </a:pPr>
+          </a:p>
+          <a:p>
+            <a:pPr lvl="1"/>
+            <a:r>
+              <a:rPr/>
+              <a:t>Console</a:t>
+            </a:r>
+            <a:r>
+              <a:rPr/>
+              <a:t> </a:t>
+            </a:r>
+            <a:r>
+              <a:rPr/>
+              <a:t>-</a:t>
+            </a:r>
+            <a:r>
+              <a:rPr/>
+              <a:t> </a:t>
+            </a:r>
+            <a:r>
+              <a:rPr/>
+              <a:t>this</a:t>
+            </a:r>
+            <a:r>
+              <a:rPr/>
+              <a:t> </a:t>
+            </a:r>
+            <a:r>
+              <a:rPr/>
+              <a:t>is</a:t>
+            </a:r>
+            <a:r>
+              <a:rPr/>
+              <a:t> </a:t>
+            </a:r>
+            <a:r>
+              <a:rPr/>
+              <a:t>where</a:t>
+            </a:r>
+            <a:r>
+              <a:rPr/>
+              <a:t> </a:t>
+            </a:r>
+            <a:r>
+              <a:rPr/>
+              <a:t>R</a:t>
+            </a:r>
+            <a:r>
+              <a:rPr/>
+              <a:t> </a:t>
+            </a:r>
+            <a:r>
+              <a:rPr/>
+              <a:t>is</a:t>
+            </a:r>
+            <a:r>
+              <a:rPr/>
+              <a:t> </a:t>
+            </a:r>
+            <a:r>
+              <a:rPr/>
+              <a:t>run.</a:t>
+            </a:r>
+            <a:r>
+              <a:rPr/>
+              <a:t> </a:t>
+            </a:r>
+            <a:r>
+              <a:rPr/>
+              <a:t>Commands</a:t>
+            </a:r>
+            <a:r>
+              <a:rPr/>
+              <a:t> </a:t>
+            </a:r>
+            <a:r>
+              <a:rPr/>
+              <a:t>executed</a:t>
+            </a:r>
+            <a:r>
+              <a:rPr/>
+              <a:t> </a:t>
+            </a:r>
+            <a:r>
+              <a:rPr/>
+              <a:t>but</a:t>
+            </a:r>
+            <a:r>
+              <a:rPr/>
+              <a:t> </a:t>
+            </a:r>
+            <a:r>
+              <a:rPr/>
+              <a:t>not</a:t>
+            </a:r>
+            <a:r>
+              <a:rPr/>
+              <a:t> </a:t>
+            </a:r>
+            <a:r>
+              <a:rPr/>
+              <a:t>saved.</a:t>
+            </a:r>
+          </a:p>
+          <a:p>
+            <a:pPr lvl="0" marL="0" indent="0">
+              <a:buNone/>
+            </a:pPr>
+          </a:p>
+          <a:p>
+            <a:pPr lvl="1"/>
+            <a:r>
+              <a:rPr/>
+              <a:t>Source</a:t>
+            </a:r>
+            <a:r>
+              <a:rPr/>
+              <a:t> </a:t>
+            </a:r>
+            <a:r>
+              <a:rPr/>
+              <a:t>-</a:t>
+            </a:r>
+            <a:r>
+              <a:rPr/>
+              <a:t> </a:t>
+            </a:r>
+            <a:r>
+              <a:rPr/>
+              <a:t>text</a:t>
+            </a:r>
+            <a:r>
+              <a:rPr/>
+              <a:t> </a:t>
+            </a:r>
+            <a:r>
+              <a:rPr/>
+              <a:t>files</a:t>
+            </a:r>
+            <a:r>
+              <a:rPr/>
+              <a:t> </a:t>
+            </a:r>
+            <a:r>
+              <a:rPr/>
+              <a:t>that</a:t>
+            </a:r>
+            <a:r>
+              <a:rPr/>
+              <a:t> </a:t>
+            </a:r>
+            <a:r>
+              <a:rPr/>
+              <a:t>contain</a:t>
+            </a:r>
+            <a:r>
+              <a:rPr/>
+              <a:t> </a:t>
+            </a:r>
+            <a:r>
+              <a:rPr/>
+              <a:t>commands.</a:t>
+            </a:r>
+          </a:p>
+          <a:p>
+            <a:pPr lvl="0" marL="0" indent="0">
+              <a:buNone/>
+            </a:pPr>
+          </a:p>
+          <a:p>
+            <a:pPr lvl="1"/>
+            <a:r>
+              <a:rPr/>
+              <a:t>Environment</a:t>
+            </a:r>
+            <a:r>
+              <a:rPr/>
+              <a:t> </a:t>
+            </a:r>
+            <a:r>
+              <a:rPr/>
+              <a:t>-</a:t>
+            </a:r>
+            <a:r>
+              <a:rPr/>
+              <a:t> </a:t>
+            </a:r>
+            <a:r>
+              <a:rPr/>
+              <a:t>tells</a:t>
+            </a:r>
+            <a:r>
+              <a:rPr/>
+              <a:t> </a:t>
+            </a:r>
+            <a:r>
+              <a:rPr/>
+              <a:t>you</a:t>
+            </a:r>
+            <a:r>
+              <a:rPr/>
+              <a:t> </a:t>
+            </a:r>
+            <a:r>
+              <a:rPr/>
+              <a:t>which</a:t>
+            </a:r>
+            <a:r>
+              <a:rPr/>
+              <a:t> </a:t>
+            </a:r>
+            <a:r>
+              <a:rPr/>
+              <a:t>R</a:t>
+            </a:r>
+            <a:r>
+              <a:rPr/>
+              <a:t> </a:t>
+            </a:r>
+            <a:r>
+              <a:rPr/>
+              <a:t>objects</a:t>
+            </a:r>
+            <a:r>
+              <a:rPr/>
+              <a:t> </a:t>
+            </a:r>
+            <a:r>
+              <a:rPr/>
+              <a:t>you</a:t>
+            </a:r>
+            <a:r>
+              <a:rPr/>
+              <a:t> </a:t>
+            </a:r>
+            <a:r>
+              <a:rPr/>
+              <a:t>are</a:t>
+            </a:r>
+            <a:r>
+              <a:rPr/>
+              <a:t> </a:t>
+            </a:r>
+            <a:r>
+              <a:rPr/>
+              <a:t>working</a:t>
+            </a:r>
+            <a:r>
+              <a:rPr/>
+              <a:t> </a:t>
+            </a:r>
+            <a:r>
+              <a:rPr/>
+              <a:t>with.</a:t>
+            </a:r>
+          </a:p>
+          <a:p>
+            <a:pPr lvl="0" marL="0" indent="0">
+              <a:buNone/>
+            </a:pPr>
+          </a:p>
+          <a:p>
+            <a:pPr lvl="1"/>
+            <a:r>
+              <a:rPr/>
+              <a:t>Files</a:t>
+            </a:r>
+            <a:r>
+              <a:rPr/>
+              <a:t> </a:t>
+            </a:r>
+            <a:r>
+              <a:rPr/>
+              <a:t>-</a:t>
+            </a:r>
+            <a:r>
+              <a:rPr/>
+              <a:t> </a:t>
+            </a:r>
+            <a:r>
+              <a:rPr/>
+              <a:t>actually</a:t>
+            </a:r>
+            <a:r>
+              <a:rPr/>
+              <a:t> </a:t>
+            </a:r>
+            <a:r>
+              <a:rPr/>
+              <a:t>a</a:t>
+            </a:r>
+            <a:r>
+              <a:rPr/>
+              <a:t> </a:t>
+            </a:r>
+            <a:r>
+              <a:rPr/>
+              <a:t>helper</a:t>
+            </a:r>
+            <a:r>
+              <a:rPr/>
+              <a:t> </a:t>
+            </a:r>
+            <a:r>
+              <a:rPr/>
+              <a:t>window.</a:t>
+            </a:r>
+            <a:r>
+              <a:rPr/>
+              <a:t> </a:t>
+            </a:r>
+            <a:r>
+              <a:rPr/>
+              <a:t>Gives</a:t>
+            </a:r>
+            <a:r>
+              <a:rPr/>
+              <a:t> </a:t>
+            </a:r>
+            <a:r>
+              <a:rPr/>
+              <a:t>you</a:t>
+            </a:r>
+            <a:r>
+              <a:rPr/>
+              <a:t> </a:t>
+            </a:r>
+            <a:r>
+              <a:rPr/>
+              <a:t>files,</a:t>
+            </a:r>
+            <a:r>
+              <a:rPr/>
+              <a:t> </a:t>
+            </a:r>
+            <a:r>
+              <a:rPr/>
+              <a:t>help,</a:t>
+            </a:r>
+            <a:r>
+              <a:rPr/>
+              <a:t> </a:t>
+            </a:r>
+            <a:r>
+              <a:rPr/>
+              <a:t>plots.</a:t>
+            </a:r>
+          </a:p>
+        </p:txBody>
+      </p:sp>
+      <p:sp>
+        <p:nvSpPr>
+          <p:cNvPr id="4" name="Slide Number Placeholder 3"/>
+          <p:cNvSpPr>
+            <a:spLocks noGrp="1"/>
+          </p:cNvSpPr>
+          <p:nvPr>
+            <p:ph type="sldNum" sz="quarter" idx="10"/>
+          </p:nvPr>
+        </p:nvSpPr>
+        <p:spPr/>
+        <p:txBody>
+          <a:bodyPr/>
+          <a:lstStyle/>
+          <a:p>
+            <a:fld id="{18BDFEC3-8487-43E8-A154-7C12CBC1FFF2}" type="slidenum">
+              <a:rPr lang="en-US"/>
+              <a:t>7</a:t>
+            </a:fld>
+            <a:endParaRPr lang="en-US"/>
+          </a:p>
+        </p:txBody>
+      </p:sp>
+    </p:spTree>
+  </p:cSld>
+</p:notes>
 </file>
 
 <file path=ppt/slideLayouts/slideLayout1.xml><?xml version="1.0" encoding="utf-8"?>
@@ -3432,358 +4241,7 @@
 </p:sld>
 </file>
 
-<file path=ppt/slides/slide2.xml><?xml version="1.0" encoding="utf-8"?>
-<p:sld xmlns:a="http://schemas.openxmlformats.org/drawingml/2006/main" xmlns:r="http://schemas.openxmlformats.org/officeDocument/2006/relationships" xmlns:p="http://schemas.openxmlformats.org/presentationml/2006/main">
-  <p:cSld>
-    <p:spTree>
-      <p:nvGrpSpPr>
-        <p:cNvPr id="1" name=""/>
-        <p:cNvGrpSpPr/>
-        <p:nvPr/>
-      </p:nvGrpSpPr>
-      <p:grpSpPr>
-        <a:xfrm>
-          <a:off x="0" y="0"/>
-          <a:ext cx="0" cy="0"/>
-          <a:chOff x="0" y="0"/>
-          <a:chExt cx="0" cy="0"/>
-        </a:xfrm>
-      </p:grpSpPr>
-      <p:sp>
-        <p:nvSpPr>
-          <p:cNvPr id="2" name="Title 1">
-            <a:extLst>
-              <a:ext uri="{FF2B5EF4-FFF2-40B4-BE49-F238E27FC236}">
-                <a16:creationId xmlns:a16="http://schemas.microsoft.com/office/drawing/2014/main" id="{5567D468-EE70-CD4E-A3AC-039CC11EF1FB}"/>
-              </a:ext>
-            </a:extLst>
-          </p:cNvPr>
-          <p:cNvSpPr>
-            <a:spLocks noGrp="1"/>
-          </p:cNvSpPr>
-          <p:nvPr>
-            <p:ph type="title"/>
-          </p:nvPr>
-        </p:nvSpPr>
-        <p:spPr/>
-        <p:txBody>
-          <a:bodyPr/>
-          <a:lstStyle/>
-          <a:p>
-            <a:pPr lvl="0" marL="0" indent="0">
-              <a:buNone/>
-            </a:pPr>
-            <a:r>
-              <a:rPr/>
-              <a:t>Rationale</a:t>
-            </a:r>
-          </a:p>
-        </p:txBody>
-      </p:sp>
-      <p:sp>
-        <p:nvSpPr>
-          <p:cNvPr id="3" name="Content Placeholder 2">
-            <a:extLst>
-              <a:ext uri="{FF2B5EF4-FFF2-40B4-BE49-F238E27FC236}">
-                <a16:creationId xmlns:a16="http://schemas.microsoft.com/office/drawing/2014/main" id="{D10DDA37-E46B-B641-BC9F-636CB92A2C08}"/>
-              </a:ext>
-            </a:extLst>
-          </p:cNvPr>
-          <p:cNvSpPr>
-            <a:spLocks noGrp="1"/>
-          </p:cNvSpPr>
-          <p:nvPr>
-            <p:ph idx="1"/>
-          </p:nvPr>
-        </p:nvSpPr>
-        <p:spPr/>
-        <p:txBody>
-          <a:bodyPr/>
-          <a:lstStyle/>
-          <a:p>
-            <a:pPr lvl="1"/>
-            <a:r>
-              <a:rPr/>
-              <a:t>in this session we will give you a quick taste of R</a:t>
-            </a:r>
-          </a:p>
-          <a:p>
-            <a:pPr lvl="1"/>
-            <a:r>
-              <a:rPr/>
-              <a:t>to show you what you can do</a:t>
-            </a:r>
-          </a:p>
-          <a:p>
-            <a:pPr lvl="1"/>
-            <a:r>
-              <a:rPr/>
-              <a:t>we will get you to type commands in R and see what happens</a:t>
-            </a:r>
-          </a:p>
-          <a:p>
-            <a:pPr lvl="1"/>
-            <a:r>
-              <a:rPr/>
-              <a:t>we don’t expect you to understand completely at this stage</a:t>
-            </a:r>
-          </a:p>
-          <a:p>
-            <a:pPr lvl="1"/>
-            <a:r>
-              <a:rPr/>
-              <a:t>we will return to concepts later</a:t>
-            </a:r>
-          </a:p>
-        </p:txBody>
-      </p:sp>
-    </p:spTree>
-  </p:cSld>
-</p:sld>
-</file>
-
-<file path=ppt/slides/slide3.xml><?xml version="1.0" encoding="utf-8"?>
-<p:sld xmlns:a="http://schemas.openxmlformats.org/drawingml/2006/main" xmlns:r="http://schemas.openxmlformats.org/officeDocument/2006/relationships" xmlns:p="http://schemas.openxmlformats.org/presentationml/2006/main">
-  <p:cSld>
-    <p:spTree>
-      <p:nvGrpSpPr>
-        <p:cNvPr id="1" name=""/>
-        <p:cNvGrpSpPr/>
-        <p:nvPr/>
-      </p:nvGrpSpPr>
-      <p:grpSpPr>
-        <a:xfrm>
-          <a:off x="0" y="0"/>
-          <a:ext cx="0" cy="0"/>
-          <a:chOff x="0" y="0"/>
-          <a:chExt cx="0" cy="0"/>
-        </a:xfrm>
-      </p:grpSpPr>
-      <p:sp>
-        <p:nvSpPr>
-          <p:cNvPr id="2" name="Title 1">
-            <a:extLst>
-              <a:ext uri="{FF2B5EF4-FFF2-40B4-BE49-F238E27FC236}">
-                <a16:creationId xmlns:a16="http://schemas.microsoft.com/office/drawing/2014/main" id="{5567D468-EE70-CD4E-A3AC-039CC11EF1FB}"/>
-              </a:ext>
-            </a:extLst>
-          </p:cNvPr>
-          <p:cNvSpPr>
-            <a:spLocks noGrp="1"/>
-          </p:cNvSpPr>
-          <p:nvPr>
-            <p:ph type="title"/>
-          </p:nvPr>
-        </p:nvSpPr>
-        <p:spPr/>
-        <p:txBody>
-          <a:bodyPr/>
-          <a:lstStyle/>
-          <a:p>
-            <a:pPr lvl="0" marL="0" indent="0">
-              <a:buNone/>
-            </a:pPr>
-            <a:r>
-              <a:rPr/>
-              <a:t>Content</a:t>
-            </a:r>
-          </a:p>
-        </p:txBody>
-      </p:sp>
-      <p:sp>
-        <p:nvSpPr>
-          <p:cNvPr id="3" name="Content Placeholder 2">
-            <a:extLst>
-              <a:ext uri="{FF2B5EF4-FFF2-40B4-BE49-F238E27FC236}">
-                <a16:creationId xmlns:a16="http://schemas.microsoft.com/office/drawing/2014/main" id="{D10DDA37-E46B-B641-BC9F-636CB92A2C08}"/>
-              </a:ext>
-            </a:extLst>
-          </p:cNvPr>
-          <p:cNvSpPr>
-            <a:spLocks noGrp="1"/>
-          </p:cNvSpPr>
-          <p:nvPr>
-            <p:ph idx="1"/>
-          </p:nvPr>
-        </p:nvSpPr>
-        <p:spPr/>
-        <p:txBody>
-          <a:bodyPr/>
-          <a:lstStyle/>
-          <a:p>
-            <a:pPr lvl="1"/>
-            <a:r>
-              <a:rPr/>
-              <a:t>download a project from Github into RStudio</a:t>
-            </a:r>
-          </a:p>
-          <a:p>
-            <a:pPr lvl="1"/>
-            <a:r>
-              <a:rPr/>
-              <a:t>read in data from a file</a:t>
-            </a:r>
-          </a:p>
-          <a:p>
-            <a:pPr lvl="1"/>
-            <a:r>
-              <a:rPr/>
-              <a:t>look at the data</a:t>
-            </a:r>
-          </a:p>
-          <a:p>
-            <a:pPr lvl="1"/>
-            <a:r>
-              <a:rPr/>
-              <a:t>manipulate the data</a:t>
-            </a:r>
-          </a:p>
-          <a:p>
-            <a:pPr lvl="1"/>
-            <a:r>
-              <a:rPr/>
-              <a:t>plot the data</a:t>
-            </a:r>
-          </a:p>
-        </p:txBody>
-      </p:sp>
-    </p:spTree>
-  </p:cSld>
-</p:sld>
-</file>
-
-<file path=ppt/slides/slide4.xml><?xml version="1.0" encoding="utf-8"?>
-<p:sld xmlns:a="http://schemas.openxmlformats.org/drawingml/2006/main" xmlns:r="http://schemas.openxmlformats.org/officeDocument/2006/relationships" xmlns:p="http://schemas.openxmlformats.org/presentationml/2006/main">
-  <p:cSld>
-    <p:spTree>
-      <p:nvGrpSpPr>
-        <p:cNvPr id="1" name=""/>
-        <p:cNvGrpSpPr/>
-        <p:nvPr/>
-      </p:nvGrpSpPr>
-      <p:grpSpPr>
-        <a:xfrm>
-          <a:off x="0" y="0"/>
-          <a:ext cx="0" cy="0"/>
-          <a:chOff x="0" y="0"/>
-          <a:chExt cx="0" cy="0"/>
-        </a:xfrm>
-      </p:grpSpPr>
-      <p:sp>
-        <p:nvSpPr>
-          <p:cNvPr id="2" name="Title 1">
-            <a:extLst>
-              <a:ext uri="{FF2B5EF4-FFF2-40B4-BE49-F238E27FC236}">
-                <a16:creationId xmlns:a16="http://schemas.microsoft.com/office/drawing/2014/main" id="{5567D468-EE70-CD4E-A3AC-039CC11EF1FB}"/>
-              </a:ext>
-            </a:extLst>
-          </p:cNvPr>
-          <p:cNvSpPr>
-            <a:spLocks noGrp="1"/>
-          </p:cNvSpPr>
-          <p:nvPr>
-            <p:ph type="title"/>
-          </p:nvPr>
-        </p:nvSpPr>
-        <p:spPr/>
-        <p:txBody>
-          <a:bodyPr/>
-          <a:lstStyle/>
-          <a:p>
-            <a:pPr lvl="0" marL="0" indent="0">
-              <a:buNone/>
-            </a:pPr>
-            <a:r>
-              <a:rPr/>
-              <a:t>download</a:t>
-            </a:r>
-            <a:r>
-              <a:rPr/>
-              <a:t> </a:t>
-            </a:r>
-            <a:r>
-              <a:rPr/>
-              <a:t>a</a:t>
-            </a:r>
-            <a:r>
-              <a:rPr/>
-              <a:t> </a:t>
-            </a:r>
-            <a:r>
-              <a:rPr/>
-              <a:t>project</a:t>
-            </a:r>
-            <a:r>
-              <a:rPr/>
-              <a:t> </a:t>
-            </a:r>
-            <a:r>
-              <a:rPr/>
-              <a:t>from</a:t>
-            </a:r>
-            <a:r>
-              <a:rPr/>
-              <a:t> </a:t>
-            </a:r>
-            <a:r>
-              <a:rPr/>
-              <a:t>Github</a:t>
-            </a:r>
-            <a:r>
-              <a:rPr/>
-              <a:t> </a:t>
-            </a:r>
-            <a:r>
-              <a:rPr/>
-              <a:t>into</a:t>
-            </a:r>
-            <a:r>
-              <a:rPr/>
-              <a:t> </a:t>
-            </a:r>
-            <a:r>
-              <a:rPr/>
-              <a:t>RStudio</a:t>
-            </a:r>
-          </a:p>
-        </p:txBody>
-      </p:sp>
-      <p:pic>
-        <p:nvPicPr>
-          <p:cNvPr descr="../Images/00-01-new-project.png" id="0" name="Picture 1"/>
-          <p:cNvPicPr>
-            <a:picLocks noGrp="1" noChangeAspect="1"/>
-          </p:cNvPicPr>
-          <p:nvPr/>
-        </p:nvPicPr>
-        <p:blipFill>
-          <a:blip r:embed="rId2"/>
-          <a:stretch>
-            <a:fillRect/>
-          </a:stretch>
-        </p:blipFill>
-        <p:spPr bwMode="auto">
-          <a:xfrm>
-            <a:off x="2667000" y="1816100"/>
-            <a:ext cx="6858000" cy="4343400"/>
-          </a:xfrm>
-          <a:prstGeom prst="rect">
-            <a:avLst/>
-          </a:prstGeom>
-          <a:noFill/>
-          <a:ln w="9525">
-            <a:noFill/>
-            <a:headEnd/>
-            <a:tailEnd/>
-          </a:ln>
-        </p:spPr>
-      </p:pic>
-    </p:spTree>
-  </p:cSld>
-</p:sld>
-</file>
-
-<file path=ppt/slides/slide5.xml><?xml version="1.0" encoding="utf-8"?>
+<file path=ppt/slides/slide10.xml><?xml version="1.0" encoding="utf-8"?>
 <p:sld xmlns:a="http://schemas.openxmlformats.org/drawingml/2006/main" xmlns:r="http://schemas.openxmlformats.org/officeDocument/2006/relationships" xmlns:p="http://schemas.openxmlformats.org/presentationml/2006/main">
   <p:cSld>
     <p:spTree>
@@ -3835,7 +4293,7 @@
 </p:sld>
 </file>
 
-<file path=ppt/slides/slide6.xml><?xml version="1.0" encoding="utf-8"?>
+<file path=ppt/slides/slide11.xml><?xml version="1.0" encoding="utf-8"?>
 <p:sld xmlns:a="http://schemas.openxmlformats.org/drawingml/2006/main" xmlns:r="http://schemas.openxmlformats.org/officeDocument/2006/relationships" xmlns:p="http://schemas.openxmlformats.org/presentationml/2006/main">
   <p:cSld>
     <p:spTree>
@@ -3887,7 +4345,7 @@
 </p:sld>
 </file>
 
-<file path=ppt/slides/slide7.xml><?xml version="1.0" encoding="utf-8"?>
+<file path=ppt/slides/slide12.xml><?xml version="1.0" encoding="utf-8"?>
 <p:sld xmlns:a="http://schemas.openxmlformats.org/drawingml/2006/main" xmlns:r="http://schemas.openxmlformats.org/officeDocument/2006/relationships" xmlns:p="http://schemas.openxmlformats.org/presentationml/2006/main">
   <p:cSld>
     <p:spTree>
@@ -4004,7 +4462,7 @@
 </p:sld>
 </file>
 
-<file path=ppt/slides/slide8.xml><?xml version="1.0" encoding="utf-8"?>
+<file path=ppt/slides/slide13.xml><?xml version="1.0" encoding="utf-8"?>
 <p:sld xmlns:a="http://schemas.openxmlformats.org/drawingml/2006/main" xmlns:r="http://schemas.openxmlformats.org/officeDocument/2006/relationships" xmlns:p="http://schemas.openxmlformats.org/presentationml/2006/main">
   <p:cSld>
     <p:spTree>
@@ -4118,6 +4576,1219 @@
           <a:xfrm>
             <a:off x="1130300" y="1816100"/>
             <a:ext cx="9918700" cy="4343400"/>
+          </a:xfrm>
+          <a:prstGeom prst="rect">
+            <a:avLst/>
+          </a:prstGeom>
+          <a:noFill/>
+          <a:ln w="9525">
+            <a:noFill/>
+            <a:headEnd/>
+            <a:tailEnd/>
+          </a:ln>
+        </p:spPr>
+      </p:pic>
+    </p:spTree>
+  </p:cSld>
+</p:sld>
+</file>
+
+<file path=ppt/slides/slide14.xml><?xml version="1.0" encoding="utf-8"?>
+<p:sld xmlns:a="http://schemas.openxmlformats.org/drawingml/2006/main" xmlns:r="http://schemas.openxmlformats.org/officeDocument/2006/relationships" xmlns:p="http://schemas.openxmlformats.org/presentationml/2006/main">
+  <p:cSld>
+    <p:spTree>
+      <p:nvGrpSpPr>
+        <p:cNvPr id="1" name=""/>
+        <p:cNvGrpSpPr/>
+        <p:nvPr/>
+      </p:nvGrpSpPr>
+      <p:grpSpPr>
+        <a:xfrm>
+          <a:off x="0" y="0"/>
+          <a:ext cx="0" cy="0"/>
+          <a:chOff x="0" y="0"/>
+          <a:chExt cx="0" cy="0"/>
+        </a:xfrm>
+      </p:grpSpPr>
+      <p:sp>
+        <p:nvSpPr>
+          <p:cNvPr id="2" name="Title 1">
+            <a:extLst>
+              <a:ext uri="{FF2B5EF4-FFF2-40B4-BE49-F238E27FC236}">
+                <a16:creationId xmlns:a16="http://schemas.microsoft.com/office/drawing/2014/main" id="{5567D468-EE70-CD4E-A3AC-039CC11EF1FB}"/>
+              </a:ext>
+            </a:extLst>
+          </p:cNvPr>
+          <p:cNvSpPr>
+            <a:spLocks noGrp="1"/>
+          </p:cNvSpPr>
+          <p:nvPr>
+            <p:ph type="title"/>
+          </p:nvPr>
+        </p:nvSpPr>
+        <p:spPr/>
+        <p:txBody>
+          <a:bodyPr/>
+          <a:lstStyle/>
+          <a:p>
+            <a:pPr lvl="0" marL="0" indent="0">
+              <a:buNone/>
+            </a:pPr>
+            <a:r>
+              <a:rPr/>
+              <a:t>Intructor</a:t>
+            </a:r>
+            <a:r>
+              <a:rPr/>
+              <a:t> </a:t>
+            </a:r>
+            <a:r>
+              <a:rPr/>
+              <a:t>will</a:t>
+            </a:r>
+            <a:r>
+              <a:rPr/>
+              <a:t> </a:t>
+            </a:r>
+            <a:r>
+              <a:rPr/>
+              <a:t>step</a:t>
+            </a:r>
+            <a:r>
+              <a:rPr/>
+              <a:t> </a:t>
+            </a:r>
+            <a:r>
+              <a:rPr/>
+              <a:t>through</a:t>
+            </a:r>
+            <a:r>
+              <a:rPr/>
+              <a:t> </a:t>
+            </a:r>
+            <a:r>
+              <a:rPr/>
+              <a:t>sessions/1-R-taster-script.R</a:t>
+            </a:r>
+          </a:p>
+        </p:txBody>
+      </p:sp>
+    </p:spTree>
+  </p:cSld>
+</p:sld>
+</file>
+
+<file path=ppt/slides/slide2.xml><?xml version="1.0" encoding="utf-8"?>
+<p:sld xmlns:a="http://schemas.openxmlformats.org/drawingml/2006/main" xmlns:r="http://schemas.openxmlformats.org/officeDocument/2006/relationships" xmlns:p="http://schemas.openxmlformats.org/presentationml/2006/main">
+  <p:cSld>
+    <p:spTree>
+      <p:nvGrpSpPr>
+        <p:cNvPr id="1" name=""/>
+        <p:cNvGrpSpPr/>
+        <p:nvPr/>
+      </p:nvGrpSpPr>
+      <p:grpSpPr>
+        <a:xfrm>
+          <a:off x="0" y="0"/>
+          <a:ext cx="0" cy="0"/>
+          <a:chOff x="0" y="0"/>
+          <a:chExt cx="0" cy="0"/>
+        </a:xfrm>
+      </p:grpSpPr>
+      <p:sp>
+        <p:nvSpPr>
+          <p:cNvPr id="2" name="Title 1">
+            <a:extLst>
+              <a:ext uri="{FF2B5EF4-FFF2-40B4-BE49-F238E27FC236}">
+                <a16:creationId xmlns:a16="http://schemas.microsoft.com/office/drawing/2014/main" id="{5567D468-EE70-CD4E-A3AC-039CC11EF1FB}"/>
+              </a:ext>
+            </a:extLst>
+          </p:cNvPr>
+          <p:cNvSpPr>
+            <a:spLocks noGrp="1"/>
+          </p:cNvSpPr>
+          <p:nvPr>
+            <p:ph type="title"/>
+          </p:nvPr>
+        </p:nvSpPr>
+        <p:spPr/>
+        <p:txBody>
+          <a:bodyPr/>
+          <a:lstStyle/>
+          <a:p>
+            <a:pPr lvl="0" marL="0" indent="0">
+              <a:buNone/>
+            </a:pPr>
+            <a:r>
+              <a:rPr/>
+              <a:t>Rationale</a:t>
+            </a:r>
+          </a:p>
+        </p:txBody>
+      </p:sp>
+      <p:sp>
+        <p:nvSpPr>
+          <p:cNvPr id="3" name="Content Placeholder 2">
+            <a:extLst>
+              <a:ext uri="{FF2B5EF4-FFF2-40B4-BE49-F238E27FC236}">
+                <a16:creationId xmlns:a16="http://schemas.microsoft.com/office/drawing/2014/main" id="{D10DDA37-E46B-B641-BC9F-636CB92A2C08}"/>
+              </a:ext>
+            </a:extLst>
+          </p:cNvPr>
+          <p:cNvSpPr>
+            <a:spLocks noGrp="1"/>
+          </p:cNvSpPr>
+          <p:nvPr>
+            <p:ph idx="1"/>
+          </p:nvPr>
+        </p:nvSpPr>
+        <p:spPr/>
+        <p:txBody>
+          <a:bodyPr/>
+          <a:lstStyle/>
+          <a:p>
+            <a:pPr lvl="1"/>
+            <a:r>
+              <a:rPr/>
+              <a:t>in this session we will give you a quick taste of R</a:t>
+            </a:r>
+          </a:p>
+          <a:p>
+            <a:pPr lvl="1"/>
+            <a:r>
+              <a:rPr/>
+              <a:t>to show you what you can do</a:t>
+            </a:r>
+          </a:p>
+          <a:p>
+            <a:pPr lvl="1"/>
+            <a:r>
+              <a:rPr/>
+              <a:t>we will get you to type commands in R and see what happens</a:t>
+            </a:r>
+          </a:p>
+          <a:p>
+            <a:pPr lvl="1"/>
+            <a:r>
+              <a:rPr/>
+              <a:t>we don’t expect you to understand completely at this stage</a:t>
+            </a:r>
+          </a:p>
+          <a:p>
+            <a:pPr lvl="1"/>
+            <a:r>
+              <a:rPr/>
+              <a:t>we will return to concepts later</a:t>
+            </a:r>
+          </a:p>
+        </p:txBody>
+      </p:sp>
+    </p:spTree>
+  </p:cSld>
+</p:sld>
+</file>
+
+<file path=ppt/slides/slide3.xml><?xml version="1.0" encoding="utf-8"?>
+<p:sld xmlns:a="http://schemas.openxmlformats.org/drawingml/2006/main" xmlns:r="http://schemas.openxmlformats.org/officeDocument/2006/relationships" xmlns:p="http://schemas.openxmlformats.org/presentationml/2006/main">
+  <p:cSld>
+    <p:spTree>
+      <p:nvGrpSpPr>
+        <p:cNvPr id="1" name=""/>
+        <p:cNvGrpSpPr/>
+        <p:nvPr/>
+      </p:nvGrpSpPr>
+      <p:grpSpPr>
+        <a:xfrm>
+          <a:off x="0" y="0"/>
+          <a:ext cx="0" cy="0"/>
+          <a:chOff x="0" y="0"/>
+          <a:chExt cx="0" cy="0"/>
+        </a:xfrm>
+      </p:grpSpPr>
+      <p:sp>
+        <p:nvSpPr>
+          <p:cNvPr id="2" name="Title 1">
+            <a:extLst>
+              <a:ext uri="{FF2B5EF4-FFF2-40B4-BE49-F238E27FC236}">
+                <a16:creationId xmlns:a16="http://schemas.microsoft.com/office/drawing/2014/main" id="{5567D468-EE70-CD4E-A3AC-039CC11EF1FB}"/>
+              </a:ext>
+            </a:extLst>
+          </p:cNvPr>
+          <p:cNvSpPr>
+            <a:spLocks noGrp="1"/>
+          </p:cNvSpPr>
+          <p:nvPr>
+            <p:ph type="title"/>
+          </p:nvPr>
+        </p:nvSpPr>
+        <p:spPr/>
+        <p:txBody>
+          <a:bodyPr/>
+          <a:lstStyle/>
+          <a:p>
+            <a:pPr lvl="0" marL="0" indent="0">
+              <a:buNone/>
+            </a:pPr>
+            <a:r>
+              <a:rPr/>
+              <a:t>Content</a:t>
+            </a:r>
+          </a:p>
+        </p:txBody>
+      </p:sp>
+      <p:sp>
+        <p:nvSpPr>
+          <p:cNvPr id="3" name="Content Placeholder 2">
+            <a:extLst>
+              <a:ext uri="{FF2B5EF4-FFF2-40B4-BE49-F238E27FC236}">
+                <a16:creationId xmlns:a16="http://schemas.microsoft.com/office/drawing/2014/main" id="{D10DDA37-E46B-B641-BC9F-636CB92A2C08}"/>
+              </a:ext>
+            </a:extLst>
+          </p:cNvPr>
+          <p:cNvSpPr>
+            <a:spLocks noGrp="1"/>
+          </p:cNvSpPr>
+          <p:nvPr>
+            <p:ph idx="1"/>
+          </p:nvPr>
+        </p:nvSpPr>
+        <p:spPr/>
+        <p:txBody>
+          <a:bodyPr/>
+          <a:lstStyle/>
+          <a:p>
+            <a:pPr lvl="1"/>
+            <a:r>
+              <a:rPr/>
+              <a:t>download a project from Github into RStudio</a:t>
+            </a:r>
+          </a:p>
+          <a:p>
+            <a:pPr lvl="1"/>
+            <a:r>
+              <a:rPr/>
+              <a:t>read in data from a file</a:t>
+            </a:r>
+          </a:p>
+          <a:p>
+            <a:pPr lvl="1"/>
+            <a:r>
+              <a:rPr/>
+              <a:t>look at the data</a:t>
+            </a:r>
+          </a:p>
+          <a:p>
+            <a:pPr lvl="1"/>
+            <a:r>
+              <a:rPr/>
+              <a:t>manipulate the data</a:t>
+            </a:r>
+          </a:p>
+          <a:p>
+            <a:pPr lvl="1"/>
+            <a:r>
+              <a:rPr/>
+              <a:t>plot the data</a:t>
+            </a:r>
+          </a:p>
+        </p:txBody>
+      </p:sp>
+    </p:spTree>
+  </p:cSld>
+</p:sld>
+</file>
+
+<file path=ppt/slides/slide4.xml><?xml version="1.0" encoding="utf-8"?>
+<p:sld xmlns:a="http://schemas.openxmlformats.org/drawingml/2006/main" xmlns:r="http://schemas.openxmlformats.org/officeDocument/2006/relationships" xmlns:p="http://schemas.openxmlformats.org/presentationml/2006/main">
+  <p:cSld>
+    <p:spTree>
+      <p:nvGrpSpPr>
+        <p:cNvPr id="1" name=""/>
+        <p:cNvGrpSpPr/>
+        <p:nvPr/>
+      </p:nvGrpSpPr>
+      <p:grpSpPr>
+        <a:xfrm>
+          <a:off x="0" y="0"/>
+          <a:ext cx="0" cy="0"/>
+          <a:chOff x="0" y="0"/>
+          <a:chExt cx="0" cy="0"/>
+        </a:xfrm>
+      </p:grpSpPr>
+      <p:sp>
+        <p:nvSpPr>
+          <p:cNvPr id="2" name="Title 1">
+            <a:extLst>
+              <a:ext uri="{FF2B5EF4-FFF2-40B4-BE49-F238E27FC236}">
+                <a16:creationId xmlns:a16="http://schemas.microsoft.com/office/drawing/2014/main" id="{5567D468-EE70-CD4E-A3AC-039CC11EF1FB}"/>
+              </a:ext>
+            </a:extLst>
+          </p:cNvPr>
+          <p:cNvSpPr>
+            <a:spLocks noGrp="1"/>
+          </p:cNvSpPr>
+          <p:nvPr>
+            <p:ph type="title"/>
+          </p:nvPr>
+        </p:nvSpPr>
+        <p:spPr/>
+        <p:txBody>
+          <a:bodyPr/>
+          <a:lstStyle/>
+          <a:p>
+            <a:pPr lvl="0" marL="0" indent="0">
+              <a:buNone/>
+            </a:pPr>
+            <a:r>
+              <a:rPr/>
+              <a:t>If</a:t>
+            </a:r>
+            <a:r>
+              <a:rPr/>
+              <a:t> </a:t>
+            </a:r>
+            <a:r>
+              <a:rPr/>
+              <a:t>you</a:t>
+            </a:r>
+            <a:r>
+              <a:rPr/>
+              <a:t> </a:t>
+            </a:r>
+            <a:r>
+              <a:rPr/>
+              <a:t>don’t</a:t>
+            </a:r>
+            <a:r>
+              <a:rPr/>
+              <a:t> </a:t>
+            </a:r>
+            <a:r>
+              <a:rPr/>
+              <a:t>see</a:t>
+            </a:r>
+            <a:r>
+              <a:rPr/>
+              <a:t> </a:t>
+            </a:r>
+            <a:r>
+              <a:rPr/>
+              <a:t>something</a:t>
+            </a:r>
+            <a:r>
+              <a:rPr/>
+              <a:t> </a:t>
+            </a:r>
+            <a:r>
+              <a:rPr/>
+              <a:t>like</a:t>
+            </a:r>
+            <a:r>
+              <a:rPr/>
+              <a:t> </a:t>
+            </a:r>
+            <a:r>
+              <a:rPr/>
+              <a:t>this,</a:t>
+            </a:r>
+            <a:r>
+              <a:rPr/>
+              <a:t> </a:t>
+            </a:r>
+            <a:r>
+              <a:rPr/>
+              <a:t>let</a:t>
+            </a:r>
+            <a:r>
+              <a:rPr/>
+              <a:t> </a:t>
+            </a:r>
+            <a:r>
+              <a:rPr/>
+              <a:t>us</a:t>
+            </a:r>
+            <a:r>
+              <a:rPr/>
+              <a:t> </a:t>
+            </a:r>
+            <a:r>
+              <a:rPr/>
+              <a:t>know</a:t>
+            </a:r>
+            <a:r>
+              <a:rPr/>
+              <a:t> </a:t>
+            </a:r>
+            <a:r>
+              <a:rPr/>
+              <a:t>and</a:t>
+            </a:r>
+            <a:r>
+              <a:rPr/>
+              <a:t> </a:t>
+            </a:r>
+            <a:r>
+              <a:rPr/>
+              <a:t>we’ll</a:t>
+            </a:r>
+            <a:r>
+              <a:rPr/>
+              <a:t> </a:t>
+            </a:r>
+            <a:r>
+              <a:rPr/>
+              <a:t>help</a:t>
+            </a:r>
+          </a:p>
+        </p:txBody>
+      </p:sp>
+      <p:pic>
+        <p:nvPicPr>
+          <p:cNvPr descr="../Images/RStudioServer.png" id="0" name="Picture 1"/>
+          <p:cNvPicPr>
+            <a:picLocks noGrp="1" noChangeAspect="1"/>
+          </p:cNvPicPr>
+          <p:nvPr/>
+        </p:nvPicPr>
+        <p:blipFill>
+          <a:blip r:embed="rId2"/>
+          <a:stretch>
+            <a:fillRect/>
+          </a:stretch>
+        </p:blipFill>
+        <p:spPr bwMode="auto">
+          <a:xfrm>
+            <a:off x="3060700" y="1816100"/>
+            <a:ext cx="6057900" cy="4343400"/>
+          </a:xfrm>
+          <a:prstGeom prst="rect">
+            <a:avLst/>
+          </a:prstGeom>
+          <a:noFill/>
+          <a:ln w="9525">
+            <a:noFill/>
+            <a:headEnd/>
+            <a:tailEnd/>
+          </a:ln>
+        </p:spPr>
+      </p:pic>
+    </p:spTree>
+  </p:cSld>
+</p:sld>
+</file>
+
+<file path=ppt/slides/slide5.xml><?xml version="1.0" encoding="utf-8"?>
+<p:sld xmlns:a="http://schemas.openxmlformats.org/drawingml/2006/main" xmlns:r="http://schemas.openxmlformats.org/officeDocument/2006/relationships" xmlns:p="http://schemas.openxmlformats.org/presentationml/2006/main">
+  <p:cSld>
+    <p:spTree>
+      <p:nvGrpSpPr>
+        <p:cNvPr id="1" name=""/>
+        <p:cNvGrpSpPr/>
+        <p:nvPr/>
+      </p:nvGrpSpPr>
+      <p:grpSpPr>
+        <a:xfrm>
+          <a:off x="0" y="0"/>
+          <a:ext cx="0" cy="0"/>
+          <a:chOff x="0" y="0"/>
+          <a:chExt cx="0" cy="0"/>
+        </a:xfrm>
+      </p:grpSpPr>
+      <p:sp>
+        <p:nvSpPr>
+          <p:cNvPr id="2" name="Title 1">
+            <a:extLst>
+              <a:ext uri="{FF2B5EF4-FFF2-40B4-BE49-F238E27FC236}">
+                <a16:creationId xmlns:a16="http://schemas.microsoft.com/office/drawing/2014/main" id="{5567D468-EE70-CD4E-A3AC-039CC11EF1FB}"/>
+              </a:ext>
+            </a:extLst>
+          </p:cNvPr>
+          <p:cNvSpPr>
+            <a:spLocks noGrp="1"/>
+          </p:cNvSpPr>
+          <p:nvPr>
+            <p:ph type="title"/>
+          </p:nvPr>
+        </p:nvSpPr>
+        <p:spPr/>
+        <p:txBody>
+          <a:bodyPr/>
+          <a:lstStyle/>
+          <a:p>
+            <a:pPr lvl="0" marL="0" indent="0">
+              <a:buNone/>
+            </a:pPr>
+            <a:r>
+              <a:rPr/>
+              <a:t>Working</a:t>
+            </a:r>
+            <a:r>
+              <a:rPr/>
+              <a:t> </a:t>
+            </a:r>
+            <a:r>
+              <a:rPr/>
+              <a:t>with</a:t>
+            </a:r>
+            <a:r>
+              <a:rPr/>
+              <a:t> </a:t>
+            </a:r>
+            <a:r>
+              <a:rPr/>
+              <a:t>RStudio</a:t>
+            </a:r>
+          </a:p>
+        </p:txBody>
+      </p:sp>
+      <p:sp>
+        <p:nvSpPr>
+          <p:cNvPr id="3" name="Content Placeholder 2">
+            <a:extLst>
+              <a:ext uri="{FF2B5EF4-FFF2-40B4-BE49-F238E27FC236}">
+                <a16:creationId xmlns:a16="http://schemas.microsoft.com/office/drawing/2014/main" id="{D10DDA37-E46B-B641-BC9F-636CB92A2C08}"/>
+              </a:ext>
+            </a:extLst>
+          </p:cNvPr>
+          <p:cNvSpPr>
+            <a:spLocks noGrp="1"/>
+          </p:cNvSpPr>
+          <p:nvPr>
+            <p:ph idx="1"/>
+          </p:nvPr>
+        </p:nvSpPr>
+        <p:spPr/>
+        <p:txBody>
+          <a:bodyPr/>
+          <a:lstStyle/>
+          <a:p>
+            <a:pPr lvl="1"/>
+            <a:r>
+              <a:rPr/>
+              <a:t>RStudio is an Integrated Development Environment (IDE). – (also the name of the company that develops it and a lot more)</a:t>
+            </a:r>
+          </a:p>
+          <a:p>
+            <a:pPr lvl="1"/>
+            <a:r>
+              <a:rPr/>
+              <a:t>Easier to work with than R on it’s own, since it it a bit more ‘point and clicky’</a:t>
+            </a:r>
+          </a:p>
+          <a:p>
+            <a:pPr lvl="1"/>
+            <a:r>
+              <a:rPr/>
+              <a:t>Allows</a:t>
+            </a:r>
+          </a:p>
+          <a:p>
+            <a:pPr lvl="2"/>
+            <a:r>
+              <a:rPr/>
+              <a:t>Code editing</a:t>
+            </a:r>
+          </a:p>
+          <a:p>
+            <a:pPr lvl="2"/>
+            <a:r>
+              <a:rPr/>
+              <a:t>Syntax highlighting</a:t>
+            </a:r>
+          </a:p>
+          <a:p>
+            <a:pPr lvl="2"/>
+            <a:r>
+              <a:rPr/>
+              <a:t>Plotting tools</a:t>
+            </a:r>
+          </a:p>
+          <a:p>
+            <a:pPr lvl="2"/>
+            <a:r>
+              <a:rPr/>
+              <a:t>Workspace management</a:t>
+            </a:r>
+          </a:p>
+          <a:p>
+            <a:pPr lvl="2"/>
+            <a:r>
+              <a:rPr/>
+              <a:t>Version control</a:t>
+            </a:r>
+          </a:p>
+        </p:txBody>
+      </p:sp>
+    </p:spTree>
+  </p:cSld>
+</p:sld>
+</file>
+
+<file path=ppt/slides/slide6.xml><?xml version="1.0" encoding="utf-8"?>
+<p:sld xmlns:a="http://schemas.openxmlformats.org/drawingml/2006/main" xmlns:r="http://schemas.openxmlformats.org/officeDocument/2006/relationships" xmlns:p="http://schemas.openxmlformats.org/presentationml/2006/main">
+  <p:cSld>
+    <p:spTree>
+      <p:nvGrpSpPr>
+        <p:cNvPr id="1" name=""/>
+        <p:cNvGrpSpPr/>
+        <p:nvPr/>
+      </p:nvGrpSpPr>
+      <p:grpSpPr>
+        <a:xfrm>
+          <a:off x="0" y="0"/>
+          <a:ext cx="0" cy="0"/>
+          <a:chOff x="0" y="0"/>
+          <a:chExt cx="0" cy="0"/>
+        </a:xfrm>
+      </p:grpSpPr>
+      <p:sp>
+        <p:nvSpPr>
+          <p:cNvPr id="2" name="Title 1">
+            <a:extLst>
+              <a:ext uri="{FF2B5EF4-FFF2-40B4-BE49-F238E27FC236}">
+                <a16:creationId xmlns:a16="http://schemas.microsoft.com/office/drawing/2014/main" id="{5567D468-EE70-CD4E-A3AC-039CC11EF1FB}"/>
+              </a:ext>
+            </a:extLst>
+          </p:cNvPr>
+          <p:cNvSpPr>
+            <a:spLocks noGrp="1"/>
+          </p:cNvSpPr>
+          <p:nvPr>
+            <p:ph type="title"/>
+          </p:nvPr>
+        </p:nvSpPr>
+        <p:spPr/>
+        <p:txBody>
+          <a:bodyPr/>
+          <a:lstStyle/>
+          <a:p>
+            <a:pPr lvl="0" marL="0" indent="0">
+              <a:buNone/>
+            </a:pPr>
+            <a:r>
+              <a:rPr/>
+              <a:t>This</a:t>
+            </a:r>
+            <a:r>
+              <a:rPr/>
+              <a:t> </a:t>
+            </a:r>
+            <a:r>
+              <a:rPr/>
+              <a:t>is</a:t>
+            </a:r>
+            <a:r>
+              <a:rPr/>
+              <a:t> </a:t>
+            </a:r>
+            <a:r>
+              <a:rPr/>
+              <a:t>what</a:t>
+            </a:r>
+            <a:r>
+              <a:rPr/>
+              <a:t> </a:t>
+            </a:r>
+            <a:r>
+              <a:rPr/>
+              <a:t>R</a:t>
+            </a:r>
+            <a:r>
+              <a:rPr/>
+              <a:t> </a:t>
+            </a:r>
+            <a:r>
+              <a:rPr/>
+              <a:t>on</a:t>
+            </a:r>
+            <a:r>
+              <a:rPr/>
+              <a:t> </a:t>
+            </a:r>
+            <a:r>
+              <a:rPr/>
+              <a:t>it’s</a:t>
+            </a:r>
+            <a:r>
+              <a:rPr/>
+              <a:t> </a:t>
+            </a:r>
+            <a:r>
+              <a:rPr/>
+              <a:t>own</a:t>
+            </a:r>
+            <a:r>
+              <a:rPr/>
+              <a:t> </a:t>
+            </a:r>
+            <a:r>
+              <a:rPr/>
+              <a:t>looks</a:t>
+            </a:r>
+            <a:r>
+              <a:rPr/>
+              <a:t> </a:t>
+            </a:r>
+            <a:r>
+              <a:rPr/>
+              <a:t>like</a:t>
+            </a:r>
+          </a:p>
+        </p:txBody>
+      </p:sp>
+      <p:pic>
+        <p:nvPicPr>
+          <p:cNvPr descr="../Images/RConsole.png" id="0" name="Picture 1"/>
+          <p:cNvPicPr>
+            <a:picLocks noGrp="1" noChangeAspect="1"/>
+          </p:cNvPicPr>
+          <p:nvPr/>
+        </p:nvPicPr>
+        <p:blipFill>
+          <a:blip r:embed="rId2"/>
+          <a:stretch>
+            <a:fillRect/>
+          </a:stretch>
+        </p:blipFill>
+        <p:spPr bwMode="auto">
+          <a:xfrm>
+            <a:off x="2984500" y="1816100"/>
+            <a:ext cx="6210300" cy="4343400"/>
+          </a:xfrm>
+          <a:prstGeom prst="rect">
+            <a:avLst/>
+          </a:prstGeom>
+          <a:noFill/>
+          <a:ln w="9525">
+            <a:noFill/>
+            <a:headEnd/>
+            <a:tailEnd/>
+          </a:ln>
+        </p:spPr>
+      </p:pic>
+    </p:spTree>
+  </p:cSld>
+</p:sld>
+</file>
+
+<file path=ppt/slides/slide7.xml><?xml version="1.0" encoding="utf-8"?>
+<p:sld xmlns:a="http://schemas.openxmlformats.org/drawingml/2006/main" xmlns:r="http://schemas.openxmlformats.org/officeDocument/2006/relationships" xmlns:p="http://schemas.openxmlformats.org/presentationml/2006/main">
+  <p:cSld>
+    <p:spTree>
+      <p:nvGrpSpPr>
+        <p:cNvPr id="1" name=""/>
+        <p:cNvGrpSpPr/>
+        <p:nvPr/>
+      </p:nvGrpSpPr>
+      <p:grpSpPr>
+        <a:xfrm>
+          <a:off x="0" y="0"/>
+          <a:ext cx="0" cy="0"/>
+          <a:chOff x="0" y="0"/>
+          <a:chExt cx="0" cy="0"/>
+        </a:xfrm>
+      </p:grpSpPr>
+      <p:sp>
+        <p:nvSpPr>
+          <p:cNvPr id="2" name="Title 1">
+            <a:extLst>
+              <a:ext uri="{FF2B5EF4-FFF2-40B4-BE49-F238E27FC236}">
+                <a16:creationId xmlns:a16="http://schemas.microsoft.com/office/drawing/2014/main" id="{5567D468-EE70-CD4E-A3AC-039CC11EF1FB}"/>
+              </a:ext>
+            </a:extLst>
+          </p:cNvPr>
+          <p:cNvSpPr>
+            <a:spLocks noGrp="1"/>
+          </p:cNvSpPr>
+          <p:nvPr>
+            <p:ph type="title"/>
+          </p:nvPr>
+        </p:nvSpPr>
+        <p:spPr/>
+        <p:txBody>
+          <a:bodyPr/>
+          <a:lstStyle/>
+          <a:p>
+            <a:pPr lvl="0" marL="0" indent="0">
+              <a:buNone/>
+            </a:pPr>
+            <a:r>
+              <a:rPr/>
+              <a:t>RStudio</a:t>
+            </a:r>
+            <a:r>
+              <a:rPr/>
+              <a:t> </a:t>
+            </a:r>
+            <a:r>
+              <a:rPr/>
+              <a:t>is</a:t>
+            </a:r>
+            <a:r>
+              <a:rPr/>
+              <a:t> </a:t>
+            </a:r>
+            <a:r>
+              <a:rPr/>
+              <a:t>much</a:t>
+            </a:r>
+            <a:r>
+              <a:rPr/>
+              <a:t> </a:t>
+            </a:r>
+            <a:r>
+              <a:rPr/>
+              <a:t>easier</a:t>
+            </a:r>
+            <a:r>
+              <a:rPr/>
+              <a:t> </a:t>
+            </a:r>
+            <a:r>
+              <a:rPr/>
+              <a:t>to</a:t>
+            </a:r>
+            <a:r>
+              <a:rPr/>
+              <a:t> </a:t>
+            </a:r>
+            <a:r>
+              <a:rPr/>
+              <a:t>work</a:t>
+            </a:r>
+            <a:r>
+              <a:rPr/>
+              <a:t> </a:t>
+            </a:r>
+            <a:r>
+              <a:rPr/>
+              <a:t>with</a:t>
+            </a:r>
+            <a:r>
+              <a:rPr/>
+              <a:t> </a:t>
+            </a:r>
+            <a:r>
+              <a:rPr/>
+              <a:t>&amp;</a:t>
+            </a:r>
+            <a:r>
+              <a:rPr/>
+              <a:t> </a:t>
+            </a:r>
+            <a:r>
+              <a:rPr/>
+              <a:t>what</a:t>
+            </a:r>
+            <a:r>
+              <a:rPr/>
+              <a:t> </a:t>
+            </a:r>
+            <a:r>
+              <a:rPr/>
+              <a:t>we</a:t>
+            </a:r>
+            <a:r>
+              <a:rPr/>
+              <a:t> </a:t>
+            </a:r>
+            <a:r>
+              <a:rPr/>
+              <a:t>recommend</a:t>
+            </a:r>
+          </a:p>
+        </p:txBody>
+      </p:sp>
+      <p:pic>
+        <p:nvPicPr>
+          <p:cNvPr descr="../Images/RStudioHighlightWindows.png" id="0" name="Picture 1"/>
+          <p:cNvPicPr>
+            <a:picLocks noGrp="1" noChangeAspect="1"/>
+          </p:cNvPicPr>
+          <p:nvPr/>
+        </p:nvPicPr>
+        <p:blipFill>
+          <a:blip r:embed="rId3"/>
+          <a:stretch>
+            <a:fillRect/>
+          </a:stretch>
+        </p:blipFill>
+        <p:spPr bwMode="auto">
+          <a:xfrm>
+            <a:off x="2159000" y="1816100"/>
+            <a:ext cx="7874000" cy="4343400"/>
+          </a:xfrm>
+          <a:prstGeom prst="rect">
+            <a:avLst/>
+          </a:prstGeom>
+          <a:noFill/>
+          <a:ln w="9525">
+            <a:noFill/>
+            <a:headEnd/>
+            <a:tailEnd/>
+          </a:ln>
+        </p:spPr>
+      </p:pic>
+    </p:spTree>
+  </p:cSld>
+</p:sld>
+</file>
+
+<file path=ppt/slides/slide8.xml><?xml version="1.0" encoding="utf-8"?>
+<p:sld xmlns:a="http://schemas.openxmlformats.org/drawingml/2006/main" xmlns:r="http://schemas.openxmlformats.org/officeDocument/2006/relationships" xmlns:p="http://schemas.openxmlformats.org/presentationml/2006/main">
+  <p:cSld>
+    <p:spTree>
+      <p:nvGrpSpPr>
+        <p:cNvPr id="1" name=""/>
+        <p:cNvGrpSpPr/>
+        <p:nvPr/>
+      </p:nvGrpSpPr>
+      <p:grpSpPr>
+        <a:xfrm>
+          <a:off x="0" y="0"/>
+          <a:ext cx="0" cy="0"/>
+          <a:chOff x="0" y="0"/>
+          <a:chExt cx="0" cy="0"/>
+        </a:xfrm>
+      </p:grpSpPr>
+      <p:sp>
+        <p:nvSpPr>
+          <p:cNvPr id="2" name="Title 1">
+            <a:extLst>
+              <a:ext uri="{FF2B5EF4-FFF2-40B4-BE49-F238E27FC236}">
+                <a16:creationId xmlns:a16="http://schemas.microsoft.com/office/drawing/2014/main" id="{5567D468-EE70-CD4E-A3AC-039CC11EF1FB}"/>
+              </a:ext>
+            </a:extLst>
+          </p:cNvPr>
+          <p:cNvSpPr>
+            <a:spLocks noGrp="1"/>
+          </p:cNvSpPr>
+          <p:nvPr>
+            <p:ph type="title"/>
+          </p:nvPr>
+        </p:nvSpPr>
+        <p:spPr/>
+        <p:txBody>
+          <a:bodyPr/>
+          <a:lstStyle/>
+          <a:p>
+            <a:pPr lvl="0" marL="0" indent="0">
+              <a:buNone/>
+            </a:pPr>
+            <a:r>
+              <a:rPr/>
+              <a:t>Instructor</a:t>
+            </a:r>
+            <a:r>
+              <a:rPr/>
+              <a:t> </a:t>
+            </a:r>
+            <a:r>
+              <a:rPr/>
+              <a:t>to</a:t>
+            </a:r>
+            <a:r>
+              <a:rPr/>
+              <a:t> </a:t>
+            </a:r>
+            <a:r>
+              <a:rPr/>
+              <a:t>switch</a:t>
+            </a:r>
+            <a:r>
+              <a:rPr/>
+              <a:t> </a:t>
+            </a:r>
+            <a:r>
+              <a:rPr/>
+              <a:t>to</a:t>
+            </a:r>
+            <a:r>
+              <a:rPr/>
+              <a:t> </a:t>
+            </a:r>
+            <a:r>
+              <a:rPr/>
+              <a:t>live</a:t>
+            </a:r>
+            <a:r>
+              <a:rPr/>
+              <a:t> </a:t>
+            </a:r>
+            <a:r>
+              <a:rPr/>
+              <a:t>demo</a:t>
+            </a:r>
+            <a:r>
+              <a:rPr/>
+              <a:t> </a:t>
+            </a:r>
+            <a:r>
+              <a:rPr/>
+              <a:t>in</a:t>
+            </a:r>
+            <a:r>
+              <a:rPr/>
+              <a:t> </a:t>
+            </a:r>
+            <a:r>
+              <a:rPr/>
+              <a:t>RStudio</a:t>
+            </a:r>
+            <a:r>
+              <a:rPr/>
+              <a:t> </a:t>
+            </a:r>
+            <a:r>
+              <a:rPr/>
+              <a:t>(remaining</a:t>
+            </a:r>
+            <a:r>
+              <a:rPr/>
+              <a:t> </a:t>
+            </a:r>
+            <a:r>
+              <a:rPr/>
+              <a:t>slides</a:t>
+            </a:r>
+            <a:r>
+              <a:rPr/>
+              <a:t> </a:t>
+            </a:r>
+            <a:r>
+              <a:rPr/>
+              <a:t>for</a:t>
+            </a:r>
+            <a:r>
+              <a:rPr/>
+              <a:t> </a:t>
+            </a:r>
+            <a:r>
+              <a:rPr/>
+              <a:t>info)</a:t>
+            </a:r>
+          </a:p>
+        </p:txBody>
+      </p:sp>
+    </p:spTree>
+  </p:cSld>
+</p:sld>
+</file>
+
+<file path=ppt/slides/slide9.xml><?xml version="1.0" encoding="utf-8"?>
+<p:sld xmlns:a="http://schemas.openxmlformats.org/drawingml/2006/main" xmlns:r="http://schemas.openxmlformats.org/officeDocument/2006/relationships" xmlns:p="http://schemas.openxmlformats.org/presentationml/2006/main">
+  <p:cSld>
+    <p:spTree>
+      <p:nvGrpSpPr>
+        <p:cNvPr id="1" name=""/>
+        <p:cNvGrpSpPr/>
+        <p:nvPr/>
+      </p:nvGrpSpPr>
+      <p:grpSpPr>
+        <a:xfrm>
+          <a:off x="0" y="0"/>
+          <a:ext cx="0" cy="0"/>
+          <a:chOff x="0" y="0"/>
+          <a:chExt cx="0" cy="0"/>
+        </a:xfrm>
+      </p:grpSpPr>
+      <p:sp>
+        <p:nvSpPr>
+          <p:cNvPr id="2" name="Title 1">
+            <a:extLst>
+              <a:ext uri="{FF2B5EF4-FFF2-40B4-BE49-F238E27FC236}">
+                <a16:creationId xmlns:a16="http://schemas.microsoft.com/office/drawing/2014/main" id="{5567D468-EE70-CD4E-A3AC-039CC11EF1FB}"/>
+              </a:ext>
+            </a:extLst>
+          </p:cNvPr>
+          <p:cNvSpPr>
+            <a:spLocks noGrp="1"/>
+          </p:cNvSpPr>
+          <p:nvPr>
+            <p:ph type="title"/>
+          </p:nvPr>
+        </p:nvSpPr>
+        <p:spPr/>
+        <p:txBody>
+          <a:bodyPr/>
+          <a:lstStyle/>
+          <a:p>
+            <a:pPr lvl="0" marL="0" indent="0">
+              <a:buNone/>
+            </a:pPr>
+            <a:r>
+              <a:rPr/>
+              <a:t>download</a:t>
+            </a:r>
+            <a:r>
+              <a:rPr/>
+              <a:t> </a:t>
+            </a:r>
+            <a:r>
+              <a:rPr/>
+              <a:t>a</a:t>
+            </a:r>
+            <a:r>
+              <a:rPr/>
+              <a:t> </a:t>
+            </a:r>
+            <a:r>
+              <a:rPr/>
+              <a:t>project</a:t>
+            </a:r>
+            <a:r>
+              <a:rPr/>
+              <a:t> </a:t>
+            </a:r>
+            <a:r>
+              <a:rPr/>
+              <a:t>from</a:t>
+            </a:r>
+            <a:r>
+              <a:rPr/>
+              <a:t> </a:t>
+            </a:r>
+            <a:r>
+              <a:rPr/>
+              <a:t>Github</a:t>
+            </a:r>
+            <a:r>
+              <a:rPr/>
+              <a:t> </a:t>
+            </a:r>
+            <a:r>
+              <a:rPr/>
+              <a:t>into</a:t>
+            </a:r>
+            <a:r>
+              <a:rPr/>
+              <a:t> </a:t>
+            </a:r>
+            <a:r>
+              <a:rPr/>
+              <a:t>RStudio</a:t>
+            </a:r>
+          </a:p>
+        </p:txBody>
+      </p:sp>
+      <p:pic>
+        <p:nvPicPr>
+          <p:cNvPr descr="../Images/00-01-new-project.png" id="0" name="Picture 1"/>
+          <p:cNvPicPr>
+            <a:picLocks noGrp="1" noChangeAspect="1"/>
+          </p:cNvPicPr>
+          <p:nvPr/>
+        </p:nvPicPr>
+        <p:blipFill>
+          <a:blip r:embed="rId2"/>
+          <a:stretch>
+            <a:fillRect/>
+          </a:stretch>
+        </p:blipFill>
+        <p:spPr bwMode="auto">
+          <a:xfrm>
+            <a:off x="2667000" y="1816100"/>
+            <a:ext cx="6858000" cy="4343400"/>
           </a:xfrm>
           <a:prstGeom prst="rect">
             <a:avLst/>
@@ -4428,4 +6099,265 @@
     </a:ext>
   </a:extLst>
 </a:theme>
+</file>
+
+<file path=ppt/theme/theme2.xml><?xml version="1.0" encoding="utf-8"?>
+<a:theme xmlns:a="http://schemas.openxmlformats.org/drawingml/2006/main" name="Office Theme">
+  <a:themeElements>
+    <a:clrScheme name="Office">
+      <a:dk1>
+        <a:sysClr val="windowText" lastClr="000000"/>
+      </a:dk1>
+      <a:lt1>
+        <a:sysClr val="window" lastClr="FFFFFF"/>
+      </a:lt1>
+      <a:dk2>
+        <a:srgbClr val="44546A"/>
+      </a:dk2>
+      <a:lt2>
+        <a:srgbClr val="E7E6E6"/>
+      </a:lt2>
+      <a:accent1>
+        <a:srgbClr val="5B9BD5"/>
+      </a:accent1>
+      <a:accent2>
+        <a:srgbClr val="ED7D31"/>
+      </a:accent2>
+      <a:accent3>
+        <a:srgbClr val="A5A5A5"/>
+      </a:accent3>
+      <a:accent4>
+        <a:srgbClr val="FFC000"/>
+      </a:accent4>
+      <a:accent5>
+        <a:srgbClr val="4472C4"/>
+      </a:accent5>
+      <a:accent6>
+        <a:srgbClr val="70AD47"/>
+      </a:accent6>
+      <a:hlink>
+        <a:srgbClr val="0563C1"/>
+      </a:hlink>
+      <a:folHlink>
+        <a:srgbClr val="954F72"/>
+      </a:folHlink>
+    </a:clrScheme>
+    <a:fontScheme name="Office">
+      <a:majorFont>
+        <a:latin typeface="Calibri Light" panose="020F0302020204030204"/>
+        <a:ea typeface=""/>
+        <a:cs typeface=""/>
+        <a:font script="Jpan" typeface="ＭＳ Ｐゴシック"/>
+        <a:font script="Hang" typeface="맑은 고딕"/>
+        <a:font script="Hans" typeface="宋体"/>
+        <a:font script="Hant" typeface="新細明體"/>
+        <a:font script="Arab" typeface="Times New Roman"/>
+        <a:font script="Hebr" typeface="Times New Roman"/>
+        <a:font script="Thai" typeface="Angsana New"/>
+        <a:font script="Ethi" typeface="Nyala"/>
+        <a:font script="Beng" typeface="Vrinda"/>
+        <a:font script="Gujr" typeface="Shruti"/>
+        <a:font script="Khmr" typeface="MoolBoran"/>
+        <a:font script="Knda" typeface="Tunga"/>
+        <a:font script="Guru" typeface="Raavi"/>
+        <a:font script="Cans" typeface="Euphemia"/>
+        <a:font script="Cher" typeface="Plantagenet Cherokee"/>
+        <a:font script="Yiii" typeface="Microsoft Yi Baiti"/>
+        <a:font script="Tibt" typeface="Microsoft Himalaya"/>
+        <a:font script="Thaa" typeface="MV Boli"/>
+        <a:font script="Deva" typeface="Mangal"/>
+        <a:font script="Telu" typeface="Gautami"/>
+        <a:font script="Taml" typeface="Latha"/>
+        <a:font script="Syrc" typeface="Estrangelo Edessa"/>
+        <a:font script="Orya" typeface="Kalinga"/>
+        <a:font script="Mlym" typeface="Kartika"/>
+        <a:font script="Laoo" typeface="DokChampa"/>
+        <a:font script="Sinh" typeface="Iskoola Pota"/>
+        <a:font script="Mong" typeface="Mongolian Baiti"/>
+        <a:font script="Viet" typeface="Times New Roman"/>
+        <a:font script="Uigh" typeface="Microsoft Uighur"/>
+        <a:font script="Geor" typeface="Sylfaen"/>
+      </a:majorFont>
+      <a:minorFont>
+        <a:latin typeface="Calibri" panose="020F0502020204030204"/>
+        <a:ea typeface=""/>
+        <a:cs typeface=""/>
+        <a:font script="Jpan" typeface="ＭＳ Ｐゴシック"/>
+        <a:font script="Hang" typeface="맑은 고딕"/>
+        <a:font script="Hans" typeface="宋体"/>
+        <a:font script="Hant" typeface="新細明體"/>
+        <a:font script="Arab" typeface="Arial"/>
+        <a:font script="Hebr" typeface="Arial"/>
+        <a:font script="Thai" typeface="Cordia New"/>
+        <a:font script="Ethi" typeface="Nyala"/>
+        <a:font script="Beng" typeface="Vrinda"/>
+        <a:font script="Gujr" typeface="Shruti"/>
+        <a:font script="Khmr" typeface="DaunPenh"/>
+        <a:font script="Knda" typeface="Tunga"/>
+        <a:font script="Guru" typeface="Raavi"/>
+        <a:font script="Cans" typeface="Euphemia"/>
+        <a:font script="Cher" typeface="Plantagenet Cherokee"/>
+        <a:font script="Yiii" typeface="Microsoft Yi Baiti"/>
+        <a:font script="Tibt" typeface="Microsoft Himalaya"/>
+        <a:font script="Thaa" typeface="MV Boli"/>
+        <a:font script="Deva" typeface="Mangal"/>
+        <a:font script="Telu" typeface="Gautami"/>
+        <a:font script="Taml" typeface="Latha"/>
+        <a:font script="Syrc" typeface="Estrangelo Edessa"/>
+        <a:font script="Orya" typeface="Kalinga"/>
+        <a:font script="Mlym" typeface="Kartika"/>
+        <a:font script="Laoo" typeface="DokChampa"/>
+        <a:font script="Sinh" typeface="Iskoola Pota"/>
+        <a:font script="Mong" typeface="Mongolian Baiti"/>
+        <a:font script="Viet" typeface="Arial"/>
+        <a:font script="Uigh" typeface="Microsoft Uighur"/>
+        <a:font script="Geor" typeface="Sylfaen"/>
+      </a:minorFont>
+    </a:fontScheme>
+    <a:fmtScheme name="Office">
+      <a:fillStyleLst>
+        <a:solidFill>
+          <a:schemeClr val="phClr"/>
+        </a:solidFill>
+        <a:gradFill rotWithShape="1">
+          <a:gsLst>
+            <a:gs pos="0">
+              <a:schemeClr val="phClr">
+                <a:lumMod val="110000"/>
+                <a:satMod val="105000"/>
+                <a:tint val="67000"/>
+              </a:schemeClr>
+            </a:gs>
+            <a:gs pos="50000">
+              <a:schemeClr val="phClr">
+                <a:lumMod val="105000"/>
+                <a:satMod val="103000"/>
+                <a:tint val="73000"/>
+              </a:schemeClr>
+            </a:gs>
+            <a:gs pos="100000">
+              <a:schemeClr val="phClr">
+                <a:lumMod val="105000"/>
+                <a:satMod val="109000"/>
+                <a:tint val="81000"/>
+              </a:schemeClr>
+            </a:gs>
+          </a:gsLst>
+          <a:lin ang="5400000" scaled="0"/>
+        </a:gradFill>
+        <a:gradFill rotWithShape="1">
+          <a:gsLst>
+            <a:gs pos="0">
+              <a:schemeClr val="phClr">
+                <a:satMod val="103000"/>
+                <a:lumMod val="102000"/>
+                <a:tint val="94000"/>
+              </a:schemeClr>
+            </a:gs>
+            <a:gs pos="50000">
+              <a:schemeClr val="phClr">
+                <a:satMod val="110000"/>
+                <a:lumMod val="100000"/>
+                <a:shade val="100000"/>
+              </a:schemeClr>
+            </a:gs>
+            <a:gs pos="100000">
+              <a:schemeClr val="phClr">
+                <a:lumMod val="99000"/>
+                <a:satMod val="120000"/>
+                <a:shade val="78000"/>
+              </a:schemeClr>
+            </a:gs>
+          </a:gsLst>
+          <a:lin ang="5400000" scaled="0"/>
+        </a:gradFill>
+      </a:fillStyleLst>
+      <a:lnStyleLst>
+        <a:ln w="6350" cap="flat" cmpd="sng" algn="ctr">
+          <a:solidFill>
+            <a:schemeClr val="phClr"/>
+          </a:solidFill>
+          <a:prstDash val="solid"/>
+          <a:miter lim="800000"/>
+        </a:ln>
+        <a:ln w="12700" cap="flat" cmpd="sng" algn="ctr">
+          <a:solidFill>
+            <a:schemeClr val="phClr"/>
+          </a:solidFill>
+          <a:prstDash val="solid"/>
+          <a:miter lim="800000"/>
+        </a:ln>
+        <a:ln w="19050" cap="flat" cmpd="sng" algn="ctr">
+          <a:solidFill>
+            <a:schemeClr val="phClr"/>
+          </a:solidFill>
+          <a:prstDash val="solid"/>
+          <a:miter lim="800000"/>
+        </a:ln>
+      </a:lnStyleLst>
+      <a:effectStyleLst>
+        <a:effectStyle>
+          <a:effectLst/>
+        </a:effectStyle>
+        <a:effectStyle>
+          <a:effectLst/>
+        </a:effectStyle>
+        <a:effectStyle>
+          <a:effectLst>
+            <a:outerShdw blurRad="57150" dist="19050" dir="5400000" algn="ctr" rotWithShape="0">
+              <a:srgbClr val="000000">
+                <a:alpha val="63000"/>
+              </a:srgbClr>
+            </a:outerShdw>
+          </a:effectLst>
+        </a:effectStyle>
+      </a:effectStyleLst>
+      <a:bgFillStyleLst>
+        <a:solidFill>
+          <a:schemeClr val="phClr"/>
+        </a:solidFill>
+        <a:solidFill>
+          <a:schemeClr val="phClr">
+            <a:tint val="95000"/>
+            <a:satMod val="170000"/>
+          </a:schemeClr>
+        </a:solidFill>
+        <a:gradFill rotWithShape="1">
+          <a:gsLst>
+            <a:gs pos="0">
+              <a:schemeClr val="phClr">
+                <a:tint val="93000"/>
+                <a:satMod val="150000"/>
+                <a:shade val="98000"/>
+                <a:lumMod val="102000"/>
+              </a:schemeClr>
+            </a:gs>
+            <a:gs pos="50000">
+              <a:schemeClr val="phClr">
+                <a:tint val="98000"/>
+                <a:satMod val="130000"/>
+                <a:shade val="90000"/>
+                <a:lumMod val="103000"/>
+              </a:schemeClr>
+            </a:gs>
+            <a:gs pos="100000">
+              <a:schemeClr val="phClr">
+                <a:shade val="63000"/>
+                <a:satMod val="120000"/>
+              </a:schemeClr>
+            </a:gs>
+          </a:gsLst>
+          <a:lin ang="5400000" scaled="0"/>
+        </a:gradFill>
+      </a:bgFillStyleLst>
+    </a:fmtScheme>
+  </a:themeElements>
+  <a:objectDefaults/>
+  <a:extraClrSchemeLst/>
+  <a:extLst>
+    <a:ext uri="{05A4C25C-085E-4340-85A3-A5531E510DB2}">
+      <thm15:themeFamily xmlns:thm15="http://schemas.microsoft.com/office/thememl/2012/main" name="Office Theme" id="{62F939B6-93AF-4DB8-9C6B-D6C7DFDC589F}" vid="{4A3C46E8-61CC-4603-A589-7422A47A8E4A}"/>
+    </a:ext>
+  </a:extLst>
+</a:theme>
 </file>
--- a/sessions/1-R-taster.pptx
+++ b/sessions/1-R-taster.pptx
@@ -5,7 +5,7 @@
     <p:sldMasterId id="2147483648" r:id="rId1"/>
   </p:sldMasterIdLst>
   <p:notesMasterIdLst>
-    <p:NotesMasterId r:id="rId16"/>
+    <p:NotesMasterId r:id="rId18"/>
   </p:notesMasterIdLst>
   <p:sldIdLst>
     <p:sldId id="256" r:id="rId2"/>
@@ -22,6 +22,8 @@
     <p:sldId id="267" r:id="rId13"/>
     <p:sldId id="268" r:id="rId14"/>
     <p:sldId id="269" r:id="rId15"/>
+    <p:sldId id="270" r:id="rId16"/>
+    <p:sldId id="271" r:id="rId17"/>
   </p:sldIdLst>
   <p:sldSz cx="12192000" cy="6858000"/>
   <p:notesSz cx="6858000" cy="9144000"/>
@@ -4258,6 +4260,278 @@
           <a:chExt cx="0" cy="0"/>
         </a:xfrm>
       </p:grpSpPr>
+      <p:sp>
+        <p:nvSpPr>
+          <p:cNvPr id="2" name="Title 1">
+            <a:extLst>
+              <a:ext uri="{FF2B5EF4-FFF2-40B4-BE49-F238E27FC236}">
+                <a16:creationId xmlns:a16="http://schemas.microsoft.com/office/drawing/2014/main" id="{5567D468-EE70-CD4E-A3AC-039CC11EF1FB}"/>
+              </a:ext>
+            </a:extLst>
+          </p:cNvPr>
+          <p:cNvSpPr>
+            <a:spLocks noGrp="1"/>
+          </p:cNvSpPr>
+          <p:nvPr>
+            <p:ph type="title"/>
+          </p:nvPr>
+        </p:nvSpPr>
+        <p:spPr/>
+        <p:txBody>
+          <a:bodyPr/>
+          <a:lstStyle/>
+          <a:p>
+            <a:pPr lvl="0" marL="0" indent="0">
+              <a:buNone/>
+            </a:pPr>
+            <a:r>
+              <a:rPr/>
+              <a:t>Instructor</a:t>
+            </a:r>
+            <a:r>
+              <a:rPr/>
+              <a:t> </a:t>
+            </a:r>
+            <a:r>
+              <a:rPr/>
+              <a:t>to</a:t>
+            </a:r>
+            <a:r>
+              <a:rPr/>
+              <a:t> </a:t>
+            </a:r>
+            <a:r>
+              <a:rPr/>
+              <a:t>switch</a:t>
+            </a:r>
+            <a:r>
+              <a:rPr/>
+              <a:t> </a:t>
+            </a:r>
+            <a:r>
+              <a:rPr/>
+              <a:t>to</a:t>
+            </a:r>
+            <a:r>
+              <a:rPr/>
+              <a:t> </a:t>
+            </a:r>
+            <a:r>
+              <a:rPr/>
+              <a:t>live</a:t>
+            </a:r>
+            <a:r>
+              <a:rPr/>
+              <a:t> </a:t>
+            </a:r>
+            <a:r>
+              <a:rPr/>
+              <a:t>demo</a:t>
+            </a:r>
+            <a:r>
+              <a:rPr/>
+              <a:t> </a:t>
+            </a:r>
+            <a:r>
+              <a:rPr/>
+              <a:t>in</a:t>
+            </a:r>
+            <a:r>
+              <a:rPr/>
+              <a:t> </a:t>
+            </a:r>
+            <a:r>
+              <a:rPr/>
+              <a:t>RStudio</a:t>
+            </a:r>
+            <a:r>
+              <a:rPr/>
+              <a:t> </a:t>
+            </a:r>
+            <a:r>
+              <a:rPr/>
+              <a:t>(remaining</a:t>
+            </a:r>
+            <a:r>
+              <a:rPr/>
+              <a:t> </a:t>
+            </a:r>
+            <a:r>
+              <a:rPr/>
+              <a:t>slides</a:t>
+            </a:r>
+            <a:r>
+              <a:rPr/>
+              <a:t> </a:t>
+            </a:r>
+            <a:r>
+              <a:rPr/>
+              <a:t>for</a:t>
+            </a:r>
+            <a:r>
+              <a:rPr/>
+              <a:t> </a:t>
+            </a:r>
+            <a:r>
+              <a:rPr/>
+              <a:t>info)</a:t>
+            </a:r>
+          </a:p>
+        </p:txBody>
+      </p:sp>
+    </p:spTree>
+  </p:cSld>
+</p:sld>
+</file>
+
+<file path=ppt/slides/slide11.xml><?xml version="1.0" encoding="utf-8"?>
+<p:sld xmlns:a="http://schemas.openxmlformats.org/drawingml/2006/main" xmlns:r="http://schemas.openxmlformats.org/officeDocument/2006/relationships" xmlns:p="http://schemas.openxmlformats.org/presentationml/2006/main">
+  <p:cSld>
+    <p:spTree>
+      <p:nvGrpSpPr>
+        <p:cNvPr id="1" name=""/>
+        <p:cNvGrpSpPr/>
+        <p:nvPr/>
+      </p:nvGrpSpPr>
+      <p:grpSpPr>
+        <a:xfrm>
+          <a:off x="0" y="0"/>
+          <a:ext cx="0" cy="0"/>
+          <a:chOff x="0" y="0"/>
+          <a:chExt cx="0" cy="0"/>
+        </a:xfrm>
+      </p:grpSpPr>
+      <p:sp>
+        <p:nvSpPr>
+          <p:cNvPr id="2" name="Title 1">
+            <a:extLst>
+              <a:ext uri="{FF2B5EF4-FFF2-40B4-BE49-F238E27FC236}">
+                <a16:creationId xmlns:a16="http://schemas.microsoft.com/office/drawing/2014/main" id="{5567D468-EE70-CD4E-A3AC-039CC11EF1FB}"/>
+              </a:ext>
+            </a:extLst>
+          </p:cNvPr>
+          <p:cNvSpPr>
+            <a:spLocks noGrp="1"/>
+          </p:cNvSpPr>
+          <p:nvPr>
+            <p:ph type="title"/>
+          </p:nvPr>
+        </p:nvSpPr>
+        <p:spPr/>
+        <p:txBody>
+          <a:bodyPr/>
+          <a:lstStyle/>
+          <a:p>
+            <a:pPr lvl="0" marL="0" indent="0">
+              <a:buNone/>
+            </a:pPr>
+            <a:r>
+              <a:rPr/>
+              <a:t>download</a:t>
+            </a:r>
+            <a:r>
+              <a:rPr/>
+              <a:t> </a:t>
+            </a:r>
+            <a:r>
+              <a:rPr/>
+              <a:t>a</a:t>
+            </a:r>
+            <a:r>
+              <a:rPr/>
+              <a:t> </a:t>
+            </a:r>
+            <a:r>
+              <a:rPr/>
+              <a:t>project</a:t>
+            </a:r>
+            <a:r>
+              <a:rPr/>
+              <a:t> </a:t>
+            </a:r>
+            <a:r>
+              <a:rPr/>
+              <a:t>from</a:t>
+            </a:r>
+            <a:r>
+              <a:rPr/>
+              <a:t> </a:t>
+            </a:r>
+            <a:r>
+              <a:rPr/>
+              <a:t>Github</a:t>
+            </a:r>
+            <a:r>
+              <a:rPr/>
+              <a:t> </a:t>
+            </a:r>
+            <a:r>
+              <a:rPr/>
+              <a:t>into</a:t>
+            </a:r>
+            <a:r>
+              <a:rPr/>
+              <a:t> </a:t>
+            </a:r>
+            <a:r>
+              <a:rPr/>
+              <a:t>RStudio</a:t>
+            </a:r>
+          </a:p>
+        </p:txBody>
+      </p:sp>
+      <p:pic>
+        <p:nvPicPr>
+          <p:cNvPr descr="../Images/00-01-new-project.png" id="0" name="Picture 1"/>
+          <p:cNvPicPr>
+            <a:picLocks noGrp="1" noChangeAspect="1"/>
+          </p:cNvPicPr>
+          <p:nvPr/>
+        </p:nvPicPr>
+        <p:blipFill>
+          <a:blip r:embed="rId2"/>
+          <a:stretch>
+            <a:fillRect/>
+          </a:stretch>
+        </p:blipFill>
+        <p:spPr bwMode="auto">
+          <a:xfrm>
+            <a:off x="2667000" y="1816100"/>
+            <a:ext cx="6858000" cy="4343400"/>
+          </a:xfrm>
+          <a:prstGeom prst="rect">
+            <a:avLst/>
+          </a:prstGeom>
+          <a:noFill/>
+          <a:ln w="9525">
+            <a:noFill/>
+            <a:headEnd/>
+            <a:tailEnd/>
+          </a:ln>
+        </p:spPr>
+      </p:pic>
+    </p:spTree>
+  </p:cSld>
+</p:sld>
+</file>
+
+<file path=ppt/slides/slide12.xml><?xml version="1.0" encoding="utf-8"?>
+<p:sld xmlns:a="http://schemas.openxmlformats.org/drawingml/2006/main" xmlns:r="http://schemas.openxmlformats.org/officeDocument/2006/relationships" xmlns:p="http://schemas.openxmlformats.org/presentationml/2006/main">
+  <p:cSld>
+    <p:spTree>
+      <p:nvGrpSpPr>
+        <p:cNvPr id="1" name=""/>
+        <p:cNvGrpSpPr/>
+        <p:nvPr/>
+      </p:nvGrpSpPr>
+      <p:grpSpPr>
+        <a:xfrm>
+          <a:off x="0" y="0"/>
+          <a:ext cx="0" cy="0"/>
+          <a:chOff x="0" y="0"/>
+          <a:chExt cx="0" cy="0"/>
+        </a:xfrm>
+      </p:grpSpPr>
       <p:pic>
         <p:nvPicPr>
           <p:cNvPr descr="../Images/00-02-from-version-control.png" id="0" name="Picture 1"/>
@@ -4293,7 +4567,7 @@
 </p:sld>
 </file>
 
-<file path=ppt/slides/slide11.xml><?xml version="1.0" encoding="utf-8"?>
+<file path=ppt/slides/slide13.xml><?xml version="1.0" encoding="utf-8"?>
 <p:sld xmlns:a="http://schemas.openxmlformats.org/drawingml/2006/main" xmlns:r="http://schemas.openxmlformats.org/officeDocument/2006/relationships" xmlns:p="http://schemas.openxmlformats.org/presentationml/2006/main">
   <p:cSld>
     <p:spTree>
@@ -4345,7 +4619,7 @@
 </p:sld>
 </file>
 
-<file path=ppt/slides/slide12.xml><?xml version="1.0" encoding="utf-8"?>
+<file path=ppt/slides/slide14.xml><?xml version="1.0" encoding="utf-8"?>
 <p:sld xmlns:a="http://schemas.openxmlformats.org/drawingml/2006/main" xmlns:r="http://schemas.openxmlformats.org/officeDocument/2006/relationships" xmlns:p="http://schemas.openxmlformats.org/presentationml/2006/main">
   <p:cSld>
     <p:spTree>
@@ -4462,7 +4736,7 @@
 </p:sld>
 </file>
 
-<file path=ppt/slides/slide13.xml><?xml version="1.0" encoding="utf-8"?>
+<file path=ppt/slides/slide15.xml><?xml version="1.0" encoding="utf-8"?>
 <p:sld xmlns:a="http://schemas.openxmlformats.org/drawingml/2006/main" xmlns:r="http://schemas.openxmlformats.org/officeDocument/2006/relationships" xmlns:p="http://schemas.openxmlformats.org/presentationml/2006/main">
   <p:cSld>
     <p:spTree>
@@ -4593,7 +4867,7 @@
 </p:sld>
 </file>
 
-<file path=ppt/slides/slide14.xml><?xml version="1.0" encoding="utf-8"?>
+<file path=ppt/slides/slide16.xml><?xml version="1.0" encoding="utf-8"?>
 <p:sld xmlns:a="http://schemas.openxmlformats.org/drawingml/2006/main" xmlns:r="http://schemas.openxmlformats.org/officeDocument/2006/relationships" xmlns:p="http://schemas.openxmlformats.org/presentationml/2006/main">
   <p:cSld>
     <p:spTree>
@@ -5577,95 +5851,134 @@
             </a:pPr>
             <a:r>
               <a:rPr/>
-              <a:t>Instructor</a:t>
-            </a:r>
-            <a:r>
-              <a:rPr/>
-              <a:t> </a:t>
-            </a:r>
-            <a:r>
-              <a:rPr/>
-              <a:t>to</a:t>
-            </a:r>
-            <a:r>
-              <a:rPr/>
-              <a:t> </a:t>
-            </a:r>
-            <a:r>
-              <a:rPr/>
-              <a:t>switch</a:t>
-            </a:r>
-            <a:r>
-              <a:rPr/>
-              <a:t> </a:t>
-            </a:r>
-            <a:r>
-              <a:rPr/>
-              <a:t>to</a:t>
-            </a:r>
-            <a:r>
-              <a:rPr/>
-              <a:t> </a:t>
-            </a:r>
-            <a:r>
-              <a:rPr/>
-              <a:t>live</a:t>
-            </a:r>
-            <a:r>
-              <a:rPr/>
-              <a:t> </a:t>
-            </a:r>
-            <a:r>
-              <a:rPr/>
-              <a:t>demo</a:t>
-            </a:r>
-            <a:r>
-              <a:rPr/>
-              <a:t> </a:t>
-            </a:r>
-            <a:r>
-              <a:rPr/>
-              <a:t>in</a:t>
-            </a:r>
-            <a:r>
-              <a:rPr/>
-              <a:t> </a:t>
-            </a:r>
-            <a:r>
-              <a:rPr/>
-              <a:t>RStudio</a:t>
-            </a:r>
-            <a:r>
-              <a:rPr/>
-              <a:t> </a:t>
-            </a:r>
-            <a:r>
-              <a:rPr/>
-              <a:t>(remaining</a:t>
-            </a:r>
-            <a:r>
-              <a:rPr/>
-              <a:t> </a:t>
-            </a:r>
-            <a:r>
-              <a:rPr/>
-              <a:t>slides</a:t>
-            </a:r>
-            <a:r>
-              <a:rPr/>
-              <a:t> </a:t>
-            </a:r>
-            <a:r>
-              <a:rPr/>
-              <a:t>for</a:t>
-            </a:r>
-            <a:r>
-              <a:rPr/>
-              <a:t> </a:t>
-            </a:r>
-            <a:r>
-              <a:rPr/>
-              <a:t>info)</a:t>
+              <a:t>Using</a:t>
+            </a:r>
+            <a:r>
+              <a:rPr/>
+              <a:t> </a:t>
+            </a:r>
+            <a:r>
+              <a:rPr/>
+              <a:t>the</a:t>
+            </a:r>
+            <a:r>
+              <a:rPr/>
+              <a:t> </a:t>
+            </a:r>
+            <a:r>
+              <a:rPr/>
+              <a:t>Source/Text</a:t>
+            </a:r>
+            <a:r>
+              <a:rPr/>
+              <a:t> </a:t>
+            </a:r>
+            <a:r>
+              <a:rPr/>
+              <a:t>editor</a:t>
+            </a:r>
+          </a:p>
+        </p:txBody>
+      </p:sp>
+      <p:sp>
+        <p:nvSpPr>
+          <p:cNvPr id="3" name="Content Placeholder 2">
+            <a:extLst>
+              <a:ext uri="{FF2B5EF4-FFF2-40B4-BE49-F238E27FC236}">
+                <a16:creationId xmlns:a16="http://schemas.microsoft.com/office/drawing/2014/main" id="{D10DDA37-E46B-B641-BC9F-636CB92A2C08}"/>
+              </a:ext>
+            </a:extLst>
+          </p:cNvPr>
+          <p:cNvSpPr>
+            <a:spLocks noGrp="1"/>
+          </p:cNvSpPr>
+          <p:nvPr>
+            <p:ph idx="1"/>
+          </p:nvPr>
+        </p:nvSpPr>
+        <p:spPr/>
+        <p:txBody>
+          <a:bodyPr/>
+          <a:lstStyle/>
+          <a:p>
+            <a:pPr lvl="1"/>
+            <a:r>
+              <a:rPr/>
+              <a:t>Type </a:t>
+            </a:r>
+            <a:r>
+              <a:rPr sz="1800">
+                <a:latin typeface="Courier"/>
+              </a:rPr>
+              <a:t>2 + 2</a:t>
+            </a:r>
+            <a:r>
+              <a:rPr/>
+              <a:t> in top left, then </a:t>
+            </a:r>
+            <a:r>
+              <a:rPr sz="1800">
+                <a:latin typeface="Courier"/>
+              </a:rPr>
+              <a:t>Enter</a:t>
+            </a:r>
+            <a:r>
+              <a:rPr/>
+              <a:t>.</a:t>
+            </a:r>
+          </a:p>
+          <a:p>
+            <a:pPr lvl="1"/>
+            <a:r>
+              <a:rPr/>
+              <a:t>What happens?</a:t>
+            </a:r>
+          </a:p>
+          <a:p>
+            <a:pPr lvl="1"/>
+            <a:r>
+              <a:rPr/>
+              <a:t>To ask R to run code</a:t>
+            </a:r>
+          </a:p>
+          <a:p>
+            <a:pPr lvl="1"/>
+            <a:r>
+              <a:rPr/>
+              <a:t>Highlight the code and:</a:t>
+            </a:r>
+          </a:p>
+          <a:p>
+            <a:pPr lvl="2"/>
+            <a:r>
+              <a:rPr/>
+              <a:t>MacOS: </a:t>
+            </a:r>
+            <a:r>
+              <a:rPr sz="1800">
+                <a:latin typeface="Courier"/>
+              </a:rPr>
+              <a:t>Cmd + Enter</a:t>
+            </a:r>
+          </a:p>
+          <a:p>
+            <a:pPr lvl="2"/>
+            <a:r>
+              <a:rPr/>
+              <a:t>Windows: </a:t>
+            </a:r>
+            <a:r>
+              <a:rPr sz="1800">
+                <a:latin typeface="Courier"/>
+              </a:rPr>
+              <a:t>Ctrl + Enter</a:t>
+            </a:r>
+          </a:p>
+          <a:p>
+            <a:pPr lvl="1"/>
+            <a:r>
+              <a:rPr/>
+              <a:t>Notice the output in the console.</a:t>
             </a:r>
           </a:p>
         </p:txBody>
@@ -5718,89 +6031,101 @@
             </a:pPr>
             <a:r>
               <a:rPr/>
-              <a:t>download</a:t>
-            </a:r>
-            <a:r>
-              <a:rPr/>
-              <a:t> </a:t>
-            </a:r>
-            <a:r>
-              <a:rPr/>
-              <a:t>a</a:t>
-            </a:r>
-            <a:r>
-              <a:rPr/>
-              <a:t> </a:t>
-            </a:r>
-            <a:r>
-              <a:rPr/>
-              <a:t>project</a:t>
-            </a:r>
-            <a:r>
-              <a:rPr/>
-              <a:t> </a:t>
-            </a:r>
-            <a:r>
-              <a:rPr/>
-              <a:t>from</a:t>
-            </a:r>
-            <a:r>
-              <a:rPr/>
-              <a:t> </a:t>
-            </a:r>
-            <a:r>
-              <a:rPr/>
-              <a:t>Github</a:t>
-            </a:r>
-            <a:r>
-              <a:rPr/>
-              <a:t> </a:t>
-            </a:r>
-            <a:r>
-              <a:rPr/>
-              <a:t>into</a:t>
-            </a:r>
-            <a:r>
-              <a:rPr/>
-              <a:t> </a:t>
-            </a:r>
-            <a:r>
-              <a:rPr/>
-              <a:t>RStudio</a:t>
-            </a:r>
-          </a:p>
-        </p:txBody>
-      </p:sp>
-      <p:pic>
-        <p:nvPicPr>
-          <p:cNvPr descr="../Images/00-01-new-project.png" id="0" name="Picture 1"/>
-          <p:cNvPicPr>
-            <a:picLocks noGrp="1" noChangeAspect="1"/>
-          </p:cNvPicPr>
-          <p:nvPr/>
-        </p:nvPicPr>
-        <p:blipFill>
-          <a:blip r:embed="rId2"/>
-          <a:stretch>
-            <a:fillRect/>
-          </a:stretch>
-        </p:blipFill>
-        <p:spPr bwMode="auto">
-          <a:xfrm>
-            <a:off x="2667000" y="1816100"/>
-            <a:ext cx="6858000" cy="4343400"/>
-          </a:xfrm>
-          <a:prstGeom prst="rect">
-            <a:avLst/>
-          </a:prstGeom>
-          <a:noFill/>
-          <a:ln w="9525">
-            <a:noFill/>
-            <a:headEnd/>
-            <a:tailEnd/>
-          </a:ln>
-        </p:spPr>
-      </p:pic>
+              <a:t>Saving</a:t>
+            </a:r>
+            <a:r>
+              <a:rPr/>
+              <a:t> </a:t>
+            </a:r>
+            <a:r>
+              <a:rPr/>
+              <a:t>your</a:t>
+            </a:r>
+            <a:r>
+              <a:rPr/>
+              <a:t> </a:t>
+            </a:r>
+            <a:r>
+              <a:rPr/>
+              <a:t>work</a:t>
+            </a:r>
+          </a:p>
+        </p:txBody>
+      </p:sp>
+      <p:sp>
+        <p:nvSpPr>
+          <p:cNvPr id="3" name="Content Placeholder 2">
+            <a:extLst>
+              <a:ext uri="{FF2B5EF4-FFF2-40B4-BE49-F238E27FC236}">
+                <a16:creationId xmlns:a16="http://schemas.microsoft.com/office/drawing/2014/main" id="{D10DDA37-E46B-B641-BC9F-636CB92A2C08}"/>
+              </a:ext>
+            </a:extLst>
+          </p:cNvPr>
+          <p:cNvSpPr>
+            <a:spLocks noGrp="1"/>
+          </p:cNvSpPr>
+          <p:nvPr>
+            <p:ph idx="1"/>
+          </p:nvPr>
+        </p:nvSpPr>
+        <p:spPr/>
+        <p:txBody>
+          <a:bodyPr/>
+          <a:lstStyle/>
+          <a:p>
+            <a:pPr lvl="1"/>
+            <a:r>
+              <a:rPr/>
+              <a:t>Click the </a:t>
+            </a:r>
+            <a:r>
+              <a:rPr sz="1800">
+                <a:latin typeface="Courier"/>
+              </a:rPr>
+              <a:t>save</a:t>
+            </a:r>
+            <a:r>
+              <a:rPr/>
+              <a:t> icon</a:t>
+            </a:r>
+          </a:p>
+          <a:p>
+            <a:pPr lvl="2"/>
+            <a:r>
+              <a:rPr/>
+              <a:t>Save the file under a meaningful name.</a:t>
+            </a:r>
+          </a:p>
+          <a:p>
+            <a:pPr lvl="2"/>
+            <a:r>
+              <a:rPr/>
+              <a:t>Save it somewhere you can find it again.</a:t>
+            </a:r>
+          </a:p>
+          <a:p>
+            <a:pPr lvl="2"/>
+            <a:r>
+              <a:rPr/>
+              <a:t>.R is the file extension for R scripts.</a:t>
+            </a:r>
+          </a:p>
+          <a:p>
+            <a:pPr lvl="1"/>
+            <a:r>
+              <a:rPr/>
+              <a:t>If you were to close RStudio</a:t>
+            </a:r>
+          </a:p>
+          <a:p>
+            <a:pPr lvl="1"/>
+            <a:r>
+              <a:rPr/>
+              <a:t>The file would remain &amp; you could run again.</a:t>
+            </a:r>
+          </a:p>
+        </p:txBody>
+      </p:sp>
     </p:spTree>
   </p:cSld>
 </p:sld>

--- a/sessions/1-R-taster.pptx
+++ b/sessions/1-R-taster.pptx
@@ -5,7 +5,7 @@
     <p:sldMasterId id="2147483648" r:id="rId1"/>
   </p:sldMasterIdLst>
   <p:notesMasterIdLst>
-    <p:NotesMasterId r:id="rId18"/>
+    <p:NotesMasterId r:id="rId19"/>
   </p:notesMasterIdLst>
   <p:sldIdLst>
     <p:sldId id="256" r:id="rId2"/>
@@ -24,6 +24,7 @@
     <p:sldId id="269" r:id="rId15"/>
     <p:sldId id="270" r:id="rId16"/>
     <p:sldId id="271" r:id="rId17"/>
+    <p:sldId id="272" r:id="rId18"/>
   </p:sldIdLst>
   <p:sldSz cx="12192000" cy="6858000"/>
   <p:notesSz cx="6858000" cy="9144000"/>
@@ -4286,95 +4287,131 @@
             </a:pPr>
             <a:r>
               <a:rPr/>
-              <a:t>Instructor</a:t>
-            </a:r>
-            <a:r>
-              <a:rPr/>
-              <a:t> </a:t>
-            </a:r>
-            <a:r>
-              <a:rPr/>
-              <a:t>to</a:t>
-            </a:r>
-            <a:r>
-              <a:rPr/>
-              <a:t> </a:t>
-            </a:r>
-            <a:r>
-              <a:rPr/>
-              <a:t>switch</a:t>
-            </a:r>
-            <a:r>
-              <a:rPr/>
-              <a:t> </a:t>
-            </a:r>
-            <a:r>
-              <a:rPr/>
-              <a:t>to</a:t>
-            </a:r>
-            <a:r>
-              <a:rPr/>
-              <a:t> </a:t>
-            </a:r>
-            <a:r>
-              <a:rPr/>
-              <a:t>live</a:t>
-            </a:r>
-            <a:r>
-              <a:rPr/>
-              <a:t> </a:t>
-            </a:r>
-            <a:r>
-              <a:rPr/>
-              <a:t>demo</a:t>
-            </a:r>
-            <a:r>
-              <a:rPr/>
-              <a:t> </a:t>
-            </a:r>
-            <a:r>
-              <a:rPr/>
-              <a:t>in</a:t>
-            </a:r>
-            <a:r>
-              <a:rPr/>
-              <a:t> </a:t>
-            </a:r>
-            <a:r>
-              <a:rPr/>
-              <a:t>RStudio</a:t>
-            </a:r>
-            <a:r>
-              <a:rPr/>
-              <a:t> </a:t>
-            </a:r>
-            <a:r>
-              <a:rPr/>
-              <a:t>(remaining</a:t>
-            </a:r>
-            <a:r>
-              <a:rPr/>
-              <a:t> </a:t>
-            </a:r>
-            <a:r>
-              <a:rPr/>
-              <a:t>slides</a:t>
-            </a:r>
-            <a:r>
-              <a:rPr/>
-              <a:t> </a:t>
-            </a:r>
-            <a:r>
-              <a:rPr/>
-              <a:t>for</a:t>
-            </a:r>
-            <a:r>
-              <a:rPr/>
-              <a:t> </a:t>
-            </a:r>
-            <a:r>
-              <a:rPr/>
-              <a:t>info)</a:t>
+              <a:t>A</a:t>
+            </a:r>
+            <a:r>
+              <a:rPr/>
+              <a:t> </a:t>
+            </a:r>
+            <a:r>
+              <a:rPr/>
+              <a:t>warning</a:t>
+            </a:r>
+            <a:r>
+              <a:rPr/>
+              <a:t> </a:t>
+            </a:r>
+            <a:r>
+              <a:rPr/>
+              <a:t>about</a:t>
+            </a:r>
+            <a:r>
+              <a:rPr/>
+              <a:t> </a:t>
+            </a:r>
+            <a:r>
+              <a:rPr/>
+              <a:t>R</a:t>
+            </a:r>
+            <a:r>
+              <a:rPr/>
+              <a:t> </a:t>
+            </a:r>
+            <a:r>
+              <a:rPr/>
+              <a:t>warnings</a:t>
+            </a:r>
+            <a:r>
+              <a:rPr/>
+              <a:t> </a:t>
+            </a:r>
+            <a:r>
+              <a:rPr/>
+              <a:t>&amp;</a:t>
+            </a:r>
+            <a:r>
+              <a:rPr/>
+              <a:t> </a:t>
+            </a:r>
+            <a:r>
+              <a:rPr/>
+              <a:t>errors</a:t>
+            </a:r>
+          </a:p>
+        </p:txBody>
+      </p:sp>
+      <p:sp>
+        <p:nvSpPr>
+          <p:cNvPr id="3" name="Content Placeholder 2">
+            <a:extLst>
+              <a:ext uri="{FF2B5EF4-FFF2-40B4-BE49-F238E27FC236}">
+                <a16:creationId xmlns:a16="http://schemas.microsoft.com/office/drawing/2014/main" id="{D10DDA37-E46B-B641-BC9F-636CB92A2C08}"/>
+              </a:ext>
+            </a:extLst>
+          </p:cNvPr>
+          <p:cNvSpPr>
+            <a:spLocks noGrp="1"/>
+          </p:cNvSpPr>
+          <p:nvPr>
+            <p:ph idx="1"/>
+          </p:nvPr>
+        </p:nvSpPr>
+        <p:spPr/>
+        <p:txBody>
+          <a:bodyPr/>
+          <a:lstStyle/>
+          <a:p>
+            <a:pPr lvl="0" marL="0" indent="0">
+              <a:buNone/>
+            </a:pPr>
+            <a:r>
+              <a:rPr/>
+              <a:t>DON’T PANIC : they are common &amp; expected</a:t>
+            </a:r>
+          </a:p>
+          <a:p>
+            <a:pPr lvl="0" marL="0" indent="0">
+              <a:buNone/>
+            </a:pPr>
+            <a:r>
+              <a:rPr sz="1800">
+                <a:latin typeface="Courier"/>
+              </a:rPr>
+              <a:t>Warnings</a:t>
+            </a:r>
+            <a:r>
+              <a:rPr/>
+              <a:t> give you info that often you can ignore</a:t>
+            </a:r>
+          </a:p>
+          <a:p>
+            <a:pPr lvl="0" marL="0" indent="0">
+              <a:buNone/>
+            </a:pPr>
+            <a:r>
+              <a:rPr sz="1800">
+                <a:latin typeface="Courier"/>
+              </a:rPr>
+              <a:t>Errors</a:t>
+            </a:r>
+            <a:r>
+              <a:rPr/>
+              <a:t> usually need to be fixed and are usually due to a typo</a:t>
+            </a:r>
+          </a:p>
+          <a:p>
+            <a:pPr lvl="0" marL="0" indent="0">
+              <a:buNone/>
+            </a:pPr>
+            <a:r>
+              <a:rPr sz="1800">
+                <a:latin typeface="Courier"/>
+              </a:rPr>
+              <a:t>Errors</a:t>
+            </a:r>
+            <a:r>
+              <a:rPr/>
+              <a:t> check the first one - if it doesn’t make sense to you google it</a:t>
             </a:r>
           </a:p>
         </p:txBody>
@@ -4385,6 +4422,147 @@
 </file>
 
 <file path=ppt/slides/slide11.xml><?xml version="1.0" encoding="utf-8"?>
+<p:sld xmlns:a="http://schemas.openxmlformats.org/drawingml/2006/main" xmlns:r="http://schemas.openxmlformats.org/officeDocument/2006/relationships" xmlns:p="http://schemas.openxmlformats.org/presentationml/2006/main">
+  <p:cSld>
+    <p:spTree>
+      <p:nvGrpSpPr>
+        <p:cNvPr id="1" name=""/>
+        <p:cNvGrpSpPr/>
+        <p:nvPr/>
+      </p:nvGrpSpPr>
+      <p:grpSpPr>
+        <a:xfrm>
+          <a:off x="0" y="0"/>
+          <a:ext cx="0" cy="0"/>
+          <a:chOff x="0" y="0"/>
+          <a:chExt cx="0" cy="0"/>
+        </a:xfrm>
+      </p:grpSpPr>
+      <p:sp>
+        <p:nvSpPr>
+          <p:cNvPr id="2" name="Title 1">
+            <a:extLst>
+              <a:ext uri="{FF2B5EF4-FFF2-40B4-BE49-F238E27FC236}">
+                <a16:creationId xmlns:a16="http://schemas.microsoft.com/office/drawing/2014/main" id="{5567D468-EE70-CD4E-A3AC-039CC11EF1FB}"/>
+              </a:ext>
+            </a:extLst>
+          </p:cNvPr>
+          <p:cNvSpPr>
+            <a:spLocks noGrp="1"/>
+          </p:cNvSpPr>
+          <p:nvPr>
+            <p:ph type="title"/>
+          </p:nvPr>
+        </p:nvSpPr>
+        <p:spPr/>
+        <p:txBody>
+          <a:bodyPr/>
+          <a:lstStyle/>
+          <a:p>
+            <a:pPr lvl="0" marL="0" indent="0">
+              <a:buNone/>
+            </a:pPr>
+            <a:r>
+              <a:rPr/>
+              <a:t>Instructor</a:t>
+            </a:r>
+            <a:r>
+              <a:rPr/>
+              <a:t> </a:t>
+            </a:r>
+            <a:r>
+              <a:rPr/>
+              <a:t>to</a:t>
+            </a:r>
+            <a:r>
+              <a:rPr/>
+              <a:t> </a:t>
+            </a:r>
+            <a:r>
+              <a:rPr/>
+              <a:t>switch</a:t>
+            </a:r>
+            <a:r>
+              <a:rPr/>
+              <a:t> </a:t>
+            </a:r>
+            <a:r>
+              <a:rPr/>
+              <a:t>to</a:t>
+            </a:r>
+            <a:r>
+              <a:rPr/>
+              <a:t> </a:t>
+            </a:r>
+            <a:r>
+              <a:rPr/>
+              <a:t>live</a:t>
+            </a:r>
+            <a:r>
+              <a:rPr/>
+              <a:t> </a:t>
+            </a:r>
+            <a:r>
+              <a:rPr/>
+              <a:t>demo</a:t>
+            </a:r>
+            <a:r>
+              <a:rPr/>
+              <a:t> </a:t>
+            </a:r>
+            <a:r>
+              <a:rPr/>
+              <a:t>in</a:t>
+            </a:r>
+            <a:r>
+              <a:rPr/>
+              <a:t> </a:t>
+            </a:r>
+            <a:r>
+              <a:rPr/>
+              <a:t>RStudio</a:t>
+            </a:r>
+            <a:r>
+              <a:rPr/>
+              <a:t> </a:t>
+            </a:r>
+            <a:r>
+              <a:rPr/>
+              <a:t>(remaining</a:t>
+            </a:r>
+            <a:r>
+              <a:rPr/>
+              <a:t> </a:t>
+            </a:r>
+            <a:r>
+              <a:rPr/>
+              <a:t>slides</a:t>
+            </a:r>
+            <a:r>
+              <a:rPr/>
+              <a:t> </a:t>
+            </a:r>
+            <a:r>
+              <a:rPr/>
+              <a:t>for</a:t>
+            </a:r>
+            <a:r>
+              <a:rPr/>
+              <a:t> </a:t>
+            </a:r>
+            <a:r>
+              <a:rPr/>
+              <a:t>info)</a:t>
+            </a:r>
+          </a:p>
+        </p:txBody>
+      </p:sp>
+    </p:spTree>
+  </p:cSld>
+</p:sld>
+</file>
+
+<file path=ppt/slides/slide12.xml><?xml version="1.0" encoding="utf-8"?>
 <p:sld xmlns:a="http://schemas.openxmlformats.org/drawingml/2006/main" xmlns:r="http://schemas.openxmlformats.org/officeDocument/2006/relationships" xmlns:p="http://schemas.openxmlformats.org/presentationml/2006/main">
   <p:cSld>
     <p:spTree>
@@ -4515,7 +4693,7 @@
 </p:sld>
 </file>
 
-<file path=ppt/slides/slide12.xml><?xml version="1.0" encoding="utf-8"?>
+<file path=ppt/slides/slide13.xml><?xml version="1.0" encoding="utf-8"?>
 <p:sld xmlns:a="http://schemas.openxmlformats.org/drawingml/2006/main" xmlns:r="http://schemas.openxmlformats.org/officeDocument/2006/relationships" xmlns:p="http://schemas.openxmlformats.org/presentationml/2006/main">
   <p:cSld>
     <p:spTree>
@@ -4567,7 +4745,7 @@
 </p:sld>
 </file>
 
-<file path=ppt/slides/slide13.xml><?xml version="1.0" encoding="utf-8"?>
+<file path=ppt/slides/slide14.xml><?xml version="1.0" encoding="utf-8"?>
 <p:sld xmlns:a="http://schemas.openxmlformats.org/drawingml/2006/main" xmlns:r="http://schemas.openxmlformats.org/officeDocument/2006/relationships" xmlns:p="http://schemas.openxmlformats.org/presentationml/2006/main">
   <p:cSld>
     <p:spTree>
@@ -4619,7 +4797,7 @@
 </p:sld>
 </file>
 
-<file path=ppt/slides/slide14.xml><?xml version="1.0" encoding="utf-8"?>
+<file path=ppt/slides/slide15.xml><?xml version="1.0" encoding="utf-8"?>
 <p:sld xmlns:a="http://schemas.openxmlformats.org/drawingml/2006/main" xmlns:r="http://schemas.openxmlformats.org/officeDocument/2006/relationships" xmlns:p="http://schemas.openxmlformats.org/presentationml/2006/main">
   <p:cSld>
     <p:spTree>
@@ -4736,7 +4914,7 @@
 </p:sld>
 </file>
 
-<file path=ppt/slides/slide15.xml><?xml version="1.0" encoding="utf-8"?>
+<file path=ppt/slides/slide16.xml><?xml version="1.0" encoding="utf-8"?>
 <p:sld xmlns:a="http://schemas.openxmlformats.org/drawingml/2006/main" xmlns:r="http://schemas.openxmlformats.org/officeDocument/2006/relationships" xmlns:p="http://schemas.openxmlformats.org/presentationml/2006/main">
   <p:cSld>
     <p:spTree>
@@ -4867,7 +5045,7 @@
 </p:sld>
 </file>
 
-<file path=ppt/slides/slide16.xml><?xml version="1.0" encoding="utf-8"?>
+<file path=ppt/slides/slide17.xml><?xml version="1.0" encoding="utf-8"?>
 <p:sld xmlns:a="http://schemas.openxmlformats.org/drawingml/2006/main" xmlns:r="http://schemas.openxmlformats.org/officeDocument/2006/relationships" xmlns:p="http://schemas.openxmlformats.org/presentationml/2006/main">
   <p:cSld>
     <p:spTree>

--- a/sessions/1-R-taster.pptx
+++ b/sessions/1-R-taster.pptx
@@ -5,7 +5,7 @@
     <p:sldMasterId id="2147483648" r:id="rId1"/>
   </p:sldMasterIdLst>
   <p:notesMasterIdLst>
-    <p:NotesMasterId r:id="rId19"/>
+    <p:NotesMasterId r:id="rId18"/>
   </p:notesMasterIdLst>
   <p:sldIdLst>
     <p:sldId id="256" r:id="rId2"/>
@@ -24,7 +24,6 @@
     <p:sldId id="269" r:id="rId15"/>
     <p:sldId id="270" r:id="rId16"/>
     <p:sldId id="271" r:id="rId17"/>
-    <p:sldId id="272" r:id="rId18"/>
   </p:sldIdLst>
   <p:sldSz cx="12192000" cy="6858000"/>
   <p:notesSz cx="6858000" cy="9144000"/>
@@ -4287,55 +4286,87 @@
             </a:pPr>
             <a:r>
               <a:rPr/>
-              <a:t>A</a:t>
-            </a:r>
-            <a:r>
-              <a:rPr/>
-              <a:t> </a:t>
-            </a:r>
-            <a:r>
-              <a:rPr/>
-              <a:t>warning</a:t>
-            </a:r>
-            <a:r>
-              <a:rPr/>
-              <a:t> </a:t>
-            </a:r>
-            <a:r>
-              <a:rPr/>
-              <a:t>about</a:t>
-            </a:r>
-            <a:r>
-              <a:rPr/>
-              <a:t> </a:t>
-            </a:r>
-            <a:r>
-              <a:rPr/>
-              <a:t>R</a:t>
-            </a:r>
-            <a:r>
-              <a:rPr/>
-              <a:t> </a:t>
-            </a:r>
-            <a:r>
-              <a:rPr/>
-              <a:t>warnings</a:t>
-            </a:r>
-            <a:r>
-              <a:rPr/>
-              <a:t> </a:t>
-            </a:r>
-            <a:r>
-              <a:rPr/>
-              <a:t>&amp;</a:t>
-            </a:r>
-            <a:r>
-              <a:rPr/>
-              <a:t> </a:t>
-            </a:r>
-            <a:r>
-              <a:rPr/>
-              <a:t>errors</a:t>
+              <a:t>If</a:t>
+            </a:r>
+            <a:r>
+              <a:rPr/>
+              <a:t> </a:t>
+            </a:r>
+            <a:r>
+              <a:rPr/>
+              <a:t>you</a:t>
+            </a:r>
+            <a:r>
+              <a:rPr/>
+              <a:t> </a:t>
+            </a:r>
+            <a:r>
+              <a:rPr/>
+              <a:t>are</a:t>
+            </a:r>
+            <a:r>
+              <a:rPr/>
+              <a:t> </a:t>
+            </a:r>
+            <a:r>
+              <a:rPr/>
+              <a:t>an</a:t>
+            </a:r>
+            <a:r>
+              <a:rPr/>
+              <a:t> </a:t>
+            </a:r>
+            <a:r>
+              <a:rPr/>
+              <a:t>Instructor</a:t>
+            </a:r>
+            <a:r>
+              <a:rPr/>
+              <a:t> </a:t>
+            </a:r>
+            <a:r>
+              <a:rPr/>
+              <a:t>switch</a:t>
+            </a:r>
+            <a:r>
+              <a:rPr/>
+              <a:t> </a:t>
+            </a:r>
+            <a:r>
+              <a:rPr/>
+              <a:t>to</a:t>
+            </a:r>
+            <a:r>
+              <a:rPr/>
+              <a:t> </a:t>
+            </a:r>
+            <a:r>
+              <a:rPr/>
+              <a:t>live</a:t>
+            </a:r>
+            <a:r>
+              <a:rPr/>
+              <a:t> </a:t>
+            </a:r>
+            <a:r>
+              <a:rPr/>
+              <a:t>demo</a:t>
+            </a:r>
+            <a:r>
+              <a:rPr/>
+              <a:t> </a:t>
+            </a:r>
+            <a:r>
+              <a:rPr/>
+              <a:t>in</a:t>
+            </a:r>
+            <a:r>
+              <a:rPr/>
+              <a:t> </a:t>
+            </a:r>
+            <a:r>
+              <a:rPr/>
+              <a:t>RStudio</a:t>
             </a:r>
           </a:p>
         </p:txBody>
@@ -4366,52 +4397,7 @@
             </a:pPr>
             <a:r>
               <a:rPr/>
-              <a:t>DON’T PANIC : they are common &amp; expected</a:t>
-            </a:r>
-          </a:p>
-          <a:p>
-            <a:pPr lvl="0" marL="0" indent="0">
-              <a:buNone/>
-            </a:pPr>
-            <a:r>
-              <a:rPr sz="1800">
-                <a:latin typeface="Courier"/>
-              </a:rPr>
-              <a:t>Warnings</a:t>
-            </a:r>
-            <a:r>
-              <a:rPr/>
-              <a:t> give you info that often you can ignore</a:t>
-            </a:r>
-          </a:p>
-          <a:p>
-            <a:pPr lvl="0" marL="0" indent="0">
-              <a:buNone/>
-            </a:pPr>
-            <a:r>
-              <a:rPr sz="1800">
-                <a:latin typeface="Courier"/>
-              </a:rPr>
-              <a:t>Errors</a:t>
-            </a:r>
-            <a:r>
-              <a:rPr/>
-              <a:t> usually need to be fixed and are usually due to a typo</a:t>
-            </a:r>
-          </a:p>
-          <a:p>
-            <a:pPr lvl="0" marL="0" indent="0">
-              <a:buNone/>
-            </a:pPr>
-            <a:r>
-              <a:rPr sz="1800">
-                <a:latin typeface="Courier"/>
-              </a:rPr>
-              <a:t>Errors</a:t>
-            </a:r>
-            <a:r>
-              <a:rPr/>
-              <a:t> check the first one - if it doesn’t make sense to you google it</a:t>
+              <a:t>If you are learning independently follow the steps in these slides.</a:t>
             </a:r>
           </a:p>
         </p:txBody>
@@ -4422,147 +4408,6 @@
 </file>
 
 <file path=ppt/slides/slide11.xml><?xml version="1.0" encoding="utf-8"?>
-<p:sld xmlns:a="http://schemas.openxmlformats.org/drawingml/2006/main" xmlns:r="http://schemas.openxmlformats.org/officeDocument/2006/relationships" xmlns:p="http://schemas.openxmlformats.org/presentationml/2006/main">
-  <p:cSld>
-    <p:spTree>
-      <p:nvGrpSpPr>
-        <p:cNvPr id="1" name=""/>
-        <p:cNvGrpSpPr/>
-        <p:nvPr/>
-      </p:nvGrpSpPr>
-      <p:grpSpPr>
-        <a:xfrm>
-          <a:off x="0" y="0"/>
-          <a:ext cx="0" cy="0"/>
-          <a:chOff x="0" y="0"/>
-          <a:chExt cx="0" cy="0"/>
-        </a:xfrm>
-      </p:grpSpPr>
-      <p:sp>
-        <p:nvSpPr>
-          <p:cNvPr id="2" name="Title 1">
-            <a:extLst>
-              <a:ext uri="{FF2B5EF4-FFF2-40B4-BE49-F238E27FC236}">
-                <a16:creationId xmlns:a16="http://schemas.microsoft.com/office/drawing/2014/main" id="{5567D468-EE70-CD4E-A3AC-039CC11EF1FB}"/>
-              </a:ext>
-            </a:extLst>
-          </p:cNvPr>
-          <p:cNvSpPr>
-            <a:spLocks noGrp="1"/>
-          </p:cNvSpPr>
-          <p:nvPr>
-            <p:ph type="title"/>
-          </p:nvPr>
-        </p:nvSpPr>
-        <p:spPr/>
-        <p:txBody>
-          <a:bodyPr/>
-          <a:lstStyle/>
-          <a:p>
-            <a:pPr lvl="0" marL="0" indent="0">
-              <a:buNone/>
-            </a:pPr>
-            <a:r>
-              <a:rPr/>
-              <a:t>Instructor</a:t>
-            </a:r>
-            <a:r>
-              <a:rPr/>
-              <a:t> </a:t>
-            </a:r>
-            <a:r>
-              <a:rPr/>
-              <a:t>to</a:t>
-            </a:r>
-            <a:r>
-              <a:rPr/>
-              <a:t> </a:t>
-            </a:r>
-            <a:r>
-              <a:rPr/>
-              <a:t>switch</a:t>
-            </a:r>
-            <a:r>
-              <a:rPr/>
-              <a:t> </a:t>
-            </a:r>
-            <a:r>
-              <a:rPr/>
-              <a:t>to</a:t>
-            </a:r>
-            <a:r>
-              <a:rPr/>
-              <a:t> </a:t>
-            </a:r>
-            <a:r>
-              <a:rPr/>
-              <a:t>live</a:t>
-            </a:r>
-            <a:r>
-              <a:rPr/>
-              <a:t> </a:t>
-            </a:r>
-            <a:r>
-              <a:rPr/>
-              <a:t>demo</a:t>
-            </a:r>
-            <a:r>
-              <a:rPr/>
-              <a:t> </a:t>
-            </a:r>
-            <a:r>
-              <a:rPr/>
-              <a:t>in</a:t>
-            </a:r>
-            <a:r>
-              <a:rPr/>
-              <a:t> </a:t>
-            </a:r>
-            <a:r>
-              <a:rPr/>
-              <a:t>RStudio</a:t>
-            </a:r>
-            <a:r>
-              <a:rPr/>
-              <a:t> </a:t>
-            </a:r>
-            <a:r>
-              <a:rPr/>
-              <a:t>(remaining</a:t>
-            </a:r>
-            <a:r>
-              <a:rPr/>
-              <a:t> </a:t>
-            </a:r>
-            <a:r>
-              <a:rPr/>
-              <a:t>slides</a:t>
-            </a:r>
-            <a:r>
-              <a:rPr/>
-              <a:t> </a:t>
-            </a:r>
-            <a:r>
-              <a:rPr/>
-              <a:t>for</a:t>
-            </a:r>
-            <a:r>
-              <a:rPr/>
-              <a:t> </a:t>
-            </a:r>
-            <a:r>
-              <a:rPr/>
-              <a:t>info)</a:t>
-            </a:r>
-          </a:p>
-        </p:txBody>
-      </p:sp>
-    </p:spTree>
-  </p:cSld>
-</p:sld>
-</file>
-
-<file path=ppt/slides/slide12.xml><?xml version="1.0" encoding="utf-8"?>
 <p:sld xmlns:a="http://schemas.openxmlformats.org/drawingml/2006/main" xmlns:r="http://schemas.openxmlformats.org/officeDocument/2006/relationships" xmlns:p="http://schemas.openxmlformats.org/presentationml/2006/main">
   <p:cSld>
     <p:spTree>
@@ -4693,7 +4538,7 @@
 </p:sld>
 </file>
 
-<file path=ppt/slides/slide13.xml><?xml version="1.0" encoding="utf-8"?>
+<file path=ppt/slides/slide12.xml><?xml version="1.0" encoding="utf-8"?>
 <p:sld xmlns:a="http://schemas.openxmlformats.org/drawingml/2006/main" xmlns:r="http://schemas.openxmlformats.org/officeDocument/2006/relationships" xmlns:p="http://schemas.openxmlformats.org/presentationml/2006/main">
   <p:cSld>
     <p:spTree>
@@ -4745,7 +4590,7 @@
 </p:sld>
 </file>
 
-<file path=ppt/slides/slide14.xml><?xml version="1.0" encoding="utf-8"?>
+<file path=ppt/slides/slide13.xml><?xml version="1.0" encoding="utf-8"?>
 <p:sld xmlns:a="http://schemas.openxmlformats.org/drawingml/2006/main" xmlns:r="http://schemas.openxmlformats.org/officeDocument/2006/relationships" xmlns:p="http://schemas.openxmlformats.org/presentationml/2006/main">
   <p:cSld>
     <p:spTree>
@@ -4797,7 +4642,7 @@
 </p:sld>
 </file>
 
-<file path=ppt/slides/slide15.xml><?xml version="1.0" encoding="utf-8"?>
+<file path=ppt/slides/slide14.xml><?xml version="1.0" encoding="utf-8"?>
 <p:sld xmlns:a="http://schemas.openxmlformats.org/drawingml/2006/main" xmlns:r="http://schemas.openxmlformats.org/officeDocument/2006/relationships" xmlns:p="http://schemas.openxmlformats.org/presentationml/2006/main">
   <p:cSld>
     <p:spTree>
@@ -4914,7 +4759,7 @@
 </p:sld>
 </file>
 
-<file path=ppt/slides/slide16.xml><?xml version="1.0" encoding="utf-8"?>
+<file path=ppt/slides/slide15.xml><?xml version="1.0" encoding="utf-8"?>
 <p:sld xmlns:a="http://schemas.openxmlformats.org/drawingml/2006/main" xmlns:r="http://schemas.openxmlformats.org/officeDocument/2006/relationships" xmlns:p="http://schemas.openxmlformats.org/presentationml/2006/main">
   <p:cSld>
     <p:spTree>
@@ -5045,7 +4890,7 @@
 </p:sld>
 </file>
 
-<file path=ppt/slides/slide17.xml><?xml version="1.0" encoding="utf-8"?>
+<file path=ppt/slides/slide16.xml><?xml version="1.0" encoding="utf-8"?>
 <p:sld xmlns:a="http://schemas.openxmlformats.org/drawingml/2006/main" xmlns:r="http://schemas.openxmlformats.org/officeDocument/2006/relationships" xmlns:p="http://schemas.openxmlformats.org/presentationml/2006/main">
   <p:cSld>
     <p:spTree>
@@ -6209,23 +6054,55 @@
             </a:pPr>
             <a:r>
               <a:rPr/>
-              <a:t>Saving</a:t>
-            </a:r>
-            <a:r>
-              <a:rPr/>
-              <a:t> </a:t>
-            </a:r>
-            <a:r>
-              <a:rPr/>
-              <a:t>your</a:t>
-            </a:r>
-            <a:r>
-              <a:rPr/>
-              <a:t> </a:t>
-            </a:r>
-            <a:r>
-              <a:rPr/>
-              <a:t>work</a:t>
+              <a:t>A</a:t>
+            </a:r>
+            <a:r>
+              <a:rPr/>
+              <a:t> </a:t>
+            </a:r>
+            <a:r>
+              <a:rPr/>
+              <a:t>warning</a:t>
+            </a:r>
+            <a:r>
+              <a:rPr/>
+              <a:t> </a:t>
+            </a:r>
+            <a:r>
+              <a:rPr/>
+              <a:t>about</a:t>
+            </a:r>
+            <a:r>
+              <a:rPr/>
+              <a:t> </a:t>
+            </a:r>
+            <a:r>
+              <a:rPr/>
+              <a:t>R</a:t>
+            </a:r>
+            <a:r>
+              <a:rPr/>
+              <a:t> </a:t>
+            </a:r>
+            <a:r>
+              <a:rPr/>
+              <a:t>warnings</a:t>
+            </a:r>
+            <a:r>
+              <a:rPr/>
+              <a:t> </a:t>
+            </a:r>
+            <a:r>
+              <a:rPr/>
+              <a:t>&amp;</a:t>
+            </a:r>
+            <a:r>
+              <a:rPr/>
+              <a:t> </a:t>
+            </a:r>
+            <a:r>
+              <a:rPr/>
+              <a:t>errors</a:t>
             </a:r>
           </a:p>
         </p:txBody>
@@ -6251,55 +6128,57 @@
           <a:bodyPr/>
           <a:lstStyle/>
           <a:p>
-            <a:pPr lvl="1"/>
-            <a:r>
-              <a:rPr/>
-              <a:t>Click the </a:t>
-            </a:r>
+            <a:pPr lvl="0" marL="0" indent="0">
+              <a:buNone/>
+            </a:pPr>
+            <a:r>
+              <a:rPr/>
+              <a:t>DON’T PANIC : they are common &amp; expected</a:t>
+            </a:r>
+          </a:p>
+          <a:p>
+            <a:pPr lvl="0" marL="0" indent="0">
+              <a:buNone/>
+            </a:pPr>
             <a:r>
               <a:rPr sz="1800">
                 <a:latin typeface="Courier"/>
               </a:rPr>
-              <a:t>save</a:t>
-            </a:r>
-            <a:r>
-              <a:rPr/>
-              <a:t> icon</a:t>
-            </a:r>
-          </a:p>
-          <a:p>
-            <a:pPr lvl="2"/>
-            <a:r>
-              <a:rPr/>
-              <a:t>Save the file under a meaningful name.</a:t>
-            </a:r>
-          </a:p>
-          <a:p>
-            <a:pPr lvl="2"/>
-            <a:r>
-              <a:rPr/>
-              <a:t>Save it somewhere you can find it again.</a:t>
-            </a:r>
-          </a:p>
-          <a:p>
-            <a:pPr lvl="2"/>
-            <a:r>
-              <a:rPr/>
-              <a:t>.R is the file extension for R scripts.</a:t>
-            </a:r>
-          </a:p>
-          <a:p>
-            <a:pPr lvl="1"/>
-            <a:r>
-              <a:rPr/>
-              <a:t>If you were to close RStudio</a:t>
-            </a:r>
-          </a:p>
-          <a:p>
-            <a:pPr lvl="1"/>
-            <a:r>
-              <a:rPr/>
-              <a:t>The file would remain &amp; you could run again.</a:t>
+              <a:t>Warnings</a:t>
+            </a:r>
+            <a:r>
+              <a:rPr/>
+              <a:t> give you info that often you can ignore</a:t>
+            </a:r>
+          </a:p>
+          <a:p>
+            <a:pPr lvl="0" marL="0" indent="0">
+              <a:buNone/>
+            </a:pPr>
+            <a:r>
+              <a:rPr sz="1800">
+                <a:latin typeface="Courier"/>
+              </a:rPr>
+              <a:t>Errors</a:t>
+            </a:r>
+            <a:r>
+              <a:rPr/>
+              <a:t> usually need to be fixed and are usually due to a typo</a:t>
+            </a:r>
+          </a:p>
+          <a:p>
+            <a:pPr lvl="0" marL="0" indent="0">
+              <a:buNone/>
+            </a:pPr>
+            <a:r>
+              <a:rPr sz="1800">
+                <a:latin typeface="Courier"/>
+              </a:rPr>
+              <a:t>Errors</a:t>
+            </a:r>
+            <a:r>
+              <a:rPr/>
+              <a:t> check the first one - if it doesn’t make sense to you google it</a:t>
             </a:r>
           </a:p>
         </p:txBody>

--- a/sessions/1-R-taster.pptx
+++ b/sessions/1-R-taster.pptx
@@ -4719,7 +4719,7 @@
               <a:rPr b="1">
                 <a:hlinkClick r:id="rId2"/>
               </a:rPr>
-              <a:t>https://github.com/ucl-criu/learning-datascience</a:t>
+              <a:t>https://github.com/uclh-criu/learning-datascience</a:t>
             </a:r>
           </a:p>
         </p:txBody>
@@ -6178,7 +6178,7 @@
             </a:r>
             <a:r>
               <a:rPr/>
-              <a:t> check the first one - if it doesn’t make sense to you google it</a:t>
+              <a:t> check the first one - if it doesn’t make sense to you, google it</a:t>
             </a:r>
           </a:p>
         </p:txBody>

--- a/sessions/1-R-taster.pptx
+++ b/sessions/1-R-taster.pptx
@@ -5,7 +5,7 @@
     <p:sldMasterId id="2147483648" r:id="rId1"/>
   </p:sldMasterIdLst>
   <p:notesMasterIdLst>
-    <p:NotesMasterId r:id="rId18"/>
+    <p:NotesMasterId r:id="rId22"/>
   </p:notesMasterIdLst>
   <p:sldIdLst>
     <p:sldId id="256" r:id="rId2"/>
@@ -24,6 +24,10 @@
     <p:sldId id="269" r:id="rId15"/>
     <p:sldId id="270" r:id="rId16"/>
     <p:sldId id="271" r:id="rId17"/>
+    <p:sldId id="272" r:id="rId18"/>
+    <p:sldId id="273" r:id="rId19"/>
+    <p:sldId id="274" r:id="rId20"/>
+    <p:sldId id="275" r:id="rId21"/>
   </p:sldIdLst>
   <p:sldSz cx="12192000" cy="6858000"/>
   <p:notesSz cx="6858000" cy="9144000"/>
@@ -919,7 +923,7 @@
           <a:p>
             <a:fld id="{18BDFEC3-8487-43E8-A154-7C12CBC1FFF2}" type="slidenum">
               <a:rPr lang="en-US"/>
-              <a:t>7</a:t>
+              <a:t>9</a:t>
             </a:fld>
             <a:endParaRPr lang="en-US"/>
           </a:p>
@@ -4286,87 +4290,31 @@
             </a:pPr>
             <a:r>
               <a:rPr/>
-              <a:t>If</a:t>
-            </a:r>
-            <a:r>
-              <a:rPr/>
-              <a:t> </a:t>
-            </a:r>
-            <a:r>
-              <a:rPr/>
-              <a:t>you</a:t>
-            </a:r>
-            <a:r>
-              <a:rPr/>
-              <a:t> </a:t>
-            </a:r>
-            <a:r>
-              <a:rPr/>
-              <a:t>are</a:t>
-            </a:r>
-            <a:r>
-              <a:rPr/>
-              <a:t> </a:t>
-            </a:r>
-            <a:r>
-              <a:rPr/>
-              <a:t>an</a:t>
-            </a:r>
-            <a:r>
-              <a:rPr/>
-              <a:t> </a:t>
-            </a:r>
-            <a:r>
-              <a:rPr/>
-              <a:t>Instructor</a:t>
-            </a:r>
-            <a:r>
-              <a:rPr/>
-              <a:t> </a:t>
-            </a:r>
-            <a:r>
-              <a:rPr/>
-              <a:t>switch</a:t>
-            </a:r>
-            <a:r>
-              <a:rPr/>
-              <a:t> </a:t>
-            </a:r>
-            <a:r>
-              <a:rPr/>
-              <a:t>to</a:t>
-            </a:r>
-            <a:r>
-              <a:rPr/>
-              <a:t> </a:t>
-            </a:r>
-            <a:r>
-              <a:rPr/>
-              <a:t>live</a:t>
-            </a:r>
-            <a:r>
-              <a:rPr/>
-              <a:t> </a:t>
-            </a:r>
-            <a:r>
-              <a:rPr/>
-              <a:t>demo</a:t>
-            </a:r>
-            <a:r>
-              <a:rPr/>
-              <a:t> </a:t>
-            </a:r>
-            <a:r>
-              <a:rPr/>
-              <a:t>in</a:t>
-            </a:r>
-            <a:r>
-              <a:rPr/>
-              <a:t> </a:t>
-            </a:r>
-            <a:r>
-              <a:rPr/>
-              <a:t>RStudio</a:t>
+              <a:t>Using</a:t>
+            </a:r>
+            <a:r>
+              <a:rPr/>
+              <a:t> </a:t>
+            </a:r>
+            <a:r>
+              <a:rPr/>
+              <a:t>the</a:t>
+            </a:r>
+            <a:r>
+              <a:rPr/>
+              <a:t> </a:t>
+            </a:r>
+            <a:r>
+              <a:rPr/>
+              <a:t>Source/Text</a:t>
+            </a:r>
+            <a:r>
+              <a:rPr/>
+              <a:t> </a:t>
+            </a:r>
+            <a:r>
+              <a:rPr/>
+              <a:t>editor</a:t>
             </a:r>
           </a:p>
         </p:txBody>
@@ -4392,12 +4340,84 @@
           <a:bodyPr/>
           <a:lstStyle/>
           <a:p>
-            <a:pPr lvl="0" marL="0" indent="0">
-              <a:buNone/>
-            </a:pPr>
-            <a:r>
-              <a:rPr/>
-              <a:t>If you are learning independently follow the steps in these slides.</a:t>
+            <a:pPr lvl="1"/>
+            <a:r>
+              <a:rPr/>
+              <a:t>Type </a:t>
+            </a:r>
+            <a:r>
+              <a:rPr sz="1800">
+                <a:latin typeface="Courier"/>
+              </a:rPr>
+              <a:t>2 + 2</a:t>
+            </a:r>
+            <a:r>
+              <a:rPr/>
+              <a:t> in top left, then </a:t>
+            </a:r>
+            <a:r>
+              <a:rPr sz="1800">
+                <a:latin typeface="Courier"/>
+              </a:rPr>
+              <a:t>Enter</a:t>
+            </a:r>
+            <a:r>
+              <a:rPr/>
+              <a:t>.</a:t>
+            </a:r>
+          </a:p>
+          <a:p>
+            <a:pPr lvl="1"/>
+            <a:r>
+              <a:rPr/>
+              <a:t>What happens?</a:t>
+            </a:r>
+          </a:p>
+          <a:p>
+            <a:pPr lvl="1"/>
+            <a:r>
+              <a:rPr/>
+              <a:t>To ask R to run code</a:t>
+            </a:r>
+          </a:p>
+          <a:p>
+            <a:pPr lvl="1"/>
+            <a:r>
+              <a:rPr/>
+              <a:t>Highlight the code and:</a:t>
+            </a:r>
+          </a:p>
+          <a:p>
+            <a:pPr lvl="2"/>
+            <a:r>
+              <a:rPr/>
+              <a:t>MacOS: </a:t>
+            </a:r>
+            <a:r>
+              <a:rPr sz="1800">
+                <a:latin typeface="Courier"/>
+              </a:rPr>
+              <a:t>Cmd + Enter</a:t>
+            </a:r>
+          </a:p>
+          <a:p>
+            <a:pPr lvl="2"/>
+            <a:r>
+              <a:rPr/>
+              <a:t>Windows: </a:t>
+            </a:r>
+            <a:r>
+              <a:rPr sz="1800">
+                <a:latin typeface="Courier"/>
+              </a:rPr>
+              <a:t>Ctrl + Enter</a:t>
+            </a:r>
+          </a:p>
+          <a:p>
+            <a:pPr lvl="1"/>
+            <a:r>
+              <a:rPr/>
+              <a:t>Notice the output in the console.</a:t>
             </a:r>
           </a:p>
         </p:txBody>
@@ -4408,6 +4428,767 @@
 </file>
 
 <file path=ppt/slides/slide11.xml><?xml version="1.0" encoding="utf-8"?>
+<p:sld xmlns:a="http://schemas.openxmlformats.org/drawingml/2006/main" xmlns:r="http://schemas.openxmlformats.org/officeDocument/2006/relationships" xmlns:p="http://schemas.openxmlformats.org/presentationml/2006/main">
+  <p:cSld>
+    <p:spTree>
+      <p:nvGrpSpPr>
+        <p:cNvPr id="1" name=""/>
+        <p:cNvGrpSpPr/>
+        <p:nvPr/>
+      </p:nvGrpSpPr>
+      <p:grpSpPr>
+        <a:xfrm>
+          <a:off x="0" y="0"/>
+          <a:ext cx="0" cy="0"/>
+          <a:chOff x="0" y="0"/>
+          <a:chExt cx="0" cy="0"/>
+        </a:xfrm>
+      </p:grpSpPr>
+      <p:sp>
+        <p:nvSpPr>
+          <p:cNvPr id="2" name="Title 1">
+            <a:extLst>
+              <a:ext uri="{FF2B5EF4-FFF2-40B4-BE49-F238E27FC236}">
+                <a16:creationId xmlns:a16="http://schemas.microsoft.com/office/drawing/2014/main" id="{5567D468-EE70-CD4E-A3AC-039CC11EF1FB}"/>
+              </a:ext>
+            </a:extLst>
+          </p:cNvPr>
+          <p:cNvSpPr>
+            <a:spLocks noGrp="1"/>
+          </p:cNvSpPr>
+          <p:nvPr>
+            <p:ph type="title"/>
+          </p:nvPr>
+        </p:nvSpPr>
+        <p:spPr/>
+        <p:txBody>
+          <a:bodyPr/>
+          <a:lstStyle/>
+          <a:p>
+            <a:pPr lvl="0" marL="0" indent="0">
+              <a:buNone/>
+            </a:pPr>
+            <a:r>
+              <a:rPr/>
+              <a:t>A</a:t>
+            </a:r>
+            <a:r>
+              <a:rPr/>
+              <a:t> </a:t>
+            </a:r>
+            <a:r>
+              <a:rPr/>
+              <a:t>warning</a:t>
+            </a:r>
+            <a:r>
+              <a:rPr/>
+              <a:t> </a:t>
+            </a:r>
+            <a:r>
+              <a:rPr/>
+              <a:t>about</a:t>
+            </a:r>
+            <a:r>
+              <a:rPr/>
+              <a:t> </a:t>
+            </a:r>
+            <a:r>
+              <a:rPr/>
+              <a:t>R</a:t>
+            </a:r>
+            <a:r>
+              <a:rPr/>
+              <a:t> </a:t>
+            </a:r>
+            <a:r>
+              <a:rPr/>
+              <a:t>warnings</a:t>
+            </a:r>
+            <a:r>
+              <a:rPr/>
+              <a:t> </a:t>
+            </a:r>
+            <a:r>
+              <a:rPr/>
+              <a:t>&amp;</a:t>
+            </a:r>
+            <a:r>
+              <a:rPr/>
+              <a:t> </a:t>
+            </a:r>
+            <a:r>
+              <a:rPr/>
+              <a:t>errors</a:t>
+            </a:r>
+          </a:p>
+        </p:txBody>
+      </p:sp>
+      <p:sp>
+        <p:nvSpPr>
+          <p:cNvPr id="3" name="Content Placeholder 2">
+            <a:extLst>
+              <a:ext uri="{FF2B5EF4-FFF2-40B4-BE49-F238E27FC236}">
+                <a16:creationId xmlns:a16="http://schemas.microsoft.com/office/drawing/2014/main" id="{D10DDA37-E46B-B641-BC9F-636CB92A2C08}"/>
+              </a:ext>
+            </a:extLst>
+          </p:cNvPr>
+          <p:cNvSpPr>
+            <a:spLocks noGrp="1"/>
+          </p:cNvSpPr>
+          <p:nvPr>
+            <p:ph idx="1"/>
+          </p:nvPr>
+        </p:nvSpPr>
+        <p:spPr/>
+        <p:txBody>
+          <a:bodyPr/>
+          <a:lstStyle/>
+          <a:p>
+            <a:pPr lvl="0" marL="0" indent="0">
+              <a:buNone/>
+            </a:pPr>
+            <a:r>
+              <a:rPr/>
+              <a:t>DON’T PANIC : they are common &amp; expected</a:t>
+            </a:r>
+          </a:p>
+          <a:p>
+            <a:pPr lvl="0" marL="0" indent="0">
+              <a:buNone/>
+            </a:pPr>
+            <a:r>
+              <a:rPr sz="1800">
+                <a:latin typeface="Courier"/>
+              </a:rPr>
+              <a:t>Warnings</a:t>
+            </a:r>
+            <a:r>
+              <a:rPr/>
+              <a:t> give you info that often you can ignore</a:t>
+            </a:r>
+          </a:p>
+          <a:p>
+            <a:pPr lvl="0" marL="0" indent="0">
+              <a:buNone/>
+            </a:pPr>
+            <a:r>
+              <a:rPr sz="1800">
+                <a:latin typeface="Courier"/>
+              </a:rPr>
+              <a:t>Errors</a:t>
+            </a:r>
+            <a:r>
+              <a:rPr/>
+              <a:t> usually need to be fixed and are usually due to a typo</a:t>
+            </a:r>
+          </a:p>
+          <a:p>
+            <a:pPr lvl="0" marL="0" indent="0">
+              <a:buNone/>
+            </a:pPr>
+            <a:r>
+              <a:rPr sz="1800">
+                <a:latin typeface="Courier"/>
+              </a:rPr>
+              <a:t>Errors</a:t>
+            </a:r>
+            <a:r>
+              <a:rPr/>
+              <a:t> check the first one - if it doesn’t make sense to you, google it</a:t>
+            </a:r>
+          </a:p>
+        </p:txBody>
+      </p:sp>
+    </p:spTree>
+  </p:cSld>
+</p:sld>
+</file>
+
+<file path=ppt/slides/slide12.xml><?xml version="1.0" encoding="utf-8"?>
+<p:sld xmlns:a="http://schemas.openxmlformats.org/drawingml/2006/main" xmlns:r="http://schemas.openxmlformats.org/officeDocument/2006/relationships" xmlns:p="http://schemas.openxmlformats.org/presentationml/2006/main">
+  <p:cSld>
+    <p:spTree>
+      <p:nvGrpSpPr>
+        <p:cNvPr id="1" name=""/>
+        <p:cNvGrpSpPr/>
+        <p:nvPr/>
+      </p:nvGrpSpPr>
+      <p:grpSpPr>
+        <a:xfrm>
+          <a:off x="0" y="0"/>
+          <a:ext cx="0" cy="0"/>
+          <a:chOff x="0" y="0"/>
+          <a:chExt cx="0" cy="0"/>
+        </a:xfrm>
+      </p:grpSpPr>
+      <p:sp>
+        <p:nvSpPr>
+          <p:cNvPr id="2" name="Title 1">
+            <a:extLst>
+              <a:ext uri="{FF2B5EF4-FFF2-40B4-BE49-F238E27FC236}">
+                <a16:creationId xmlns:a16="http://schemas.microsoft.com/office/drawing/2014/main" id="{5567D468-EE70-CD4E-A3AC-039CC11EF1FB}"/>
+              </a:ext>
+            </a:extLst>
+          </p:cNvPr>
+          <p:cNvSpPr>
+            <a:spLocks noGrp="1"/>
+          </p:cNvSpPr>
+          <p:nvPr>
+            <p:ph type="title"/>
+          </p:nvPr>
+        </p:nvSpPr>
+        <p:spPr/>
+        <p:txBody>
+          <a:bodyPr/>
+          <a:lstStyle/>
+          <a:p>
+            <a:pPr lvl="0" marL="0" indent="0">
+              <a:buNone/>
+            </a:pPr>
+            <a:r>
+              <a:rPr/>
+              <a:t>First</a:t>
+            </a:r>
+            <a:r>
+              <a:rPr/>
+              <a:t> </a:t>
+            </a:r>
+            <a:r>
+              <a:rPr/>
+              <a:t>time</a:t>
+            </a:r>
+            <a:r>
+              <a:rPr/>
+              <a:t> </a:t>
+            </a:r>
+            <a:r>
+              <a:rPr/>
+              <a:t>from</a:t>
+            </a:r>
+            <a:r>
+              <a:rPr/>
+              <a:t> </a:t>
+            </a:r>
+            <a:r>
+              <a:rPr/>
+              <a:t>UCLH</a:t>
+            </a:r>
+            <a:r>
+              <a:rPr/>
+              <a:t> </a:t>
+            </a:r>
+            <a:r>
+              <a:rPr/>
+              <a:t>PC</a:t>
+            </a:r>
+          </a:p>
+        </p:txBody>
+      </p:sp>
+      <p:sp>
+        <p:nvSpPr>
+          <p:cNvPr id="3" name="Content Placeholder 2">
+            <a:extLst>
+              <a:ext uri="{FF2B5EF4-FFF2-40B4-BE49-F238E27FC236}">
+                <a16:creationId xmlns:a16="http://schemas.microsoft.com/office/drawing/2014/main" id="{D10DDA37-E46B-B641-BC9F-636CB92A2C08}"/>
+              </a:ext>
+            </a:extLst>
+          </p:cNvPr>
+          <p:cNvSpPr>
+            <a:spLocks noGrp="1"/>
+          </p:cNvSpPr>
+          <p:nvPr>
+            <p:ph idx="1"/>
+          </p:nvPr>
+        </p:nvSpPr>
+        <p:spPr/>
+        <p:txBody>
+          <a:bodyPr/>
+          <a:lstStyle/>
+          <a:p>
+            <a:pPr lvl="0" marL="0" indent="0">
+              <a:spcBef>
+                <a:spcPts val="3000"/>
+              </a:spcBef>
+              <a:buNone/>
+            </a:pPr>
+            <a:r>
+              <a:rPr b="1"/>
+              <a:t>To enable RStudio to find internet</a:t>
+            </a:r>
+          </a:p>
+          <a:p>
+            <a:pPr lvl="0" marL="0" indent="0">
+              <a:buNone/>
+            </a:pPr>
+            <a:r>
+              <a:rPr/>
+              <a:t>Create a small text file, paste some commands into it, save it as a file called .Renviron and then restart RStudio.</a:t>
+            </a:r>
+          </a:p>
+          <a:p>
+            <a:pPr lvl="0" marL="0" indent="0">
+              <a:buNone/>
+            </a:pPr>
+            <a:r>
+              <a:rPr/>
+              <a:t>We can use a function called </a:t>
+            </a:r>
+            <a:r>
+              <a:rPr sz="1800">
+                <a:latin typeface="Courier"/>
+              </a:rPr>
+              <a:t>edit_r_environ()</a:t>
+            </a:r>
+            <a:r>
+              <a:rPr/>
+              <a:t> within a helper package called </a:t>
+            </a:r>
+            <a:r>
+              <a:rPr sz="1800">
+                <a:latin typeface="Courier"/>
+              </a:rPr>
+              <a:t>usethis</a:t>
+            </a:r>
+            <a:r>
+              <a:rPr/>
+              <a:t>.</a:t>
+            </a:r>
+          </a:p>
+          <a:p>
+            <a:pPr lvl="0" marL="0" indent="0">
+              <a:buNone/>
+            </a:pPr>
+            <a:r>
+              <a:rPr/>
+              <a:t>Copy &amp; paste the 3 lines below into the R console at the lower left:</a:t>
+            </a:r>
+          </a:p>
+          <a:p>
+            <a:pPr lvl="0" marL="1270000" indent="0">
+              <a:buNone/>
+            </a:pPr>
+            <a:r>
+              <a:rPr sz="1800">
+                <a:latin typeface="Courier"/>
+              </a:rPr>
+              <a:t>install.packages("usethis")
+library(usethis)
+usethis::edit_r_environ()</a:t>
+            </a:r>
+          </a:p>
+          <a:p>
+            <a:pPr lvl="0" marL="0" indent="0">
+              <a:buNone/>
+            </a:pPr>
+            <a:r>
+              <a:rPr/>
+              <a:t>This should open a tab called </a:t>
+            </a:r>
+            <a:r>
+              <a:rPr b="1"/>
+              <a:t>.Renviron</a:t>
+            </a:r>
+            <a:r>
+              <a:rPr/>
+              <a:t> in the editor at the top left.</a:t>
+            </a:r>
+          </a:p>
+        </p:txBody>
+      </p:sp>
+    </p:spTree>
+  </p:cSld>
+</p:sld>
+</file>
+
+<file path=ppt/slides/slide13.xml><?xml version="1.0" encoding="utf-8"?>
+<p:sld xmlns:a="http://schemas.openxmlformats.org/drawingml/2006/main" xmlns:r="http://schemas.openxmlformats.org/officeDocument/2006/relationships" xmlns:p="http://schemas.openxmlformats.org/presentationml/2006/main">
+  <p:cSld>
+    <p:spTree>
+      <p:nvGrpSpPr>
+        <p:cNvPr id="1" name=""/>
+        <p:cNvGrpSpPr/>
+        <p:nvPr/>
+      </p:nvGrpSpPr>
+      <p:grpSpPr>
+        <a:xfrm>
+          <a:off x="0" y="0"/>
+          <a:ext cx="0" cy="0"/>
+          <a:chOff x="0" y="0"/>
+          <a:chExt cx="0" cy="0"/>
+        </a:xfrm>
+      </p:grpSpPr>
+      <p:sp>
+        <p:nvSpPr>
+          <p:cNvPr id="2" name="Title 1">
+            <a:extLst>
+              <a:ext uri="{FF2B5EF4-FFF2-40B4-BE49-F238E27FC236}">
+                <a16:creationId xmlns:a16="http://schemas.microsoft.com/office/drawing/2014/main" id="{5567D468-EE70-CD4E-A3AC-039CC11EF1FB}"/>
+              </a:ext>
+            </a:extLst>
+          </p:cNvPr>
+          <p:cNvSpPr>
+            <a:spLocks noGrp="1"/>
+          </p:cNvSpPr>
+          <p:nvPr>
+            <p:ph type="title"/>
+          </p:nvPr>
+        </p:nvSpPr>
+        <p:spPr/>
+        <p:txBody>
+          <a:bodyPr/>
+          <a:lstStyle/>
+          <a:p>
+            <a:pPr lvl="0" marL="0" indent="0">
+              <a:buNone/>
+            </a:pPr>
+            <a:r>
+              <a:rPr/>
+              <a:t>Copy</a:t>
+            </a:r>
+            <a:r>
+              <a:rPr/>
+              <a:t> </a:t>
+            </a:r>
+            <a:r>
+              <a:rPr/>
+              <a:t>&amp;</a:t>
+            </a:r>
+            <a:r>
+              <a:rPr/>
+              <a:t> </a:t>
+            </a:r>
+            <a:r>
+              <a:rPr/>
+              <a:t>paste</a:t>
+            </a:r>
+            <a:r>
+              <a:rPr/>
+              <a:t> </a:t>
+            </a:r>
+            <a:r>
+              <a:rPr/>
+              <a:t>these</a:t>
+            </a:r>
+            <a:r>
+              <a:rPr/>
+              <a:t> </a:t>
+            </a:r>
+            <a:r>
+              <a:rPr/>
+              <a:t>line</a:t>
+            </a:r>
+            <a:r>
+              <a:rPr/>
+              <a:t> </a:t>
+            </a:r>
+            <a:r>
+              <a:rPr/>
+              <a:t>into</a:t>
+            </a:r>
+            <a:r>
+              <a:rPr/>
+              <a:t> </a:t>
+            </a:r>
+            <a:r>
+              <a:rPr/>
+              <a:t>a</a:t>
+            </a:r>
+            <a:r>
+              <a:rPr/>
+              <a:t> </a:t>
+            </a:r>
+            <a:r>
+              <a:rPr/>
+              <a:t>space</a:t>
+            </a:r>
+            <a:r>
+              <a:rPr/>
+              <a:t> </a:t>
+            </a:r>
+            <a:r>
+              <a:rPr/>
+              <a:t>below</a:t>
+            </a:r>
+            <a:r>
+              <a:rPr/>
+              <a:t> </a:t>
+            </a:r>
+            <a:r>
+              <a:rPr/>
+              <a:t>the</a:t>
+            </a:r>
+            <a:r>
+              <a:rPr/>
+              <a:t> </a:t>
+            </a:r>
+            <a:r>
+              <a:rPr b="1"/>
+              <a:t>.Renviron</a:t>
+            </a:r>
+            <a:r>
+              <a:rPr/>
+              <a:t> </a:t>
+            </a:r>
+            <a:r>
+              <a:rPr/>
+              <a:t>tab</a:t>
+            </a:r>
+            <a:r>
+              <a:rPr/>
+              <a:t> </a:t>
+            </a:r>
+            <a:r>
+              <a:rPr/>
+              <a:t>at</a:t>
+            </a:r>
+            <a:r>
+              <a:rPr/>
+              <a:t> </a:t>
+            </a:r>
+            <a:r>
+              <a:rPr/>
+              <a:t>top</a:t>
+            </a:r>
+            <a:r>
+              <a:rPr/>
+              <a:t> </a:t>
+            </a:r>
+            <a:r>
+              <a:rPr/>
+              <a:t>left</a:t>
+            </a:r>
+          </a:p>
+        </p:txBody>
+      </p:sp>
+      <p:sp>
+        <p:nvSpPr>
+          <p:cNvPr id="3" name="Content Placeholder 2">
+            <a:extLst>
+              <a:ext uri="{FF2B5EF4-FFF2-40B4-BE49-F238E27FC236}">
+                <a16:creationId xmlns:a16="http://schemas.microsoft.com/office/drawing/2014/main" id="{D10DDA37-E46B-B641-BC9F-636CB92A2C08}"/>
+              </a:ext>
+            </a:extLst>
+          </p:cNvPr>
+          <p:cNvSpPr>
+            <a:spLocks noGrp="1"/>
+          </p:cNvSpPr>
+          <p:nvPr>
+            <p:ph idx="1"/>
+          </p:nvPr>
+        </p:nvSpPr>
+        <p:spPr/>
+        <p:txBody>
+          <a:bodyPr/>
+          <a:lstStyle/>
+          <a:p>
+            <a:pPr lvl="0" marL="1270000" indent="0">
+              <a:buNone/>
+            </a:pPr>
+            <a:r>
+              <a:rPr sz="1800">
+                <a:latin typeface="Courier"/>
+              </a:rPr>
+              <a:t># Set-up proxies to allow RStudio &amp; R to talk to internet
+# allows git cloning of RStudio projects &amp; remotes::install_github
+# CRAN package installation works without proxies being set
+# file called .Renviron needs to be saved in your home folder
+http_proxy=http://www-cache-n.xuclh.nhs.uk:3128/
+https_proxy=http://www-cache-n.xuclh.nhs.uk:3128/
+HTTP_PROXY=http://www-cache-n.xuclh.nhs.uk:3128/
+HTTPS_PROXY=http://www-cache-n.xuclh.nhs.uk:3128/</a:t>
+            </a:r>
+          </a:p>
+          <a:p>
+            <a:pPr lvl="0" marL="0" indent="0">
+              <a:buNone/>
+            </a:pPr>
+            <a:r>
+              <a:rPr/>
+              <a:t>Then save that file by selecting File, Save (or Ctrl S).</a:t>
+            </a:r>
+            <a:br/>
+            <a:r>
+              <a:rPr/>
+              <a:t>Close the .Renviron tab.</a:t>
+            </a:r>
+            <a:br/>
+            <a:r>
+              <a:rPr/>
+              <a:t>Restart RStudio.</a:t>
+            </a:r>
+          </a:p>
+        </p:txBody>
+      </p:sp>
+    </p:spTree>
+  </p:cSld>
+</p:sld>
+</file>
+
+<file path=ppt/slides/slide14.xml><?xml version="1.0" encoding="utf-8"?>
+<p:sld xmlns:a="http://schemas.openxmlformats.org/drawingml/2006/main" xmlns:r="http://schemas.openxmlformats.org/officeDocument/2006/relationships" xmlns:p="http://schemas.openxmlformats.org/presentationml/2006/main">
+  <p:cSld>
+    <p:spTree>
+      <p:nvGrpSpPr>
+        <p:cNvPr id="1" name=""/>
+        <p:cNvGrpSpPr/>
+        <p:nvPr/>
+      </p:nvGrpSpPr>
+      <p:grpSpPr>
+        <a:xfrm>
+          <a:off x="0" y="0"/>
+          <a:ext cx="0" cy="0"/>
+          <a:chOff x="0" y="0"/>
+          <a:chExt cx="0" cy="0"/>
+        </a:xfrm>
+      </p:grpSpPr>
+      <p:sp>
+        <p:nvSpPr>
+          <p:cNvPr id="2" name="Title 1">
+            <a:extLst>
+              <a:ext uri="{FF2B5EF4-FFF2-40B4-BE49-F238E27FC236}">
+                <a16:creationId xmlns:a16="http://schemas.microsoft.com/office/drawing/2014/main" id="{5567D468-EE70-CD4E-A3AC-039CC11EF1FB}"/>
+              </a:ext>
+            </a:extLst>
+          </p:cNvPr>
+          <p:cNvSpPr>
+            <a:spLocks noGrp="1"/>
+          </p:cNvSpPr>
+          <p:nvPr>
+            <p:ph type="title"/>
+          </p:nvPr>
+        </p:nvSpPr>
+        <p:spPr/>
+        <p:txBody>
+          <a:bodyPr/>
+          <a:lstStyle/>
+          <a:p>
+            <a:pPr lvl="0" marL="0" indent="0">
+              <a:buNone/>
+            </a:pPr>
+            <a:r>
+              <a:rPr/>
+              <a:t>If</a:t>
+            </a:r>
+            <a:r>
+              <a:rPr/>
+              <a:t> </a:t>
+            </a:r>
+            <a:r>
+              <a:rPr/>
+              <a:t>you</a:t>
+            </a:r>
+            <a:r>
+              <a:rPr/>
+              <a:t> </a:t>
+            </a:r>
+            <a:r>
+              <a:rPr/>
+              <a:t>are</a:t>
+            </a:r>
+            <a:r>
+              <a:rPr/>
+              <a:t> </a:t>
+            </a:r>
+            <a:r>
+              <a:rPr/>
+              <a:t>an</a:t>
+            </a:r>
+            <a:r>
+              <a:rPr/>
+              <a:t> </a:t>
+            </a:r>
+            <a:r>
+              <a:rPr/>
+              <a:t>Instructor</a:t>
+            </a:r>
+            <a:r>
+              <a:rPr/>
+              <a:t> </a:t>
+            </a:r>
+            <a:r>
+              <a:rPr/>
+              <a:t>switch</a:t>
+            </a:r>
+            <a:r>
+              <a:rPr/>
+              <a:t> </a:t>
+            </a:r>
+            <a:r>
+              <a:rPr/>
+              <a:t>to</a:t>
+            </a:r>
+            <a:r>
+              <a:rPr/>
+              <a:t> </a:t>
+            </a:r>
+            <a:r>
+              <a:rPr/>
+              <a:t>live</a:t>
+            </a:r>
+            <a:r>
+              <a:rPr/>
+              <a:t> </a:t>
+            </a:r>
+            <a:r>
+              <a:rPr/>
+              <a:t>demo</a:t>
+            </a:r>
+            <a:r>
+              <a:rPr/>
+              <a:t> </a:t>
+            </a:r>
+            <a:r>
+              <a:rPr/>
+              <a:t>in</a:t>
+            </a:r>
+            <a:r>
+              <a:rPr/>
+              <a:t> </a:t>
+            </a:r>
+            <a:r>
+              <a:rPr/>
+              <a:t>RStudio</a:t>
+            </a:r>
+          </a:p>
+        </p:txBody>
+      </p:sp>
+      <p:sp>
+        <p:nvSpPr>
+          <p:cNvPr id="3" name="Content Placeholder 2">
+            <a:extLst>
+              <a:ext uri="{FF2B5EF4-FFF2-40B4-BE49-F238E27FC236}">
+                <a16:creationId xmlns:a16="http://schemas.microsoft.com/office/drawing/2014/main" id="{D10DDA37-E46B-B641-BC9F-636CB92A2C08}"/>
+              </a:ext>
+            </a:extLst>
+          </p:cNvPr>
+          <p:cNvSpPr>
+            <a:spLocks noGrp="1"/>
+          </p:cNvSpPr>
+          <p:nvPr>
+            <p:ph idx="1"/>
+          </p:nvPr>
+        </p:nvSpPr>
+        <p:spPr/>
+        <p:txBody>
+          <a:bodyPr/>
+          <a:lstStyle/>
+          <a:p>
+            <a:pPr lvl="0" marL="0" indent="0">
+              <a:buNone/>
+            </a:pPr>
+            <a:r>
+              <a:rPr/>
+              <a:t>If you are learning independently follow the steps in these slides.</a:t>
+            </a:r>
+          </a:p>
+        </p:txBody>
+      </p:sp>
+    </p:spTree>
+  </p:cSld>
+</p:sld>
+</file>
+
+<file path=ppt/slides/slide15.xml><?xml version="1.0" encoding="utf-8"?>
 <p:sld xmlns:a="http://schemas.openxmlformats.org/drawingml/2006/main" xmlns:r="http://schemas.openxmlformats.org/officeDocument/2006/relationships" xmlns:p="http://schemas.openxmlformats.org/presentationml/2006/main">
   <p:cSld>
     <p:spTree>
@@ -4538,7 +5319,7 @@
 </p:sld>
 </file>
 
-<file path=ppt/slides/slide12.xml><?xml version="1.0" encoding="utf-8"?>
+<file path=ppt/slides/slide16.xml><?xml version="1.0" encoding="utf-8"?>
 <p:sld xmlns:a="http://schemas.openxmlformats.org/drawingml/2006/main" xmlns:r="http://schemas.openxmlformats.org/officeDocument/2006/relationships" xmlns:p="http://schemas.openxmlformats.org/presentationml/2006/main">
   <p:cSld>
     <p:spTree>
@@ -4590,7 +5371,7 @@
 </p:sld>
 </file>
 
-<file path=ppt/slides/slide13.xml><?xml version="1.0" encoding="utf-8"?>
+<file path=ppt/slides/slide17.xml><?xml version="1.0" encoding="utf-8"?>
 <p:sld xmlns:a="http://schemas.openxmlformats.org/drawingml/2006/main" xmlns:r="http://schemas.openxmlformats.org/officeDocument/2006/relationships" xmlns:p="http://schemas.openxmlformats.org/presentationml/2006/main">
   <p:cSld>
     <p:spTree>
@@ -4642,7 +5423,7 @@
 </p:sld>
 </file>
 
-<file path=ppt/slides/slide14.xml><?xml version="1.0" encoding="utf-8"?>
+<file path=ppt/slides/slide18.xml><?xml version="1.0" encoding="utf-8"?>
 <p:sld xmlns:a="http://schemas.openxmlformats.org/drawingml/2006/main" xmlns:r="http://schemas.openxmlformats.org/officeDocument/2006/relationships" xmlns:p="http://schemas.openxmlformats.org/presentationml/2006/main">
   <p:cSld>
     <p:spTree>
@@ -4759,7 +5540,7 @@
 </p:sld>
 </file>
 
-<file path=ppt/slides/slide15.xml><?xml version="1.0" encoding="utf-8"?>
+<file path=ppt/slides/slide19.xml><?xml version="1.0" encoding="utf-8"?>
 <p:sld xmlns:a="http://schemas.openxmlformats.org/drawingml/2006/main" xmlns:r="http://schemas.openxmlformats.org/officeDocument/2006/relationships" xmlns:p="http://schemas.openxmlformats.org/presentationml/2006/main">
   <p:cSld>
     <p:spTree>
@@ -4890,91 +5671,6 @@
 </p:sld>
 </file>
 
-<file path=ppt/slides/slide16.xml><?xml version="1.0" encoding="utf-8"?>
-<p:sld xmlns:a="http://schemas.openxmlformats.org/drawingml/2006/main" xmlns:r="http://schemas.openxmlformats.org/officeDocument/2006/relationships" xmlns:p="http://schemas.openxmlformats.org/presentationml/2006/main">
-  <p:cSld>
-    <p:spTree>
-      <p:nvGrpSpPr>
-        <p:cNvPr id="1" name=""/>
-        <p:cNvGrpSpPr/>
-        <p:nvPr/>
-      </p:nvGrpSpPr>
-      <p:grpSpPr>
-        <a:xfrm>
-          <a:off x="0" y="0"/>
-          <a:ext cx="0" cy="0"/>
-          <a:chOff x="0" y="0"/>
-          <a:chExt cx="0" cy="0"/>
-        </a:xfrm>
-      </p:grpSpPr>
-      <p:sp>
-        <p:nvSpPr>
-          <p:cNvPr id="2" name="Title 1">
-            <a:extLst>
-              <a:ext uri="{FF2B5EF4-FFF2-40B4-BE49-F238E27FC236}">
-                <a16:creationId xmlns:a16="http://schemas.microsoft.com/office/drawing/2014/main" id="{5567D468-EE70-CD4E-A3AC-039CC11EF1FB}"/>
-              </a:ext>
-            </a:extLst>
-          </p:cNvPr>
-          <p:cNvSpPr>
-            <a:spLocks noGrp="1"/>
-          </p:cNvSpPr>
-          <p:nvPr>
-            <p:ph type="title"/>
-          </p:nvPr>
-        </p:nvSpPr>
-        <p:spPr/>
-        <p:txBody>
-          <a:bodyPr/>
-          <a:lstStyle/>
-          <a:p>
-            <a:pPr lvl="0" marL="0" indent="0">
-              <a:buNone/>
-            </a:pPr>
-            <a:r>
-              <a:rPr/>
-              <a:t>Intructor</a:t>
-            </a:r>
-            <a:r>
-              <a:rPr/>
-              <a:t> </a:t>
-            </a:r>
-            <a:r>
-              <a:rPr/>
-              <a:t>will</a:t>
-            </a:r>
-            <a:r>
-              <a:rPr/>
-              <a:t> </a:t>
-            </a:r>
-            <a:r>
-              <a:rPr/>
-              <a:t>step</a:t>
-            </a:r>
-            <a:r>
-              <a:rPr/>
-              <a:t> </a:t>
-            </a:r>
-            <a:r>
-              <a:rPr/>
-              <a:t>through</a:t>
-            </a:r>
-            <a:r>
-              <a:rPr/>
-              <a:t> </a:t>
-            </a:r>
-            <a:r>
-              <a:rPr/>
-              <a:t>sessions/1-R-taster-script.R</a:t>
-            </a:r>
-          </a:p>
-        </p:txBody>
-      </p:sp>
-    </p:spTree>
-  </p:cSld>
-</p:sld>
-</file>
-
 <file path=ppt/slides/slide2.xml><?xml version="1.0" encoding="utf-8"?>
 <p:sld xmlns:a="http://schemas.openxmlformats.org/drawingml/2006/main" xmlns:r="http://schemas.openxmlformats.org/officeDocument/2006/relationships" xmlns:p="http://schemas.openxmlformats.org/presentationml/2006/main">
   <p:cSld>
@@ -5076,6 +5772,91 @@
             <a:r>
               <a:rPr/>
               <a:t>we will return to concepts later</a:t>
+            </a:r>
+          </a:p>
+        </p:txBody>
+      </p:sp>
+    </p:spTree>
+  </p:cSld>
+</p:sld>
+</file>
+
+<file path=ppt/slides/slide20.xml><?xml version="1.0" encoding="utf-8"?>
+<p:sld xmlns:a="http://schemas.openxmlformats.org/drawingml/2006/main" xmlns:r="http://schemas.openxmlformats.org/officeDocument/2006/relationships" xmlns:p="http://schemas.openxmlformats.org/presentationml/2006/main">
+  <p:cSld>
+    <p:spTree>
+      <p:nvGrpSpPr>
+        <p:cNvPr id="1" name=""/>
+        <p:cNvGrpSpPr/>
+        <p:nvPr/>
+      </p:nvGrpSpPr>
+      <p:grpSpPr>
+        <a:xfrm>
+          <a:off x="0" y="0"/>
+          <a:ext cx="0" cy="0"/>
+          <a:chOff x="0" y="0"/>
+          <a:chExt cx="0" cy="0"/>
+        </a:xfrm>
+      </p:grpSpPr>
+      <p:sp>
+        <p:nvSpPr>
+          <p:cNvPr id="2" name="Title 1">
+            <a:extLst>
+              <a:ext uri="{FF2B5EF4-FFF2-40B4-BE49-F238E27FC236}">
+                <a16:creationId xmlns:a16="http://schemas.microsoft.com/office/drawing/2014/main" id="{5567D468-EE70-CD4E-A3AC-039CC11EF1FB}"/>
+              </a:ext>
+            </a:extLst>
+          </p:cNvPr>
+          <p:cNvSpPr>
+            <a:spLocks noGrp="1"/>
+          </p:cNvSpPr>
+          <p:nvPr>
+            <p:ph type="title"/>
+          </p:nvPr>
+        </p:nvSpPr>
+        <p:spPr/>
+        <p:txBody>
+          <a:bodyPr/>
+          <a:lstStyle/>
+          <a:p>
+            <a:pPr lvl="0" marL="0" indent="0">
+              <a:buNone/>
+            </a:pPr>
+            <a:r>
+              <a:rPr/>
+              <a:t>Intructor</a:t>
+            </a:r>
+            <a:r>
+              <a:rPr/>
+              <a:t> </a:t>
+            </a:r>
+            <a:r>
+              <a:rPr/>
+              <a:t>will</a:t>
+            </a:r>
+            <a:r>
+              <a:rPr/>
+              <a:t> </a:t>
+            </a:r>
+            <a:r>
+              <a:rPr/>
+              <a:t>step</a:t>
+            </a:r>
+            <a:r>
+              <a:rPr/>
+              <a:t> </a:t>
+            </a:r>
+            <a:r>
+              <a:rPr/>
+              <a:t>through</a:t>
+            </a:r>
+            <a:r>
+              <a:rPr/>
+              <a:t> </a:t>
+            </a:r>
+            <a:r>
+              <a:rPr/>
+              <a:t>sessions/1-R-taster-script.R</a:t>
             </a:r>
           </a:p>
         </p:txBody>
@@ -5238,6 +6019,38 @@
             </a:pPr>
             <a:r>
               <a:rPr/>
+              <a:t>UCLH</a:t>
+            </a:r>
+            <a:r>
+              <a:rPr/>
+              <a:t> </a:t>
+            </a:r>
+            <a:r>
+              <a:rPr/>
+              <a:t>Data</a:t>
+            </a:r>
+            <a:r>
+              <a:rPr/>
+              <a:t> </a:t>
+            </a:r>
+            <a:r>
+              <a:rPr/>
+              <a:t>Science</a:t>
+            </a:r>
+            <a:r>
+              <a:rPr/>
+              <a:t> </a:t>
+            </a:r>
+            <a:r>
+              <a:rPr/>
+              <a:t>Desktop</a:t>
+            </a:r>
+            <a:r>
+              <a:rPr/>
+              <a:t> </a:t>
+            </a:r>
+            <a:r>
+              <a:rPr/>
               <a:t>If</a:t>
             </a:r>
             <a:r>
@@ -5341,7 +6154,7 @@
       </p:sp>
       <p:pic>
         <p:nvPicPr>
-          <p:cNvPr descr="../Images/RStudioServer.png" id="0" name="Picture 1"/>
+          <p:cNvPr descr="../Images/uclh-data-science-desktop.png" id="0" name="Picture 1"/>
           <p:cNvPicPr>
             <a:picLocks noGrp="1" noChangeAspect="1"/>
           </p:cNvPicPr>
@@ -5355,8 +6168,8 @@
         </p:blipFill>
         <p:spPr bwMode="auto">
           <a:xfrm>
-            <a:off x="3060700" y="1816100"/>
-            <a:ext cx="6057900" cy="4343400"/>
+            <a:off x="838200" y="2019300"/>
+            <a:ext cx="10515600" cy="3937000"/>
           </a:xfrm>
           <a:prstGeom prst="rect">
             <a:avLst/>
@@ -5417,24 +6230,40 @@
             </a:pPr>
             <a:r>
               <a:rPr/>
-              <a:t>Working</a:t>
-            </a:r>
-            <a:r>
-              <a:rPr/>
-              <a:t> </a:t>
-            </a:r>
-            <a:r>
-              <a:rPr/>
-              <a:t>with</a:t>
-            </a:r>
-            <a:r>
-              <a:rPr/>
-              <a:t> </a:t>
-            </a:r>
-            <a:r>
-              <a:rPr/>
               <a:t>RStudio</a:t>
             </a:r>
+            <a:r>
+              <a:rPr/>
+              <a:t> </a:t>
+            </a:r>
+            <a:r>
+              <a:rPr/>
+              <a:t>fom</a:t>
+            </a:r>
+            <a:r>
+              <a:rPr/>
+              <a:t> </a:t>
+            </a:r>
+            <a:r>
+              <a:rPr/>
+              <a:t>Data</a:t>
+            </a:r>
+            <a:r>
+              <a:rPr/>
+              <a:t> </a:t>
+            </a:r>
+            <a:r>
+              <a:rPr/>
+              <a:t>Science</a:t>
+            </a:r>
+            <a:r>
+              <a:rPr/>
+              <a:t> </a:t>
+            </a:r>
+            <a:r>
+              <a:rPr/>
+              <a:t>Desktop</a:t>
+            </a:r>
           </a:p>
         </p:txBody>
       </p:sp>
@@ -5459,59 +6288,12 @@
           <a:bodyPr/>
           <a:lstStyle/>
           <a:p>
-            <a:pPr lvl="1"/>
-            <a:r>
-              <a:rPr/>
-              <a:t>RStudio is an Integrated Development Environment (IDE). – (also the name of the company that develops it and a lot more)</a:t>
-            </a:r>
-          </a:p>
-          <a:p>
-            <a:pPr lvl="1"/>
-            <a:r>
-              <a:rPr/>
-              <a:t>Easier to work with than R on it’s own, since it it a bit more ‘point and clicky’</a:t>
-            </a:r>
-          </a:p>
-          <a:p>
-            <a:pPr lvl="1"/>
-            <a:r>
-              <a:rPr/>
-              <a:t>Allows</a:t>
-            </a:r>
-          </a:p>
-          <a:p>
-            <a:pPr lvl="2"/>
-            <a:r>
-              <a:rPr/>
-              <a:t>Code editing</a:t>
-            </a:r>
-          </a:p>
-          <a:p>
-            <a:pPr lvl="2"/>
-            <a:r>
-              <a:rPr/>
-              <a:t>Syntax highlighting</a:t>
-            </a:r>
-          </a:p>
-          <a:p>
-            <a:pPr lvl="2"/>
-            <a:r>
-              <a:rPr/>
-              <a:t>Plotting tools</a:t>
-            </a:r>
-          </a:p>
-          <a:p>
-            <a:pPr lvl="2"/>
-            <a:r>
-              <a:rPr/>
-              <a:t>Workspace management</a:t>
-            </a:r>
-          </a:p>
-          <a:p>
-            <a:pPr lvl="2"/>
-            <a:r>
-              <a:rPr/>
-              <a:t>Version control</a:t>
+            <a:pPr lvl="0" marL="0" indent="0">
+              <a:buNone/>
+            </a:pPr>
+            <a:r>
+              <a:rPr/>
+              <a:t>To start RStudio type ‘rst’ in the search box at the lower left, an then double click on the RStudio desktop app.</a:t>
             </a:r>
           </a:p>
         </p:txBody>
@@ -5522,6 +6304,205 @@
 </file>
 
 <file path=ppt/slides/slide6.xml><?xml version="1.0" encoding="utf-8"?>
+<p:sld xmlns:a="http://schemas.openxmlformats.org/drawingml/2006/main" xmlns:r="http://schemas.openxmlformats.org/officeDocument/2006/relationships" xmlns:p="http://schemas.openxmlformats.org/presentationml/2006/main">
+  <p:cSld>
+    <p:spTree>
+      <p:nvGrpSpPr>
+        <p:cNvPr id="1" name=""/>
+        <p:cNvGrpSpPr/>
+        <p:nvPr/>
+      </p:nvGrpSpPr>
+      <p:grpSpPr>
+        <a:xfrm>
+          <a:off x="0" y="0"/>
+          <a:ext cx="0" cy="0"/>
+          <a:chOff x="0" y="0"/>
+          <a:chExt cx="0" cy="0"/>
+        </a:xfrm>
+      </p:grpSpPr>
+      <p:pic>
+        <p:nvPicPr>
+          <p:cNvPr descr="../Images/uclh-data-science-desktop-rstudio.png" id="0" name="Picture 1"/>
+          <p:cNvPicPr>
+            <a:picLocks noGrp="1" noChangeAspect="1"/>
+          </p:cNvPicPr>
+          <p:nvPr/>
+        </p:nvPicPr>
+        <p:blipFill>
+          <a:blip r:embed="rId2"/>
+          <a:stretch>
+            <a:fillRect/>
+          </a:stretch>
+        </p:blipFill>
+        <p:spPr bwMode="auto">
+          <a:xfrm>
+            <a:off x="4851400" y="1816100"/>
+            <a:ext cx="2501900" cy="4343400"/>
+          </a:xfrm>
+          <a:prstGeom prst="rect">
+            <a:avLst/>
+          </a:prstGeom>
+          <a:noFill/>
+          <a:ln w="9525">
+            <a:noFill/>
+            <a:headEnd/>
+            <a:tailEnd/>
+          </a:ln>
+        </p:spPr>
+      </p:pic>
+    </p:spTree>
+  </p:cSld>
+</p:sld>
+</file>
+
+<file path=ppt/slides/slide7.xml><?xml version="1.0" encoding="utf-8"?>
+<p:sld xmlns:a="http://schemas.openxmlformats.org/drawingml/2006/main" xmlns:r="http://schemas.openxmlformats.org/officeDocument/2006/relationships" xmlns:p="http://schemas.openxmlformats.org/presentationml/2006/main">
+  <p:cSld>
+    <p:spTree>
+      <p:nvGrpSpPr>
+        <p:cNvPr id="1" name=""/>
+        <p:cNvGrpSpPr/>
+        <p:nvPr/>
+      </p:nvGrpSpPr>
+      <p:grpSpPr>
+        <a:xfrm>
+          <a:off x="0" y="0"/>
+          <a:ext cx="0" cy="0"/>
+          <a:chOff x="0" y="0"/>
+          <a:chExt cx="0" cy="0"/>
+        </a:xfrm>
+      </p:grpSpPr>
+      <p:sp>
+        <p:nvSpPr>
+          <p:cNvPr id="2" name="Title 1">
+            <a:extLst>
+              <a:ext uri="{FF2B5EF4-FFF2-40B4-BE49-F238E27FC236}">
+                <a16:creationId xmlns:a16="http://schemas.microsoft.com/office/drawing/2014/main" id="{5567D468-EE70-CD4E-A3AC-039CC11EF1FB}"/>
+              </a:ext>
+            </a:extLst>
+          </p:cNvPr>
+          <p:cNvSpPr>
+            <a:spLocks noGrp="1"/>
+          </p:cNvSpPr>
+          <p:nvPr>
+            <p:ph type="title"/>
+          </p:nvPr>
+        </p:nvSpPr>
+        <p:spPr/>
+        <p:txBody>
+          <a:bodyPr/>
+          <a:lstStyle/>
+          <a:p>
+            <a:pPr lvl="0" marL="0" indent="0">
+              <a:buNone/>
+            </a:pPr>
+            <a:r>
+              <a:rPr/>
+              <a:t>Working</a:t>
+            </a:r>
+            <a:r>
+              <a:rPr/>
+              <a:t> </a:t>
+            </a:r>
+            <a:r>
+              <a:rPr/>
+              <a:t>with</a:t>
+            </a:r>
+            <a:r>
+              <a:rPr/>
+              <a:t> </a:t>
+            </a:r>
+            <a:r>
+              <a:rPr/>
+              <a:t>RStudio</a:t>
+            </a:r>
+          </a:p>
+        </p:txBody>
+      </p:sp>
+      <p:sp>
+        <p:nvSpPr>
+          <p:cNvPr id="3" name="Content Placeholder 2">
+            <a:extLst>
+              <a:ext uri="{FF2B5EF4-FFF2-40B4-BE49-F238E27FC236}">
+                <a16:creationId xmlns:a16="http://schemas.microsoft.com/office/drawing/2014/main" id="{D10DDA37-E46B-B641-BC9F-636CB92A2C08}"/>
+              </a:ext>
+            </a:extLst>
+          </p:cNvPr>
+          <p:cNvSpPr>
+            <a:spLocks noGrp="1"/>
+          </p:cNvSpPr>
+          <p:nvPr>
+            <p:ph idx="1"/>
+          </p:nvPr>
+        </p:nvSpPr>
+        <p:spPr/>
+        <p:txBody>
+          <a:bodyPr/>
+          <a:lstStyle/>
+          <a:p>
+            <a:pPr lvl="1"/>
+            <a:r>
+              <a:rPr/>
+              <a:t>RStudio is an Integrated Development Environment (IDE). – (also the name of the company that develops it and a lot more)</a:t>
+            </a:r>
+          </a:p>
+          <a:p>
+            <a:pPr lvl="1"/>
+            <a:r>
+              <a:rPr/>
+              <a:t>Easier to work with than R on it’s own, since it it a bit more ‘point and clicky’</a:t>
+            </a:r>
+          </a:p>
+          <a:p>
+            <a:pPr lvl="1"/>
+            <a:r>
+              <a:rPr/>
+              <a:t>Allows</a:t>
+            </a:r>
+          </a:p>
+          <a:p>
+            <a:pPr lvl="2"/>
+            <a:r>
+              <a:rPr/>
+              <a:t>Code editing</a:t>
+            </a:r>
+          </a:p>
+          <a:p>
+            <a:pPr lvl="2"/>
+            <a:r>
+              <a:rPr/>
+              <a:t>Syntax highlighting</a:t>
+            </a:r>
+          </a:p>
+          <a:p>
+            <a:pPr lvl="2"/>
+            <a:r>
+              <a:rPr/>
+              <a:t>Plotting tools</a:t>
+            </a:r>
+          </a:p>
+          <a:p>
+            <a:pPr lvl="2"/>
+            <a:r>
+              <a:rPr/>
+              <a:t>Workspace management</a:t>
+            </a:r>
+          </a:p>
+          <a:p>
+            <a:pPr lvl="2"/>
+            <a:r>
+              <a:rPr/>
+              <a:t>Version control</a:t>
+            </a:r>
+          </a:p>
+        </p:txBody>
+      </p:sp>
+    </p:spTree>
+  </p:cSld>
+</p:sld>
+</file>
+
+<file path=ppt/slides/slide8.xml><?xml version="1.0" encoding="utf-8"?>
 <p:sld xmlns:a="http://schemas.openxmlformats.org/drawingml/2006/main" xmlns:r="http://schemas.openxmlformats.org/officeDocument/2006/relationships" xmlns:p="http://schemas.openxmlformats.org/presentationml/2006/main">
   <p:cSld>
     <p:spTree>
@@ -5668,7 +6649,7 @@
 </p:sld>
 </file>
 
-<file path=ppt/slides/slide7.xml><?xml version="1.0" encoding="utf-8"?>
+<file path=ppt/slides/slide9.xml><?xml version="1.0" encoding="utf-8"?>
 <p:sld xmlns:a="http://schemas.openxmlformats.org/drawingml/2006/main" xmlns:r="http://schemas.openxmlformats.org/officeDocument/2006/relationships" xmlns:p="http://schemas.openxmlformats.org/presentationml/2006/main">
   <p:cSld>
     <p:spTree>
@@ -5826,363 +6807,6 @@
           </a:ln>
         </p:spPr>
       </p:pic>
-    </p:spTree>
-  </p:cSld>
-</p:sld>
-</file>
-
-<file path=ppt/slides/slide8.xml><?xml version="1.0" encoding="utf-8"?>
-<p:sld xmlns:a="http://schemas.openxmlformats.org/drawingml/2006/main" xmlns:r="http://schemas.openxmlformats.org/officeDocument/2006/relationships" xmlns:p="http://schemas.openxmlformats.org/presentationml/2006/main">
-  <p:cSld>
-    <p:spTree>
-      <p:nvGrpSpPr>
-        <p:cNvPr id="1" name=""/>
-        <p:cNvGrpSpPr/>
-        <p:nvPr/>
-      </p:nvGrpSpPr>
-      <p:grpSpPr>
-        <a:xfrm>
-          <a:off x="0" y="0"/>
-          <a:ext cx="0" cy="0"/>
-          <a:chOff x="0" y="0"/>
-          <a:chExt cx="0" cy="0"/>
-        </a:xfrm>
-      </p:grpSpPr>
-      <p:sp>
-        <p:nvSpPr>
-          <p:cNvPr id="2" name="Title 1">
-            <a:extLst>
-              <a:ext uri="{FF2B5EF4-FFF2-40B4-BE49-F238E27FC236}">
-                <a16:creationId xmlns:a16="http://schemas.microsoft.com/office/drawing/2014/main" id="{5567D468-EE70-CD4E-A3AC-039CC11EF1FB}"/>
-              </a:ext>
-            </a:extLst>
-          </p:cNvPr>
-          <p:cNvSpPr>
-            <a:spLocks noGrp="1"/>
-          </p:cNvSpPr>
-          <p:nvPr>
-            <p:ph type="title"/>
-          </p:nvPr>
-        </p:nvSpPr>
-        <p:spPr/>
-        <p:txBody>
-          <a:bodyPr/>
-          <a:lstStyle/>
-          <a:p>
-            <a:pPr lvl="0" marL="0" indent="0">
-              <a:buNone/>
-            </a:pPr>
-            <a:r>
-              <a:rPr/>
-              <a:t>Using</a:t>
-            </a:r>
-            <a:r>
-              <a:rPr/>
-              <a:t> </a:t>
-            </a:r>
-            <a:r>
-              <a:rPr/>
-              <a:t>the</a:t>
-            </a:r>
-            <a:r>
-              <a:rPr/>
-              <a:t> </a:t>
-            </a:r>
-            <a:r>
-              <a:rPr/>
-              <a:t>Source/Text</a:t>
-            </a:r>
-            <a:r>
-              <a:rPr/>
-              <a:t> </a:t>
-            </a:r>
-            <a:r>
-              <a:rPr/>
-              <a:t>editor</a:t>
-            </a:r>
-          </a:p>
-        </p:txBody>
-      </p:sp>
-      <p:sp>
-        <p:nvSpPr>
-          <p:cNvPr id="3" name="Content Placeholder 2">
-            <a:extLst>
-              <a:ext uri="{FF2B5EF4-FFF2-40B4-BE49-F238E27FC236}">
-                <a16:creationId xmlns:a16="http://schemas.microsoft.com/office/drawing/2014/main" id="{D10DDA37-E46B-B641-BC9F-636CB92A2C08}"/>
-              </a:ext>
-            </a:extLst>
-          </p:cNvPr>
-          <p:cNvSpPr>
-            <a:spLocks noGrp="1"/>
-          </p:cNvSpPr>
-          <p:nvPr>
-            <p:ph idx="1"/>
-          </p:nvPr>
-        </p:nvSpPr>
-        <p:spPr/>
-        <p:txBody>
-          <a:bodyPr/>
-          <a:lstStyle/>
-          <a:p>
-            <a:pPr lvl="1"/>
-            <a:r>
-              <a:rPr/>
-              <a:t>Type </a:t>
-            </a:r>
-            <a:r>
-              <a:rPr sz="1800">
-                <a:latin typeface="Courier"/>
-              </a:rPr>
-              <a:t>2 + 2</a:t>
-            </a:r>
-            <a:r>
-              <a:rPr/>
-              <a:t> in top left, then </a:t>
-            </a:r>
-            <a:r>
-              <a:rPr sz="1800">
-                <a:latin typeface="Courier"/>
-              </a:rPr>
-              <a:t>Enter</a:t>
-            </a:r>
-            <a:r>
-              <a:rPr/>
-              <a:t>.</a:t>
-            </a:r>
-          </a:p>
-          <a:p>
-            <a:pPr lvl="1"/>
-            <a:r>
-              <a:rPr/>
-              <a:t>What happens?</a:t>
-            </a:r>
-          </a:p>
-          <a:p>
-            <a:pPr lvl="1"/>
-            <a:r>
-              <a:rPr/>
-              <a:t>To ask R to run code</a:t>
-            </a:r>
-          </a:p>
-          <a:p>
-            <a:pPr lvl="1"/>
-            <a:r>
-              <a:rPr/>
-              <a:t>Highlight the code and:</a:t>
-            </a:r>
-          </a:p>
-          <a:p>
-            <a:pPr lvl="2"/>
-            <a:r>
-              <a:rPr/>
-              <a:t>MacOS: </a:t>
-            </a:r>
-            <a:r>
-              <a:rPr sz="1800">
-                <a:latin typeface="Courier"/>
-              </a:rPr>
-              <a:t>Cmd + Enter</a:t>
-            </a:r>
-          </a:p>
-          <a:p>
-            <a:pPr lvl="2"/>
-            <a:r>
-              <a:rPr/>
-              <a:t>Windows: </a:t>
-            </a:r>
-            <a:r>
-              <a:rPr sz="1800">
-                <a:latin typeface="Courier"/>
-              </a:rPr>
-              <a:t>Ctrl + Enter</a:t>
-            </a:r>
-          </a:p>
-          <a:p>
-            <a:pPr lvl="1"/>
-            <a:r>
-              <a:rPr/>
-              <a:t>Notice the output in the console.</a:t>
-            </a:r>
-          </a:p>
-        </p:txBody>
-      </p:sp>
-    </p:spTree>
-  </p:cSld>
-</p:sld>
-</file>
-
-<file path=ppt/slides/slide9.xml><?xml version="1.0" encoding="utf-8"?>
-<p:sld xmlns:a="http://schemas.openxmlformats.org/drawingml/2006/main" xmlns:r="http://schemas.openxmlformats.org/officeDocument/2006/relationships" xmlns:p="http://schemas.openxmlformats.org/presentationml/2006/main">
-  <p:cSld>
-    <p:spTree>
-      <p:nvGrpSpPr>
-        <p:cNvPr id="1" name=""/>
-        <p:cNvGrpSpPr/>
-        <p:nvPr/>
-      </p:nvGrpSpPr>
-      <p:grpSpPr>
-        <a:xfrm>
-          <a:off x="0" y="0"/>
-          <a:ext cx="0" cy="0"/>
-          <a:chOff x="0" y="0"/>
-          <a:chExt cx="0" cy="0"/>
-        </a:xfrm>
-      </p:grpSpPr>
-      <p:sp>
-        <p:nvSpPr>
-          <p:cNvPr id="2" name="Title 1">
-            <a:extLst>
-              <a:ext uri="{FF2B5EF4-FFF2-40B4-BE49-F238E27FC236}">
-                <a16:creationId xmlns:a16="http://schemas.microsoft.com/office/drawing/2014/main" id="{5567D468-EE70-CD4E-A3AC-039CC11EF1FB}"/>
-              </a:ext>
-            </a:extLst>
-          </p:cNvPr>
-          <p:cNvSpPr>
-            <a:spLocks noGrp="1"/>
-          </p:cNvSpPr>
-          <p:nvPr>
-            <p:ph type="title"/>
-          </p:nvPr>
-        </p:nvSpPr>
-        <p:spPr/>
-        <p:txBody>
-          <a:bodyPr/>
-          <a:lstStyle/>
-          <a:p>
-            <a:pPr lvl="0" marL="0" indent="0">
-              <a:buNone/>
-            </a:pPr>
-            <a:r>
-              <a:rPr/>
-              <a:t>A</a:t>
-            </a:r>
-            <a:r>
-              <a:rPr/>
-              <a:t> </a:t>
-            </a:r>
-            <a:r>
-              <a:rPr/>
-              <a:t>warning</a:t>
-            </a:r>
-            <a:r>
-              <a:rPr/>
-              <a:t> </a:t>
-            </a:r>
-            <a:r>
-              <a:rPr/>
-              <a:t>about</a:t>
-            </a:r>
-            <a:r>
-              <a:rPr/>
-              <a:t> </a:t>
-            </a:r>
-            <a:r>
-              <a:rPr/>
-              <a:t>R</a:t>
-            </a:r>
-            <a:r>
-              <a:rPr/>
-              <a:t> </a:t>
-            </a:r>
-            <a:r>
-              <a:rPr/>
-              <a:t>warnings</a:t>
-            </a:r>
-            <a:r>
-              <a:rPr/>
-              <a:t> </a:t>
-            </a:r>
-            <a:r>
-              <a:rPr/>
-              <a:t>&amp;</a:t>
-            </a:r>
-            <a:r>
-              <a:rPr/>
-              <a:t> </a:t>
-            </a:r>
-            <a:r>
-              <a:rPr/>
-              <a:t>errors</a:t>
-            </a:r>
-          </a:p>
-        </p:txBody>
-      </p:sp>
-      <p:sp>
-        <p:nvSpPr>
-          <p:cNvPr id="3" name="Content Placeholder 2">
-            <a:extLst>
-              <a:ext uri="{FF2B5EF4-FFF2-40B4-BE49-F238E27FC236}">
-                <a16:creationId xmlns:a16="http://schemas.microsoft.com/office/drawing/2014/main" id="{D10DDA37-E46B-B641-BC9F-636CB92A2C08}"/>
-              </a:ext>
-            </a:extLst>
-          </p:cNvPr>
-          <p:cNvSpPr>
-            <a:spLocks noGrp="1"/>
-          </p:cNvSpPr>
-          <p:nvPr>
-            <p:ph idx="1"/>
-          </p:nvPr>
-        </p:nvSpPr>
-        <p:spPr/>
-        <p:txBody>
-          <a:bodyPr/>
-          <a:lstStyle/>
-          <a:p>
-            <a:pPr lvl="0" marL="0" indent="0">
-              <a:buNone/>
-            </a:pPr>
-            <a:r>
-              <a:rPr/>
-              <a:t>DON’T PANIC : they are common &amp; expected</a:t>
-            </a:r>
-          </a:p>
-          <a:p>
-            <a:pPr lvl="0" marL="0" indent="0">
-              <a:buNone/>
-            </a:pPr>
-            <a:r>
-              <a:rPr sz="1800">
-                <a:latin typeface="Courier"/>
-              </a:rPr>
-              <a:t>Warnings</a:t>
-            </a:r>
-            <a:r>
-              <a:rPr/>
-              <a:t> give you info that often you can ignore</a:t>
-            </a:r>
-          </a:p>
-          <a:p>
-            <a:pPr lvl="0" marL="0" indent="0">
-              <a:buNone/>
-            </a:pPr>
-            <a:r>
-              <a:rPr sz="1800">
-                <a:latin typeface="Courier"/>
-              </a:rPr>
-              <a:t>Errors</a:t>
-            </a:r>
-            <a:r>
-              <a:rPr/>
-              <a:t> usually need to be fixed and are usually due to a typo</a:t>
-            </a:r>
-          </a:p>
-          <a:p>
-            <a:pPr lvl="0" marL="0" indent="0">
-              <a:buNone/>
-            </a:pPr>
-            <a:r>
-              <a:rPr sz="1800">
-                <a:latin typeface="Courier"/>
-              </a:rPr>
-              <a:t>Errors</a:t>
-            </a:r>
-            <a:r>
-              <a:rPr/>
-              <a:t> check the first one - if it doesn’t make sense to you, google it</a:t>
-            </a:r>
-          </a:p>
-        </p:txBody>
-      </p:sp>
     </p:spTree>
   </p:cSld>
 </p:sld>

--- a/sessions/1-R-taster.pptx
+++ b/sessions/1-R-taster.pptx
@@ -4875,7 +4875,7 @@
             </a:r>
             <a:r>
               <a:rPr/>
-              <a:t>line</a:t>
+              <a:t>lines</a:t>
             </a:r>
             <a:r>
               <a:rPr/>
@@ -5286,7 +5286,7 @@
       </p:sp>
       <p:pic>
         <p:nvPicPr>
-          <p:cNvPr descr="../Images/00-01-new-project.png" id="0" name="Picture 1"/>
+          <p:cNvPr descr="../images/00-01-new-project.png" id="0" name="Picture 1"/>
           <p:cNvPicPr>
             <a:picLocks noGrp="1" noChangeAspect="1"/>
           </p:cNvPicPr>
@@ -5338,7 +5338,7 @@
       </p:grpSpPr>
       <p:pic>
         <p:nvPicPr>
-          <p:cNvPr descr="../Images/00-02-from-version-control.png" id="0" name="Picture 1"/>
+          <p:cNvPr descr="../images/00-02-from-version-control.png" id="0" name="Picture 1"/>
           <p:cNvPicPr>
             <a:picLocks noGrp="1" noChangeAspect="1"/>
           </p:cNvPicPr>
@@ -5390,7 +5390,7 @@
       </p:grpSpPr>
       <p:pic>
         <p:nvPicPr>
-          <p:cNvPr descr="../Images/00-03-from-git.png" id="0" name="Picture 1"/>
+          <p:cNvPr descr="../images/00-03-from-git.png" id="0" name="Picture 1"/>
           <p:cNvPicPr>
             <a:picLocks noGrp="1" noChangeAspect="1"/>
           </p:cNvPicPr>
@@ -5507,7 +5507,7 @@
       </p:sp>
       <p:pic>
         <p:nvPicPr>
-          <p:cNvPr descr="../Images/00-04-git-url.png" id="0" name="Picture 1"/>
+          <p:cNvPr descr="../images/00-04-git-url.png" id="0" name="Picture 1"/>
           <p:cNvPicPr>
             <a:picLocks noGrp="1" noChangeAspect="1"/>
           </p:cNvPicPr>
@@ -5638,7 +5638,7 @@
       </p:sp>
       <p:pic>
         <p:nvPicPr>
-          <p:cNvPr descr="../Images/00-05-clone-progress.png" id="0" name="Picture 1"/>
+          <p:cNvPr descr="../images/00-05-clone-progress.png" id="0" name="Picture 1"/>
           <p:cNvPicPr>
             <a:picLocks noGrp="1" noChangeAspect="1"/>
           </p:cNvPicPr>
@@ -6154,7 +6154,7 @@
       </p:sp>
       <p:pic>
         <p:nvPicPr>
-          <p:cNvPr descr="../Images/uclh-data-science-desktop.png" id="0" name="Picture 1"/>
+          <p:cNvPr descr="../images/uclh-data-science-desktop.png" id="0" name="Picture 1"/>
           <p:cNvPicPr>
             <a:picLocks noGrp="1" noChangeAspect="1"/>
           </p:cNvPicPr>
@@ -6322,7 +6322,7 @@
       </p:grpSpPr>
       <p:pic>
         <p:nvPicPr>
-          <p:cNvPr descr="../Images/uclh-data-science-desktop-rstudio.png" id="0" name="Picture 1"/>
+          <p:cNvPr descr="../images/uclh-data-science-desktop-rstudio.png" id="0" name="Picture 1"/>
           <p:cNvPicPr>
             <a:picLocks noGrp="1" noChangeAspect="1"/>
           </p:cNvPicPr>
@@ -6616,7 +6616,7 @@
       </p:sp>
       <p:pic>
         <p:nvPicPr>
-          <p:cNvPr descr="../Images/RConsole.png" id="0" name="Picture 1"/>
+          <p:cNvPr descr="../images/RConsole.png" id="0" name="Picture 1"/>
           <p:cNvPicPr>
             <a:picLocks noGrp="1" noChangeAspect="1"/>
           </p:cNvPicPr>
@@ -6779,7 +6779,7 @@
       </p:sp>
       <p:pic>
         <p:nvPicPr>
-          <p:cNvPr descr="../Images/RStudioHighlightWindows.png" id="0" name="Picture 1"/>
+          <p:cNvPr descr="../images/RStudioHighlightWindows.png" id="0" name="Picture 1"/>
           <p:cNvPicPr>
             <a:picLocks noGrp="1" noChangeAspect="1"/>
           </p:cNvPicPr>
